--- a/lectures/E03-Funktioner/E03 - Funktioner.pptx
+++ b/lectures/E03-Funktioner/E03 - Funktioner.pptx
@@ -224,7 +224,7 @@
             <a:fld id="{D591C14E-198E-48A7-ABEC-7FB80E868E55}" type="datetimeFigureOut">
               <a:rPr lang="sv-SE" smtClean="0"/>
               <a:pPr/>
-              <a:t>2013-11-12</a:t>
+              <a:t>2013-11-13</a:t>
             </a:fld>
             <a:endParaRPr lang="sv-SE"/>
           </a:p>
@@ -391,7 +391,7 @@
             <a:fld id="{188BB863-C913-48B5-BD1A-638D82A0C76B}" type="datetimeFigureOut">
               <a:rPr lang="sv-SE" smtClean="0"/>
               <a:pPr/>
-              <a:t>2013-11-12</a:t>
+              <a:t>2013-11-13</a:t>
             </a:fld>
             <a:endParaRPr lang="sv-SE"/>
           </a:p>
@@ -8370,7 +8370,7 @@
         <p:spPr>
           <a:xfrm>
             <a:off x="395536" y="1201316"/>
-            <a:ext cx="3910045" cy="954107"/>
+            <a:ext cx="3996131" cy="954107"/>
           </a:xfrm>
           <a:prstGeom prst="rect">
             <a:avLst/>
@@ -8387,8 +8387,23 @@
               <a:rPr lang="sv-SE" sz="2800" b="1" dirty="0" smtClean="0">
                 <a:latin typeface="Minya Nouvelle" pitchFamily="2" charset="0"/>
               </a:rPr>
-              <a:t>Föreläsning 3, HT2012</a:t>
-            </a:r>
+              <a:t>Föreläsning 3</a:t>
+            </a:r>
+            <a:r>
+              <a:rPr lang="sv-SE" sz="2800" b="1" smtClean="0">
+                <a:latin typeface="Minya Nouvelle" pitchFamily="2" charset="0"/>
+              </a:rPr>
+              <a:t>, </a:t>
+            </a:r>
+            <a:r>
+              <a:rPr lang="sv-SE" sz="2800" b="1" smtClean="0">
+                <a:latin typeface="Minya Nouvelle" pitchFamily="2" charset="0"/>
+              </a:rPr>
+              <a:t>HT2013</a:t>
+            </a:r>
+            <a:endParaRPr lang="sv-SE" sz="2800" b="1" dirty="0" smtClean="0">
+              <a:latin typeface="Minya Nouvelle" pitchFamily="2" charset="0"/>
+            </a:endParaRPr>
           </a:p>
           <a:p>
             <a:r>

--- a/lectures/E03-Funktioner/E03 - Funktioner.pptx
+++ b/lectures/E03-Funktioner/E03 - Funktioner.pptx
@@ -5,41 +5,43 @@
     <p:sldMasterId id="2147483648" r:id="rId1"/>
   </p:sldMasterIdLst>
   <p:notesMasterIdLst>
-    <p:notesMasterId r:id="rId31"/>
+    <p:notesMasterId r:id="rId33"/>
   </p:notesMasterIdLst>
   <p:handoutMasterIdLst>
-    <p:handoutMasterId r:id="rId32"/>
+    <p:handoutMasterId r:id="rId34"/>
   </p:handoutMasterIdLst>
   <p:sldIdLst>
     <p:sldId id="328" r:id="rId2"/>
     <p:sldId id="268" r:id="rId3"/>
-    <p:sldId id="305" r:id="rId4"/>
-    <p:sldId id="312" r:id="rId5"/>
-    <p:sldId id="313" r:id="rId6"/>
-    <p:sldId id="308" r:id="rId7"/>
-    <p:sldId id="326" r:id="rId8"/>
-    <p:sldId id="307" r:id="rId9"/>
-    <p:sldId id="322" r:id="rId10"/>
-    <p:sldId id="319" r:id="rId11"/>
-    <p:sldId id="327" r:id="rId12"/>
-    <p:sldId id="323" r:id="rId13"/>
-    <p:sldId id="325" r:id="rId14"/>
-    <p:sldId id="324" r:id="rId15"/>
-    <p:sldId id="330" r:id="rId16"/>
-    <p:sldId id="303" r:id="rId17"/>
-    <p:sldId id="315" r:id="rId18"/>
-    <p:sldId id="316" r:id="rId19"/>
-    <p:sldId id="331" r:id="rId20"/>
-    <p:sldId id="332" r:id="rId21"/>
-    <p:sldId id="320" r:id="rId22"/>
-    <p:sldId id="321" r:id="rId23"/>
-    <p:sldId id="310" r:id="rId24"/>
-    <p:sldId id="317" r:id="rId25"/>
-    <p:sldId id="318" r:id="rId26"/>
-    <p:sldId id="311" r:id="rId27"/>
-    <p:sldId id="306" r:id="rId28"/>
-    <p:sldId id="309" r:id="rId29"/>
-    <p:sldId id="329" r:id="rId30"/>
+    <p:sldId id="333" r:id="rId4"/>
+    <p:sldId id="305" r:id="rId5"/>
+    <p:sldId id="312" r:id="rId6"/>
+    <p:sldId id="313" r:id="rId7"/>
+    <p:sldId id="308" r:id="rId8"/>
+    <p:sldId id="326" r:id="rId9"/>
+    <p:sldId id="307" r:id="rId10"/>
+    <p:sldId id="322" r:id="rId11"/>
+    <p:sldId id="319" r:id="rId12"/>
+    <p:sldId id="334" r:id="rId13"/>
+    <p:sldId id="327" r:id="rId14"/>
+    <p:sldId id="323" r:id="rId15"/>
+    <p:sldId id="325" r:id="rId16"/>
+    <p:sldId id="324" r:id="rId17"/>
+    <p:sldId id="330" r:id="rId18"/>
+    <p:sldId id="303" r:id="rId19"/>
+    <p:sldId id="315" r:id="rId20"/>
+    <p:sldId id="316" r:id="rId21"/>
+    <p:sldId id="331" r:id="rId22"/>
+    <p:sldId id="332" r:id="rId23"/>
+    <p:sldId id="320" r:id="rId24"/>
+    <p:sldId id="321" r:id="rId25"/>
+    <p:sldId id="310" r:id="rId26"/>
+    <p:sldId id="317" r:id="rId27"/>
+    <p:sldId id="318" r:id="rId28"/>
+    <p:sldId id="311" r:id="rId29"/>
+    <p:sldId id="306" r:id="rId30"/>
+    <p:sldId id="309" r:id="rId31"/>
+    <p:sldId id="329" r:id="rId32"/>
   </p:sldIdLst>
   <p:sldSz cx="9144000" cy="5715000" type="screen16x10"/>
   <p:notesSz cx="7099300" cy="10234613"/>
@@ -744,7 +746,7 @@
             <a:fld id="{87A2DC32-3504-46EA-A4CB-95ED6A325EDF}" type="slidenum">
               <a:rPr lang="sv-SE" smtClean="0"/>
               <a:pPr/>
-              <a:t>5</a:t>
+              <a:t>6</a:t>
             </a:fld>
             <a:endParaRPr lang="sv-SE"/>
           </a:p>
@@ -878,7 +880,7 @@
             <a:fld id="{87A2DC32-3504-46EA-A4CB-95ED6A325EDF}" type="slidenum">
               <a:rPr lang="sv-SE" smtClean="0"/>
               <a:pPr/>
-              <a:t>27</a:t>
+              <a:t>29</a:t>
             </a:fld>
             <a:endParaRPr lang="sv-SE"/>
           </a:p>
@@ -967,7 +969,7 @@
             <a:fld id="{87A2DC32-3504-46EA-A4CB-95ED6A325EDF}" type="slidenum">
               <a:rPr lang="sv-SE" smtClean="0"/>
               <a:pPr/>
-              <a:t>28</a:t>
+              <a:t>30</a:t>
             </a:fld>
             <a:endParaRPr lang="sv-SE"/>
           </a:p>
@@ -1060,7 +1062,7 @@
             <a:fld id="{87A2DC32-3504-46EA-A4CB-95ED6A325EDF}" type="slidenum">
               <a:rPr lang="sv-SE" smtClean="0"/>
               <a:pPr/>
-              <a:t>8</a:t>
+              <a:t>9</a:t>
             </a:fld>
             <a:endParaRPr lang="sv-SE"/>
           </a:p>
@@ -1145,7 +1147,7 @@
             <a:fld id="{87A2DC32-3504-46EA-A4CB-95ED6A325EDF}" type="slidenum">
               <a:rPr lang="sv-SE" smtClean="0"/>
               <a:pPr/>
-              <a:t>9</a:t>
+              <a:t>10</a:t>
             </a:fld>
             <a:endParaRPr lang="sv-SE"/>
           </a:p>
@@ -1238,7 +1240,7 @@
             <a:fld id="{87A2DC32-3504-46EA-A4CB-95ED6A325EDF}" type="slidenum">
               <a:rPr lang="sv-SE" smtClean="0"/>
               <a:pPr/>
-              <a:t>12</a:t>
+              <a:t>14</a:t>
             </a:fld>
             <a:endParaRPr lang="sv-SE"/>
           </a:p>
@@ -1331,7 +1333,7 @@
             <a:fld id="{87A2DC32-3504-46EA-A4CB-95ED6A325EDF}" type="slidenum">
               <a:rPr lang="sv-SE" smtClean="0"/>
               <a:pPr/>
-              <a:t>16</a:t>
+              <a:t>18</a:t>
             </a:fld>
             <a:endParaRPr lang="sv-SE"/>
           </a:p>
@@ -1480,7 +1482,7 @@
             <a:fld id="{87A2DC32-3504-46EA-A4CB-95ED6A325EDF}" type="slidenum">
               <a:rPr lang="sv-SE" smtClean="0"/>
               <a:pPr/>
-              <a:t>18</a:t>
+              <a:t>20</a:t>
             </a:fld>
             <a:endParaRPr lang="sv-SE"/>
           </a:p>
@@ -1624,7 +1626,7 @@
             <a:fld id="{87A2DC32-3504-46EA-A4CB-95ED6A325EDF}" type="slidenum">
               <a:rPr lang="sv-SE" smtClean="0"/>
               <a:pPr/>
-              <a:t>21</a:t>
+              <a:t>23</a:t>
             </a:fld>
             <a:endParaRPr lang="sv-SE"/>
           </a:p>
@@ -1713,7 +1715,7 @@
             <a:fld id="{87A2DC32-3504-46EA-A4CB-95ED6A325EDF}" type="slidenum">
               <a:rPr lang="sv-SE" smtClean="0"/>
               <a:pPr/>
-              <a:t>22</a:t>
+              <a:t>24</a:t>
             </a:fld>
             <a:endParaRPr lang="sv-SE"/>
           </a:p>
@@ -1924,7 +1926,7 @@
             <a:fld id="{87A2DC32-3504-46EA-A4CB-95ED6A325EDF}" type="slidenum">
               <a:rPr lang="sv-SE" smtClean="0"/>
               <a:pPr/>
-              <a:t>26</a:t>
+              <a:t>28</a:t>
             </a:fld>
             <a:endParaRPr lang="sv-SE"/>
           </a:p>
@@ -8387,16 +8389,10 @@
               <a:rPr lang="sv-SE" sz="2800" b="1" dirty="0" smtClean="0">
                 <a:latin typeface="Minya Nouvelle" pitchFamily="2" charset="0"/>
               </a:rPr>
-              <a:t>Föreläsning 3</a:t>
-            </a:r>
-            <a:r>
-              <a:rPr lang="sv-SE" sz="2800" b="1" smtClean="0">
-                <a:latin typeface="Minya Nouvelle" pitchFamily="2" charset="0"/>
-              </a:rPr>
-              <a:t>, </a:t>
-            </a:r>
-            <a:r>
-              <a:rPr lang="sv-SE" sz="2800" b="1" smtClean="0">
+              <a:t>Föreläsning 3, </a:t>
+            </a:r>
+            <a:r>
+              <a:rPr lang="sv-SE" sz="2800" b="1" dirty="0" smtClean="0">
                 <a:latin typeface="Minya Nouvelle" pitchFamily="2" charset="0"/>
               </a:rPr>
               <a:t>HT2013</a:t>
@@ -8585,8 +8581,8 @@
           <a:lstStyle/>
           <a:p>
             <a:r>
-              <a:rPr lang="sv-SE" dirty="0" err="1" smtClean="0"/>
-              <a:t>Variabelscope</a:t>
+              <a:rPr lang="sv-SE" dirty="0" smtClean="0"/>
+              <a:t>Ordningen spelar roll</a:t>
             </a:r>
             <a:endParaRPr lang="sv-SE" dirty="0"/>
           </a:p>
@@ -8594,24 +8590,18 @@
       </p:sp>
       <p:sp>
         <p:nvSpPr>
-          <p:cNvPr id="8" name="AutoShape 3"/>
-          <p:cNvSpPr>
-            <a:spLocks noChangeArrowheads="1"/>
-          </p:cNvSpPr>
+          <p:cNvPr id="4" name="TextBox 3"/>
+          <p:cNvSpPr txBox="1"/>
           <p:nvPr/>
         </p:nvSpPr>
-        <p:spPr bwMode="auto">
+        <p:spPr>
           <a:xfrm>
-            <a:off x="395536" y="1345332"/>
-            <a:ext cx="3888556" cy="2862322"/>
+            <a:off x="971600" y="1273324"/>
+            <a:ext cx="6984776" cy="3539430"/>
           </a:xfrm>
           <a:prstGeom prst="rect">
             <a:avLst/>
           </a:prstGeom>
-          <a:ln>
-            <a:headEnd/>
-            <a:tailEnd/>
-          </a:ln>
         </p:spPr>
         <p:style>
           <a:lnRef idx="1">
@@ -8628,174 +8618,374 @@
           </a:fontRef>
         </p:style>
         <p:txBody>
-          <a:bodyPr wrap="square" anchor="ctr">
+          <a:bodyPr wrap="square" rtlCol="0">
             <a:spAutoFit/>
           </a:bodyPr>
           <a:lstStyle/>
           <a:p>
-            <a:endParaRPr lang="nb-NO" dirty="0" smtClean="0">
-              <a:solidFill>
-                <a:srgbClr val="000000"/>
-              </a:solidFill>
+            <a:r>
+              <a:rPr lang="sv-SE" sz="1400" dirty="0">
+                <a:latin typeface="Courier New" pitchFamily="49" charset="0"/>
+                <a:cs typeface="Courier New" pitchFamily="49" charset="0"/>
+              </a:rPr>
+              <a:t>&lt;html&gt;</a:t>
+            </a:r>
+          </a:p>
+          <a:p>
+            <a:r>
+              <a:rPr lang="sv-SE" sz="1400" dirty="0">
+                <a:latin typeface="Courier New" pitchFamily="49" charset="0"/>
+                <a:cs typeface="Courier New" pitchFamily="49" charset="0"/>
+              </a:rPr>
+              <a:t>	&lt;</a:t>
+            </a:r>
+            <a:r>
+              <a:rPr lang="sv-SE" sz="1400" dirty="0" err="1">
+                <a:latin typeface="Courier New" pitchFamily="49" charset="0"/>
+                <a:cs typeface="Courier New" pitchFamily="49" charset="0"/>
+              </a:rPr>
+              <a:t>head</a:t>
+            </a:r>
+            <a:r>
+              <a:rPr lang="sv-SE" sz="1400" dirty="0">
+                <a:latin typeface="Courier New" pitchFamily="49" charset="0"/>
+                <a:cs typeface="Courier New" pitchFamily="49" charset="0"/>
+              </a:rPr>
+              <a:t>&gt;</a:t>
+            </a:r>
+          </a:p>
+          <a:p>
+            <a:r>
+              <a:rPr lang="sv-SE" sz="1400" dirty="0">
+                <a:latin typeface="Courier New" pitchFamily="49" charset="0"/>
+                <a:cs typeface="Courier New" pitchFamily="49" charset="0"/>
+              </a:rPr>
+              <a:t>		&lt;</a:t>
+            </a:r>
+            <a:r>
+              <a:rPr lang="sv-SE" sz="1400" dirty="0" err="1" smtClean="0">
+                <a:latin typeface="Courier New" pitchFamily="49" charset="0"/>
+                <a:cs typeface="Courier New" pitchFamily="49" charset="0"/>
+              </a:rPr>
+              <a:t>title</a:t>
+            </a:r>
+            <a:r>
+              <a:rPr lang="sv-SE" sz="1400" dirty="0" smtClean="0">
+                <a:latin typeface="Courier New" pitchFamily="49" charset="0"/>
+                <a:cs typeface="Courier New" pitchFamily="49" charset="0"/>
+              </a:rPr>
+              <a:t>&gt;Funktioner&lt;/</a:t>
+            </a:r>
+            <a:r>
+              <a:rPr lang="sv-SE" sz="1400" dirty="0" err="1">
+                <a:latin typeface="Courier New" pitchFamily="49" charset="0"/>
+                <a:cs typeface="Courier New" pitchFamily="49" charset="0"/>
+              </a:rPr>
+              <a:t>title</a:t>
+            </a:r>
+            <a:r>
+              <a:rPr lang="sv-SE" sz="1400" dirty="0">
+                <a:latin typeface="Courier New" pitchFamily="49" charset="0"/>
+                <a:cs typeface="Courier New" pitchFamily="49" charset="0"/>
+              </a:rPr>
+              <a:t>&gt;</a:t>
+            </a:r>
+          </a:p>
+          <a:p>
+            <a:r>
+              <a:rPr lang="sv-SE" sz="1400" dirty="0">
+                <a:latin typeface="Courier New" pitchFamily="49" charset="0"/>
+                <a:cs typeface="Courier New" pitchFamily="49" charset="0"/>
+              </a:rPr>
+              <a:t>		</a:t>
+            </a:r>
+            <a:r>
+              <a:rPr lang="sv-SE" sz="1400" b="1" dirty="0">
+                <a:latin typeface="Courier New" pitchFamily="49" charset="0"/>
+                <a:cs typeface="Courier New" pitchFamily="49" charset="0"/>
+              </a:rPr>
+              <a:t>&lt;script </a:t>
+            </a:r>
+            <a:r>
+              <a:rPr lang="sv-SE" sz="1400" b="1" dirty="0" err="1" smtClean="0">
+                <a:latin typeface="Courier New" pitchFamily="49" charset="0"/>
+                <a:cs typeface="Courier New" pitchFamily="49" charset="0"/>
+              </a:rPr>
+              <a:t>src</a:t>
+            </a:r>
+            <a:r>
+              <a:rPr lang="sv-SE" sz="1400" b="1" dirty="0" smtClean="0">
+                <a:latin typeface="Courier New" pitchFamily="49" charset="0"/>
+                <a:cs typeface="Courier New" pitchFamily="49" charset="0"/>
+              </a:rPr>
+              <a:t>="myFuncs1.js</a:t>
+            </a:r>
+            <a:r>
+              <a:rPr lang="sv-SE" sz="1400" b="1" dirty="0">
+                <a:latin typeface="Courier New" pitchFamily="49" charset="0"/>
+                <a:cs typeface="Courier New" pitchFamily="49" charset="0"/>
+              </a:rPr>
+              <a:t>"&gt;&lt;/script&gt;</a:t>
+            </a:r>
+          </a:p>
+          <a:p>
+            <a:r>
+              <a:rPr lang="sv-SE" sz="1400" dirty="0" smtClean="0">
+                <a:latin typeface="Courier New" pitchFamily="49" charset="0"/>
+                <a:cs typeface="Courier New" pitchFamily="49" charset="0"/>
+              </a:rPr>
+              <a:t>	&lt;/</a:t>
+            </a:r>
+            <a:r>
+              <a:rPr lang="sv-SE" sz="1400" dirty="0" err="1">
+                <a:latin typeface="Courier New" pitchFamily="49" charset="0"/>
+                <a:cs typeface="Courier New" pitchFamily="49" charset="0"/>
+              </a:rPr>
+              <a:t>head</a:t>
+            </a:r>
+            <a:r>
+              <a:rPr lang="sv-SE" sz="1400" dirty="0">
+                <a:latin typeface="Courier New" pitchFamily="49" charset="0"/>
+                <a:cs typeface="Courier New" pitchFamily="49" charset="0"/>
+              </a:rPr>
+              <a:t>&gt;</a:t>
+            </a:r>
+          </a:p>
+          <a:p>
+            <a:r>
+              <a:rPr lang="sv-SE" sz="1400" dirty="0">
+                <a:latin typeface="Courier New" pitchFamily="49" charset="0"/>
+                <a:cs typeface="Courier New" pitchFamily="49" charset="0"/>
+              </a:rPr>
+              <a:t>	</a:t>
+            </a:r>
+          </a:p>
+          <a:p>
+            <a:r>
+              <a:rPr lang="sv-SE" sz="1400" dirty="0">
+                <a:latin typeface="Courier New" pitchFamily="49" charset="0"/>
+                <a:cs typeface="Courier New" pitchFamily="49" charset="0"/>
+              </a:rPr>
+              <a:t>	&lt;</a:t>
+            </a:r>
+            <a:r>
+              <a:rPr lang="sv-SE" sz="1400" dirty="0" err="1">
+                <a:latin typeface="Courier New" pitchFamily="49" charset="0"/>
+                <a:cs typeface="Courier New" pitchFamily="49" charset="0"/>
+              </a:rPr>
+              <a:t>body</a:t>
+            </a:r>
+            <a:r>
+              <a:rPr lang="sv-SE" sz="1400" dirty="0">
+                <a:latin typeface="Courier New" pitchFamily="49" charset="0"/>
+                <a:cs typeface="Courier New" pitchFamily="49" charset="0"/>
+              </a:rPr>
+              <a:t>&gt;</a:t>
+            </a:r>
+          </a:p>
+          <a:p>
+            <a:r>
+              <a:rPr lang="sv-SE" sz="1400" dirty="0">
+                <a:latin typeface="Courier New" pitchFamily="49" charset="0"/>
+                <a:cs typeface="Courier New" pitchFamily="49" charset="0"/>
+              </a:rPr>
+              <a:t>		</a:t>
+            </a:r>
+            <a:r>
+              <a:rPr lang="sv-SE" sz="1400" b="1" dirty="0">
+                <a:latin typeface="Courier New" pitchFamily="49" charset="0"/>
+                <a:cs typeface="Courier New" pitchFamily="49" charset="0"/>
+              </a:rPr>
+              <a:t>&lt;script </a:t>
+            </a:r>
+            <a:r>
+              <a:rPr lang="sv-SE" sz="1400" b="1" dirty="0" err="1">
+                <a:latin typeface="Courier New" pitchFamily="49" charset="0"/>
+                <a:cs typeface="Courier New" pitchFamily="49" charset="0"/>
+              </a:rPr>
+              <a:t>type</a:t>
+            </a:r>
+            <a:r>
+              <a:rPr lang="sv-SE" sz="1400" b="1" dirty="0">
+                <a:latin typeface="Courier New" pitchFamily="49" charset="0"/>
+                <a:cs typeface="Courier New" pitchFamily="49" charset="0"/>
+              </a:rPr>
+              <a:t>="text/</a:t>
+            </a:r>
+            <a:r>
+              <a:rPr lang="sv-SE" sz="1400" b="1" dirty="0" err="1">
+                <a:latin typeface="Courier New" pitchFamily="49" charset="0"/>
+                <a:cs typeface="Courier New" pitchFamily="49" charset="0"/>
+              </a:rPr>
+              <a:t>javascript</a:t>
+            </a:r>
+            <a:r>
+              <a:rPr lang="sv-SE" sz="1400" b="1" dirty="0">
+                <a:latin typeface="Courier New" pitchFamily="49" charset="0"/>
+                <a:cs typeface="Courier New" pitchFamily="49" charset="0"/>
+              </a:rPr>
+              <a:t>"&gt;</a:t>
+            </a:r>
+          </a:p>
+          <a:p>
+            <a:r>
+              <a:rPr lang="sv-SE" sz="1400" b="1" dirty="0">
+                <a:latin typeface="Courier New" pitchFamily="49" charset="0"/>
+                <a:cs typeface="Courier New" pitchFamily="49" charset="0"/>
+              </a:rPr>
+              <a:t>			</a:t>
+            </a:r>
+            <a:r>
+              <a:rPr lang="sv-SE" sz="1400" b="1" dirty="0" smtClean="0">
+                <a:latin typeface="Courier New" pitchFamily="49" charset="0"/>
+                <a:cs typeface="Courier New" pitchFamily="49" charset="0"/>
+              </a:rPr>
+              <a:t>myFunction1(); // Ok, inladdad</a:t>
+            </a:r>
+          </a:p>
+          <a:p>
+            <a:r>
+              <a:rPr lang="sv-SE" sz="1400" b="1" dirty="0">
+                <a:latin typeface="Courier New" pitchFamily="49" charset="0"/>
+                <a:cs typeface="Courier New" pitchFamily="49" charset="0"/>
+              </a:rPr>
+              <a:t>	</a:t>
+            </a:r>
+            <a:r>
+              <a:rPr lang="sv-SE" sz="1400" b="1" dirty="0" smtClean="0">
+                <a:latin typeface="Courier New" pitchFamily="49" charset="0"/>
+                <a:cs typeface="Courier New" pitchFamily="49" charset="0"/>
+              </a:rPr>
+              <a:t>		myFunction2(); // </a:t>
+            </a:r>
+            <a:r>
+              <a:rPr lang="sv-SE" sz="1400" b="1" dirty="0" err="1" smtClean="0">
+                <a:latin typeface="Courier New" pitchFamily="49" charset="0"/>
+                <a:cs typeface="Courier New" pitchFamily="49" charset="0"/>
+              </a:rPr>
+              <a:t>Fail</a:t>
+            </a:r>
+            <a:r>
+              <a:rPr lang="sv-SE" sz="1400" b="1" dirty="0" smtClean="0">
+                <a:latin typeface="Courier New" pitchFamily="49" charset="0"/>
+                <a:cs typeface="Courier New" pitchFamily="49" charset="0"/>
+              </a:rPr>
+              <a:t>, ej inladdad</a:t>
+            </a:r>
+            <a:endParaRPr lang="sv-SE" sz="1400" b="1" dirty="0">
               <a:latin typeface="Courier New" pitchFamily="49" charset="0"/>
-              <a:cs typeface="Times New Roman" pitchFamily="18" charset="0"/>
+              <a:cs typeface="Courier New" pitchFamily="49" charset="0"/>
             </a:endParaRPr>
           </a:p>
           <a:p>
             <a:r>
-              <a:rPr lang="nb-NO" b="1" dirty="0" smtClean="0">
-                <a:solidFill>
-                  <a:srgbClr val="C00000"/>
-                </a:solidFill>
-                <a:latin typeface="Courier New" pitchFamily="49" charset="0"/>
-                <a:cs typeface="Times New Roman" pitchFamily="18" charset="0"/>
-              </a:rPr>
-              <a:t>var color = "blue";</a:t>
-            </a:r>
-          </a:p>
-          <a:p>
-            <a:endParaRPr lang="nb-NO" dirty="0">
-              <a:solidFill>
-                <a:srgbClr val="000000"/>
-              </a:solidFill>
+              <a:rPr lang="sv-SE" sz="1400" b="1" dirty="0">
+                <a:latin typeface="Courier New" pitchFamily="49" charset="0"/>
+                <a:cs typeface="Courier New" pitchFamily="49" charset="0"/>
+              </a:rPr>
+              <a:t>		&lt;/script&gt;</a:t>
+            </a:r>
+          </a:p>
+          <a:p>
+            <a:r>
+              <a:rPr lang="sv-SE" sz="1400" dirty="0">
+                <a:latin typeface="Courier New" pitchFamily="49" charset="0"/>
+                <a:cs typeface="Courier New" pitchFamily="49" charset="0"/>
+              </a:rPr>
+              <a:t>	</a:t>
+            </a:r>
+          </a:p>
+          <a:p>
+            <a:r>
+              <a:rPr lang="sv-SE" sz="1400" dirty="0">
+                <a:latin typeface="Courier New" pitchFamily="49" charset="0"/>
+                <a:cs typeface="Courier New" pitchFamily="49" charset="0"/>
+              </a:rPr>
+              <a:t>		</a:t>
+            </a:r>
+            <a:r>
+              <a:rPr lang="sv-SE" sz="1400" b="1" dirty="0">
+                <a:latin typeface="Courier New" pitchFamily="49" charset="0"/>
+                <a:cs typeface="Courier New" pitchFamily="49" charset="0"/>
+              </a:rPr>
+              <a:t>&lt;script </a:t>
+            </a:r>
+            <a:r>
+              <a:rPr lang="sv-SE" sz="1400" b="1" dirty="0" err="1" smtClean="0">
+                <a:latin typeface="Courier New" pitchFamily="49" charset="0"/>
+                <a:cs typeface="Courier New" pitchFamily="49" charset="0"/>
+              </a:rPr>
+              <a:t>src</a:t>
+            </a:r>
+            <a:r>
+              <a:rPr lang="sv-SE" sz="1400" b="1" dirty="0" smtClean="0">
+                <a:latin typeface="Courier New" pitchFamily="49" charset="0"/>
+                <a:cs typeface="Courier New" pitchFamily="49" charset="0"/>
+              </a:rPr>
+              <a:t>="myFunc2.js</a:t>
+            </a:r>
+            <a:r>
+              <a:rPr lang="sv-SE" sz="1400" b="1" dirty="0">
+                <a:latin typeface="Courier New" pitchFamily="49" charset="0"/>
+                <a:cs typeface="Courier New" pitchFamily="49" charset="0"/>
+              </a:rPr>
+              <a:t>"&gt;&lt;/script&gt;</a:t>
+            </a:r>
+          </a:p>
+          <a:p>
+            <a:r>
+              <a:rPr lang="sv-SE" sz="1400" dirty="0">
+                <a:latin typeface="Courier New" pitchFamily="49" charset="0"/>
+                <a:cs typeface="Courier New" pitchFamily="49" charset="0"/>
+              </a:rPr>
+              <a:t>	&lt;/</a:t>
+            </a:r>
+            <a:r>
+              <a:rPr lang="sv-SE" sz="1400" dirty="0" err="1">
+                <a:latin typeface="Courier New" pitchFamily="49" charset="0"/>
+                <a:cs typeface="Courier New" pitchFamily="49" charset="0"/>
+              </a:rPr>
+              <a:t>body</a:t>
+            </a:r>
+            <a:r>
+              <a:rPr lang="sv-SE" sz="1400" dirty="0">
+                <a:latin typeface="Courier New" pitchFamily="49" charset="0"/>
+                <a:cs typeface="Courier New" pitchFamily="49" charset="0"/>
+              </a:rPr>
+              <a:t>&gt;</a:t>
+            </a:r>
+          </a:p>
+          <a:p>
+            <a:endParaRPr lang="sv-SE" sz="1400" dirty="0">
               <a:latin typeface="Courier New" pitchFamily="49" charset="0"/>
-              <a:cs typeface="Times New Roman" pitchFamily="18" charset="0"/>
+              <a:cs typeface="Courier New" pitchFamily="49" charset="0"/>
             </a:endParaRPr>
           </a:p>
           <a:p>
             <a:r>
-              <a:rPr lang="nb-NO" dirty="0" smtClean="0">
-                <a:solidFill>
-                  <a:srgbClr val="000000"/>
-                </a:solidFill>
-                <a:latin typeface="Courier New" pitchFamily="49" charset="0"/>
-                <a:cs typeface="Times New Roman" pitchFamily="18" charset="0"/>
-              </a:rPr>
-              <a:t>function getColor(){</a:t>
-            </a:r>
-          </a:p>
-          <a:p>
-            <a:endParaRPr lang="nb-NO" dirty="0" smtClean="0">
-              <a:solidFill>
-                <a:srgbClr val="000000"/>
-              </a:solidFill>
+              <a:rPr lang="sv-SE" sz="1400" dirty="0">
+                <a:latin typeface="Courier New" pitchFamily="49" charset="0"/>
+                <a:cs typeface="Courier New" pitchFamily="49" charset="0"/>
+              </a:rPr>
+              <a:t>&lt;/html&gt;</a:t>
+            </a:r>
+            <a:endParaRPr lang="sv-SE" sz="1400" dirty="0" smtClean="0">
               <a:latin typeface="Courier New" pitchFamily="49" charset="0"/>
-              <a:cs typeface="Times New Roman" pitchFamily="18" charset="0"/>
-            </a:endParaRPr>
-          </a:p>
-          <a:p>
-            <a:r>
-              <a:rPr lang="nb-NO" dirty="0" smtClean="0">
-                <a:solidFill>
-                  <a:srgbClr val="000000"/>
-                </a:solidFill>
-                <a:latin typeface="Courier New" pitchFamily="49" charset="0"/>
-                <a:cs typeface="Times New Roman" pitchFamily="18" charset="0"/>
-              </a:rPr>
-              <a:t>	return </a:t>
-            </a:r>
-            <a:r>
-              <a:rPr lang="nb-NO" dirty="0" smtClean="0">
-                <a:solidFill>
-                  <a:schemeClr val="tx1"/>
-                </a:solidFill>
-                <a:latin typeface="Courier New" pitchFamily="49" charset="0"/>
-                <a:cs typeface="Times New Roman" pitchFamily="18" charset="0"/>
-              </a:rPr>
-              <a:t>color</a:t>
-            </a:r>
-            <a:r>
-              <a:rPr lang="nb-NO" dirty="0" smtClean="0">
-                <a:solidFill>
-                  <a:srgbClr val="000000"/>
-                </a:solidFill>
-                <a:latin typeface="Courier New" pitchFamily="49" charset="0"/>
-                <a:cs typeface="Times New Roman" pitchFamily="18" charset="0"/>
-              </a:rPr>
-              <a:t>;</a:t>
-            </a:r>
-            <a:endParaRPr lang="nb-NO" dirty="0">
-              <a:solidFill>
-                <a:srgbClr val="000000"/>
-              </a:solidFill>
-              <a:latin typeface="Courier New" pitchFamily="49" charset="0"/>
-              <a:cs typeface="Times New Roman" pitchFamily="18" charset="0"/>
-            </a:endParaRPr>
-          </a:p>
-          <a:p>
-            <a:r>
-              <a:rPr lang="nb-NO" dirty="0">
-                <a:solidFill>
-                  <a:srgbClr val="000000"/>
-                </a:solidFill>
-                <a:latin typeface="Courier New" pitchFamily="49" charset="0"/>
-                <a:cs typeface="Times New Roman" pitchFamily="18" charset="0"/>
-              </a:rPr>
-              <a:t>}</a:t>
-            </a:r>
-          </a:p>
-          <a:p>
-            <a:endParaRPr lang="nb-NO" dirty="0" smtClean="0">
-              <a:solidFill>
-                <a:srgbClr val="000000"/>
-              </a:solidFill>
-              <a:latin typeface="Courier New" pitchFamily="49" charset="0"/>
-              <a:cs typeface="Times New Roman" pitchFamily="18" charset="0"/>
-            </a:endParaRPr>
-          </a:p>
-          <a:p>
-            <a:r>
-              <a:rPr lang="nb-NO" dirty="0" smtClean="0">
-                <a:solidFill>
-                  <a:srgbClr val="000000"/>
-                </a:solidFill>
-                <a:latin typeface="Courier New" pitchFamily="49" charset="0"/>
-                <a:cs typeface="Times New Roman" pitchFamily="18" charset="0"/>
-              </a:rPr>
-              <a:t>console.log(</a:t>
-            </a:r>
-            <a:r>
-              <a:rPr lang="nb-NO" b="1" dirty="0" smtClean="0">
-                <a:solidFill>
-                  <a:srgbClr val="7030A0"/>
-                </a:solidFill>
-                <a:latin typeface="Courier New" pitchFamily="49" charset="0"/>
-                <a:cs typeface="Times New Roman" pitchFamily="18" charset="0"/>
-              </a:rPr>
-              <a:t> getColor() </a:t>
-            </a:r>
-            <a:r>
-              <a:rPr lang="nb-NO" dirty="0" smtClean="0">
-                <a:solidFill>
-                  <a:srgbClr val="000000"/>
-                </a:solidFill>
-                <a:latin typeface="Courier New" pitchFamily="49" charset="0"/>
-                <a:cs typeface="Times New Roman" pitchFamily="18" charset="0"/>
-              </a:rPr>
-              <a:t>);</a:t>
-            </a:r>
-          </a:p>
-          <a:p>
-            <a:endParaRPr lang="nb-NO" dirty="0">
-              <a:solidFill>
-                <a:srgbClr val="000000"/>
-              </a:solidFill>
-              <a:latin typeface="Courier New" pitchFamily="49" charset="0"/>
-              <a:cs typeface="Times New Roman" pitchFamily="18" charset="0"/>
+              <a:cs typeface="Courier New" pitchFamily="49" charset="0"/>
             </a:endParaRPr>
           </a:p>
         </p:txBody>
       </p:sp>
       <p:pic>
         <p:nvPicPr>
-          <p:cNvPr id="12" name="Picture 3" descr="P:\Icons\128x128\shadow\branch_element.png"/>
+          <p:cNvPr id="5" name="Picture 3" descr="P:\Icons\128x128\shadow\branch_element.png"/>
           <p:cNvPicPr>
             <a:picLocks noChangeAspect="1" noChangeArrowheads="1"/>
           </p:cNvPicPr>
           <p:nvPr/>
         </p:nvPicPr>
         <p:blipFill>
-          <a:blip r:embed="rId2">
+          <a:blip r:embed="rId3">
             <a:extLst>
               <a:ext uri="{28A0092B-C50C-407E-A947-70E740481C1C}">
                 <a14:useLocalDpi xmlns:a14="http://schemas.microsoft.com/office/drawing/2010/main" val="0"/>
@@ -8827,261 +9017,10 @@
           </a:extLst>
         </p:spPr>
       </p:pic>
-      <p:sp>
-        <p:nvSpPr>
-          <p:cNvPr id="4" name="TextBox 3"/>
-          <p:cNvSpPr txBox="1"/>
-          <p:nvPr/>
-        </p:nvSpPr>
-        <p:spPr>
-          <a:xfrm>
-            <a:off x="7211958" y="5224472"/>
-            <a:ext cx="1811714" cy="369332"/>
-          </a:xfrm>
-          <a:prstGeom prst="rect">
-            <a:avLst/>
-          </a:prstGeom>
-          <a:noFill/>
-        </p:spPr>
-        <p:txBody>
-          <a:bodyPr wrap="none" rtlCol="0">
-            <a:spAutoFit/>
-          </a:bodyPr>
-          <a:lstStyle/>
-          <a:p>
-            <a:r>
-              <a:rPr lang="sv-SE" dirty="0" err="1" smtClean="0">
-                <a:latin typeface="Minya Nouvelle" pitchFamily="2" charset="0"/>
-              </a:rPr>
-              <a:t>Zakas</a:t>
-            </a:r>
-            <a:r>
-              <a:rPr lang="sv-SE" dirty="0" smtClean="0">
-                <a:latin typeface="Minya Nouvelle" pitchFamily="2" charset="0"/>
-              </a:rPr>
-              <a:t>: sid 90-92</a:t>
-            </a:r>
-          </a:p>
-        </p:txBody>
-      </p:sp>
-      <p:sp>
-        <p:nvSpPr>
-          <p:cNvPr id="9" name="AutoShape 3"/>
-          <p:cNvSpPr>
-            <a:spLocks noChangeArrowheads="1"/>
-          </p:cNvSpPr>
-          <p:nvPr/>
-        </p:nvSpPr>
-        <p:spPr bwMode="auto">
-          <a:xfrm>
-            <a:off x="4860032" y="1339815"/>
-            <a:ext cx="3888556" cy="2862322"/>
-          </a:xfrm>
-          <a:prstGeom prst="rect">
-            <a:avLst/>
-          </a:prstGeom>
-          <a:ln>
-            <a:headEnd/>
-            <a:tailEnd/>
-          </a:ln>
-        </p:spPr>
-        <p:style>
-          <a:lnRef idx="1">
-            <a:schemeClr val="accent2"/>
-          </a:lnRef>
-          <a:fillRef idx="2">
-            <a:schemeClr val="accent2"/>
-          </a:fillRef>
-          <a:effectRef idx="1">
-            <a:schemeClr val="accent2"/>
-          </a:effectRef>
-          <a:fontRef idx="minor">
-            <a:schemeClr val="dk1"/>
-          </a:fontRef>
-        </p:style>
-        <p:txBody>
-          <a:bodyPr wrap="square" anchor="ctr">
-            <a:spAutoFit/>
-          </a:bodyPr>
-          <a:lstStyle/>
-          <a:p>
-            <a:endParaRPr lang="nb-NO" dirty="0" smtClean="0">
-              <a:solidFill>
-                <a:srgbClr val="000000"/>
-              </a:solidFill>
-              <a:latin typeface="Courier New" pitchFamily="49" charset="0"/>
-              <a:cs typeface="Times New Roman" pitchFamily="18" charset="0"/>
-            </a:endParaRPr>
-          </a:p>
-          <a:p>
-            <a:r>
-              <a:rPr lang="nb-NO" dirty="0" smtClean="0">
-                <a:solidFill>
-                  <a:srgbClr val="000000"/>
-                </a:solidFill>
-                <a:latin typeface="Courier New" pitchFamily="49" charset="0"/>
-                <a:cs typeface="Times New Roman" pitchFamily="18" charset="0"/>
-              </a:rPr>
-              <a:t>var color = "blue";</a:t>
-            </a:r>
-          </a:p>
-          <a:p>
-            <a:endParaRPr lang="nb-NO" dirty="0">
-              <a:solidFill>
-                <a:srgbClr val="000000"/>
-              </a:solidFill>
-              <a:latin typeface="Courier New" pitchFamily="49" charset="0"/>
-              <a:cs typeface="Times New Roman" pitchFamily="18" charset="0"/>
-            </a:endParaRPr>
-          </a:p>
-          <a:p>
-            <a:r>
-              <a:rPr lang="nb-NO" dirty="0" smtClean="0">
-                <a:solidFill>
-                  <a:srgbClr val="000000"/>
-                </a:solidFill>
-                <a:latin typeface="Courier New" pitchFamily="49" charset="0"/>
-                <a:cs typeface="Times New Roman" pitchFamily="18" charset="0"/>
-              </a:rPr>
-              <a:t>function getColor(){</a:t>
-            </a:r>
-            <a:br>
-              <a:rPr lang="nb-NO" dirty="0" smtClean="0">
-                <a:solidFill>
-                  <a:srgbClr val="000000"/>
-                </a:solidFill>
-                <a:latin typeface="Courier New" pitchFamily="49" charset="0"/>
-                <a:cs typeface="Times New Roman" pitchFamily="18" charset="0"/>
-              </a:rPr>
-            </a:br>
-            <a:r>
-              <a:rPr lang="nb-NO" dirty="0" smtClean="0">
-                <a:solidFill>
-                  <a:srgbClr val="000000"/>
-                </a:solidFill>
-                <a:latin typeface="Courier New" pitchFamily="49" charset="0"/>
-                <a:cs typeface="Times New Roman" pitchFamily="18" charset="0"/>
-              </a:rPr>
-              <a:t>   </a:t>
-            </a:r>
-            <a:r>
-              <a:rPr lang="nb-NO" b="1" dirty="0" smtClean="0">
-                <a:solidFill>
-                  <a:srgbClr val="C00000"/>
-                </a:solidFill>
-                <a:latin typeface="Courier New" pitchFamily="49" charset="0"/>
-                <a:cs typeface="Times New Roman" pitchFamily="18" charset="0"/>
-              </a:rPr>
-              <a:t>var color = "red";</a:t>
-            </a:r>
-          </a:p>
-          <a:p>
-            <a:r>
-              <a:rPr lang="nb-NO" dirty="0" smtClean="0">
-                <a:solidFill>
-                  <a:srgbClr val="000000"/>
-                </a:solidFill>
-                <a:latin typeface="Courier New" pitchFamily="49" charset="0"/>
-                <a:cs typeface="Times New Roman" pitchFamily="18" charset="0"/>
-              </a:rPr>
-              <a:t>   return </a:t>
-            </a:r>
-            <a:r>
-              <a:rPr lang="nb-NO" dirty="0" smtClean="0">
-                <a:solidFill>
-                  <a:schemeClr val="tx1"/>
-                </a:solidFill>
-                <a:latin typeface="Courier New" pitchFamily="49" charset="0"/>
-                <a:cs typeface="Times New Roman" pitchFamily="18" charset="0"/>
-              </a:rPr>
-              <a:t>color</a:t>
-            </a:r>
-            <a:r>
-              <a:rPr lang="nb-NO" dirty="0" smtClean="0">
-                <a:solidFill>
-                  <a:srgbClr val="000000"/>
-                </a:solidFill>
-                <a:latin typeface="Courier New" pitchFamily="49" charset="0"/>
-                <a:cs typeface="Times New Roman" pitchFamily="18" charset="0"/>
-              </a:rPr>
-              <a:t>;</a:t>
-            </a:r>
-            <a:endParaRPr lang="nb-NO" dirty="0">
-              <a:solidFill>
-                <a:srgbClr val="000000"/>
-              </a:solidFill>
-              <a:latin typeface="Courier New" pitchFamily="49" charset="0"/>
-              <a:cs typeface="Times New Roman" pitchFamily="18" charset="0"/>
-            </a:endParaRPr>
-          </a:p>
-          <a:p>
-            <a:r>
-              <a:rPr lang="nb-NO" dirty="0">
-                <a:solidFill>
-                  <a:srgbClr val="000000"/>
-                </a:solidFill>
-                <a:latin typeface="Courier New" pitchFamily="49" charset="0"/>
-                <a:cs typeface="Times New Roman" pitchFamily="18" charset="0"/>
-              </a:rPr>
-              <a:t>}</a:t>
-            </a:r>
-          </a:p>
-          <a:p>
-            <a:endParaRPr lang="nb-NO" dirty="0" smtClean="0">
-              <a:solidFill>
-                <a:srgbClr val="000000"/>
-              </a:solidFill>
-              <a:latin typeface="Courier New" pitchFamily="49" charset="0"/>
-              <a:cs typeface="Times New Roman" pitchFamily="18" charset="0"/>
-            </a:endParaRPr>
-          </a:p>
-          <a:p>
-            <a:r>
-              <a:rPr lang="nb-NO" dirty="0" smtClean="0">
-                <a:solidFill>
-                  <a:srgbClr val="000000"/>
-                </a:solidFill>
-                <a:latin typeface="Courier New" pitchFamily="49" charset="0"/>
-                <a:cs typeface="Times New Roman" pitchFamily="18" charset="0"/>
-              </a:rPr>
-              <a:t>console.log(</a:t>
-            </a:r>
-            <a:r>
-              <a:rPr lang="nb-NO" b="1" dirty="0" smtClean="0">
-                <a:solidFill>
-                  <a:srgbClr val="7030A0"/>
-                </a:solidFill>
-                <a:latin typeface="Courier New" pitchFamily="49" charset="0"/>
-                <a:cs typeface="Times New Roman" pitchFamily="18" charset="0"/>
-              </a:rPr>
-              <a:t> getColor() </a:t>
-            </a:r>
-            <a:r>
-              <a:rPr lang="nb-NO" dirty="0" smtClean="0">
-                <a:solidFill>
-                  <a:srgbClr val="000000"/>
-                </a:solidFill>
-                <a:latin typeface="Courier New" pitchFamily="49" charset="0"/>
-                <a:cs typeface="Times New Roman" pitchFamily="18" charset="0"/>
-              </a:rPr>
-              <a:t>);</a:t>
-            </a:r>
-          </a:p>
-          <a:p>
-            <a:endParaRPr lang="nb-NO" dirty="0">
-              <a:solidFill>
-                <a:srgbClr val="000000"/>
-              </a:solidFill>
-              <a:latin typeface="Courier New" pitchFamily="49" charset="0"/>
-              <a:cs typeface="Times New Roman" pitchFamily="18" charset="0"/>
-            </a:endParaRPr>
-          </a:p>
-        </p:txBody>
-      </p:sp>
     </p:spTree>
     <p:extLst>
       <p:ext uri="{BB962C8B-B14F-4D97-AF65-F5344CB8AC3E}">
-        <p14:creationId xmlns:p14="http://schemas.microsoft.com/office/powerpoint/2010/main" val="137392181"/>
+        <p14:creationId xmlns:p14="http://schemas.microsoft.com/office/powerpoint/2010/main" val="161776351"/>
       </p:ext>
     </p:extLst>
   </p:cSld>
@@ -9131,6 +9070,934 @@
           <a:lstStyle/>
           <a:p>
             <a:r>
+              <a:rPr lang="sv-SE" dirty="0" err="1" smtClean="0"/>
+              <a:t>Variabelscope</a:t>
+            </a:r>
+            <a:endParaRPr lang="sv-SE" dirty="0"/>
+          </a:p>
+        </p:txBody>
+      </p:sp>
+      <p:sp>
+        <p:nvSpPr>
+          <p:cNvPr id="8" name="AutoShape 3"/>
+          <p:cNvSpPr>
+            <a:spLocks noChangeArrowheads="1"/>
+          </p:cNvSpPr>
+          <p:nvPr/>
+        </p:nvSpPr>
+        <p:spPr bwMode="auto">
+          <a:xfrm>
+            <a:off x="395536" y="1345332"/>
+            <a:ext cx="3888556" cy="2862322"/>
+          </a:xfrm>
+          <a:prstGeom prst="rect">
+            <a:avLst/>
+          </a:prstGeom>
+          <a:ln>
+            <a:headEnd/>
+            <a:tailEnd/>
+          </a:ln>
+        </p:spPr>
+        <p:style>
+          <a:lnRef idx="1">
+            <a:schemeClr val="accent2"/>
+          </a:lnRef>
+          <a:fillRef idx="2">
+            <a:schemeClr val="accent2"/>
+          </a:fillRef>
+          <a:effectRef idx="1">
+            <a:schemeClr val="accent2"/>
+          </a:effectRef>
+          <a:fontRef idx="minor">
+            <a:schemeClr val="dk1"/>
+          </a:fontRef>
+        </p:style>
+        <p:txBody>
+          <a:bodyPr wrap="square" anchor="ctr">
+            <a:spAutoFit/>
+          </a:bodyPr>
+          <a:lstStyle/>
+          <a:p>
+            <a:endParaRPr lang="nb-NO" dirty="0" smtClean="0">
+              <a:solidFill>
+                <a:srgbClr val="000000"/>
+              </a:solidFill>
+              <a:latin typeface="Courier New" pitchFamily="49" charset="0"/>
+              <a:cs typeface="Times New Roman" pitchFamily="18" charset="0"/>
+            </a:endParaRPr>
+          </a:p>
+          <a:p>
+            <a:r>
+              <a:rPr lang="nb-NO" b="1" dirty="0" smtClean="0">
+                <a:solidFill>
+                  <a:srgbClr val="C00000"/>
+                </a:solidFill>
+                <a:latin typeface="Courier New" pitchFamily="49" charset="0"/>
+                <a:cs typeface="Times New Roman" pitchFamily="18" charset="0"/>
+              </a:rPr>
+              <a:t>var color = "blue";</a:t>
+            </a:r>
+          </a:p>
+          <a:p>
+            <a:endParaRPr lang="nb-NO" dirty="0">
+              <a:solidFill>
+                <a:srgbClr val="000000"/>
+              </a:solidFill>
+              <a:latin typeface="Courier New" pitchFamily="49" charset="0"/>
+              <a:cs typeface="Times New Roman" pitchFamily="18" charset="0"/>
+            </a:endParaRPr>
+          </a:p>
+          <a:p>
+            <a:r>
+              <a:rPr lang="nb-NO" dirty="0" smtClean="0">
+                <a:solidFill>
+                  <a:srgbClr val="000000"/>
+                </a:solidFill>
+                <a:latin typeface="Courier New" pitchFamily="49" charset="0"/>
+                <a:cs typeface="Times New Roman" pitchFamily="18" charset="0"/>
+              </a:rPr>
+              <a:t>function getColor(){</a:t>
+            </a:r>
+          </a:p>
+          <a:p>
+            <a:endParaRPr lang="nb-NO" dirty="0" smtClean="0">
+              <a:solidFill>
+                <a:srgbClr val="000000"/>
+              </a:solidFill>
+              <a:latin typeface="Courier New" pitchFamily="49" charset="0"/>
+              <a:cs typeface="Times New Roman" pitchFamily="18" charset="0"/>
+            </a:endParaRPr>
+          </a:p>
+          <a:p>
+            <a:r>
+              <a:rPr lang="nb-NO" dirty="0" smtClean="0">
+                <a:solidFill>
+                  <a:srgbClr val="000000"/>
+                </a:solidFill>
+                <a:latin typeface="Courier New" pitchFamily="49" charset="0"/>
+                <a:cs typeface="Times New Roman" pitchFamily="18" charset="0"/>
+              </a:rPr>
+              <a:t>	return </a:t>
+            </a:r>
+            <a:r>
+              <a:rPr lang="nb-NO" dirty="0" smtClean="0">
+                <a:solidFill>
+                  <a:schemeClr val="tx1"/>
+                </a:solidFill>
+                <a:latin typeface="Courier New" pitchFamily="49" charset="0"/>
+                <a:cs typeface="Times New Roman" pitchFamily="18" charset="0"/>
+              </a:rPr>
+              <a:t>color</a:t>
+            </a:r>
+            <a:r>
+              <a:rPr lang="nb-NO" dirty="0" smtClean="0">
+                <a:solidFill>
+                  <a:srgbClr val="000000"/>
+                </a:solidFill>
+                <a:latin typeface="Courier New" pitchFamily="49" charset="0"/>
+                <a:cs typeface="Times New Roman" pitchFamily="18" charset="0"/>
+              </a:rPr>
+              <a:t>;</a:t>
+            </a:r>
+            <a:endParaRPr lang="nb-NO" dirty="0">
+              <a:solidFill>
+                <a:srgbClr val="000000"/>
+              </a:solidFill>
+              <a:latin typeface="Courier New" pitchFamily="49" charset="0"/>
+              <a:cs typeface="Times New Roman" pitchFamily="18" charset="0"/>
+            </a:endParaRPr>
+          </a:p>
+          <a:p>
+            <a:r>
+              <a:rPr lang="nb-NO" dirty="0">
+                <a:solidFill>
+                  <a:srgbClr val="000000"/>
+                </a:solidFill>
+                <a:latin typeface="Courier New" pitchFamily="49" charset="0"/>
+                <a:cs typeface="Times New Roman" pitchFamily="18" charset="0"/>
+              </a:rPr>
+              <a:t>}</a:t>
+            </a:r>
+          </a:p>
+          <a:p>
+            <a:endParaRPr lang="nb-NO" dirty="0" smtClean="0">
+              <a:solidFill>
+                <a:srgbClr val="000000"/>
+              </a:solidFill>
+              <a:latin typeface="Courier New" pitchFamily="49" charset="0"/>
+              <a:cs typeface="Times New Roman" pitchFamily="18" charset="0"/>
+            </a:endParaRPr>
+          </a:p>
+          <a:p>
+            <a:r>
+              <a:rPr lang="nb-NO" dirty="0" smtClean="0">
+                <a:solidFill>
+                  <a:srgbClr val="000000"/>
+                </a:solidFill>
+                <a:latin typeface="Courier New" pitchFamily="49" charset="0"/>
+                <a:cs typeface="Times New Roman" pitchFamily="18" charset="0"/>
+              </a:rPr>
+              <a:t>console.log(</a:t>
+            </a:r>
+            <a:r>
+              <a:rPr lang="nb-NO" b="1" dirty="0" smtClean="0">
+                <a:solidFill>
+                  <a:srgbClr val="7030A0"/>
+                </a:solidFill>
+                <a:latin typeface="Courier New" pitchFamily="49" charset="0"/>
+                <a:cs typeface="Times New Roman" pitchFamily="18" charset="0"/>
+              </a:rPr>
+              <a:t> getColor() </a:t>
+            </a:r>
+            <a:r>
+              <a:rPr lang="nb-NO" dirty="0" smtClean="0">
+                <a:solidFill>
+                  <a:srgbClr val="000000"/>
+                </a:solidFill>
+                <a:latin typeface="Courier New" pitchFamily="49" charset="0"/>
+                <a:cs typeface="Times New Roman" pitchFamily="18" charset="0"/>
+              </a:rPr>
+              <a:t>);</a:t>
+            </a:r>
+          </a:p>
+          <a:p>
+            <a:endParaRPr lang="nb-NO" dirty="0">
+              <a:solidFill>
+                <a:srgbClr val="000000"/>
+              </a:solidFill>
+              <a:latin typeface="Courier New" pitchFamily="49" charset="0"/>
+              <a:cs typeface="Times New Roman" pitchFamily="18" charset="0"/>
+            </a:endParaRPr>
+          </a:p>
+        </p:txBody>
+      </p:sp>
+      <p:pic>
+        <p:nvPicPr>
+          <p:cNvPr id="12" name="Picture 3" descr="P:\Icons\128x128\shadow\branch_element.png"/>
+          <p:cNvPicPr>
+            <a:picLocks noChangeAspect="1" noChangeArrowheads="1"/>
+          </p:cNvPicPr>
+          <p:nvPr/>
+        </p:nvPicPr>
+        <p:blipFill>
+          <a:blip r:embed="rId2">
+            <a:extLst>
+              <a:ext uri="{28A0092B-C50C-407E-A947-70E740481C1C}">
+                <a14:useLocalDpi xmlns:a14="http://schemas.microsoft.com/office/drawing/2010/main" val="0"/>
+              </a:ext>
+            </a:extLst>
+          </a:blip>
+          <a:srcRect/>
+          <a:stretch>
+            <a:fillRect/>
+          </a:stretch>
+        </p:blipFill>
+        <p:spPr bwMode="auto">
+          <a:xfrm>
+            <a:off x="8100392" y="265212"/>
+            <a:ext cx="648072" cy="648072"/>
+          </a:xfrm>
+          <a:prstGeom prst="rect">
+            <a:avLst/>
+          </a:prstGeom>
+          <a:noFill/>
+          <a:extLst>
+            <a:ext uri="{909E8E84-426E-40dd-AFC4-6F175D3DCCD1}">
+              <a14:hiddenFill xmlns:a14="http://schemas.microsoft.com/office/drawing/2010/main">
+                <a:solidFill>
+                  <a:srgbClr val="FFFFFF"/>
+                </a:solidFill>
+              </a14:hiddenFill>
+            </a:ext>
+          </a:extLst>
+        </p:spPr>
+      </p:pic>
+      <p:sp>
+        <p:nvSpPr>
+          <p:cNvPr id="4" name="TextBox 3"/>
+          <p:cNvSpPr txBox="1"/>
+          <p:nvPr/>
+        </p:nvSpPr>
+        <p:spPr>
+          <a:xfrm>
+            <a:off x="7211958" y="5224472"/>
+            <a:ext cx="1811714" cy="369332"/>
+          </a:xfrm>
+          <a:prstGeom prst="rect">
+            <a:avLst/>
+          </a:prstGeom>
+          <a:noFill/>
+        </p:spPr>
+        <p:txBody>
+          <a:bodyPr wrap="none" rtlCol="0">
+            <a:spAutoFit/>
+          </a:bodyPr>
+          <a:lstStyle/>
+          <a:p>
+            <a:r>
+              <a:rPr lang="sv-SE" dirty="0" err="1" smtClean="0">
+                <a:latin typeface="Minya Nouvelle" pitchFamily="2" charset="0"/>
+              </a:rPr>
+              <a:t>Zakas</a:t>
+            </a:r>
+            <a:r>
+              <a:rPr lang="sv-SE" dirty="0" smtClean="0">
+                <a:latin typeface="Minya Nouvelle" pitchFamily="2" charset="0"/>
+              </a:rPr>
+              <a:t>: sid 90-92</a:t>
+            </a:r>
+          </a:p>
+        </p:txBody>
+      </p:sp>
+      <p:sp>
+        <p:nvSpPr>
+          <p:cNvPr id="9" name="AutoShape 3"/>
+          <p:cNvSpPr>
+            <a:spLocks noChangeArrowheads="1"/>
+          </p:cNvSpPr>
+          <p:nvPr/>
+        </p:nvSpPr>
+        <p:spPr bwMode="auto">
+          <a:xfrm>
+            <a:off x="4860032" y="1339815"/>
+            <a:ext cx="3888556" cy="2862322"/>
+          </a:xfrm>
+          <a:prstGeom prst="rect">
+            <a:avLst/>
+          </a:prstGeom>
+          <a:ln>
+            <a:headEnd/>
+            <a:tailEnd/>
+          </a:ln>
+        </p:spPr>
+        <p:style>
+          <a:lnRef idx="1">
+            <a:schemeClr val="accent2"/>
+          </a:lnRef>
+          <a:fillRef idx="2">
+            <a:schemeClr val="accent2"/>
+          </a:fillRef>
+          <a:effectRef idx="1">
+            <a:schemeClr val="accent2"/>
+          </a:effectRef>
+          <a:fontRef idx="minor">
+            <a:schemeClr val="dk1"/>
+          </a:fontRef>
+        </p:style>
+        <p:txBody>
+          <a:bodyPr wrap="square" anchor="ctr">
+            <a:spAutoFit/>
+          </a:bodyPr>
+          <a:lstStyle/>
+          <a:p>
+            <a:endParaRPr lang="nb-NO" dirty="0" smtClean="0">
+              <a:solidFill>
+                <a:srgbClr val="000000"/>
+              </a:solidFill>
+              <a:latin typeface="Courier New" pitchFamily="49" charset="0"/>
+              <a:cs typeface="Times New Roman" pitchFamily="18" charset="0"/>
+            </a:endParaRPr>
+          </a:p>
+          <a:p>
+            <a:r>
+              <a:rPr lang="nb-NO" dirty="0" smtClean="0">
+                <a:solidFill>
+                  <a:srgbClr val="000000"/>
+                </a:solidFill>
+                <a:latin typeface="Courier New" pitchFamily="49" charset="0"/>
+                <a:cs typeface="Times New Roman" pitchFamily="18" charset="0"/>
+              </a:rPr>
+              <a:t>var color = "blue";</a:t>
+            </a:r>
+          </a:p>
+          <a:p>
+            <a:endParaRPr lang="nb-NO" dirty="0">
+              <a:solidFill>
+                <a:srgbClr val="000000"/>
+              </a:solidFill>
+              <a:latin typeface="Courier New" pitchFamily="49" charset="0"/>
+              <a:cs typeface="Times New Roman" pitchFamily="18" charset="0"/>
+            </a:endParaRPr>
+          </a:p>
+          <a:p>
+            <a:r>
+              <a:rPr lang="nb-NO" dirty="0" smtClean="0">
+                <a:solidFill>
+                  <a:srgbClr val="000000"/>
+                </a:solidFill>
+                <a:latin typeface="Courier New" pitchFamily="49" charset="0"/>
+                <a:cs typeface="Times New Roman" pitchFamily="18" charset="0"/>
+              </a:rPr>
+              <a:t>function getColor(){</a:t>
+            </a:r>
+            <a:br>
+              <a:rPr lang="nb-NO" dirty="0" smtClean="0">
+                <a:solidFill>
+                  <a:srgbClr val="000000"/>
+                </a:solidFill>
+                <a:latin typeface="Courier New" pitchFamily="49" charset="0"/>
+                <a:cs typeface="Times New Roman" pitchFamily="18" charset="0"/>
+              </a:rPr>
+            </a:br>
+            <a:r>
+              <a:rPr lang="nb-NO" dirty="0" smtClean="0">
+                <a:solidFill>
+                  <a:srgbClr val="000000"/>
+                </a:solidFill>
+                <a:latin typeface="Courier New" pitchFamily="49" charset="0"/>
+                <a:cs typeface="Times New Roman" pitchFamily="18" charset="0"/>
+              </a:rPr>
+              <a:t>   </a:t>
+            </a:r>
+            <a:r>
+              <a:rPr lang="nb-NO" b="1" dirty="0" smtClean="0">
+                <a:solidFill>
+                  <a:srgbClr val="C00000"/>
+                </a:solidFill>
+                <a:latin typeface="Courier New" pitchFamily="49" charset="0"/>
+                <a:cs typeface="Times New Roman" pitchFamily="18" charset="0"/>
+              </a:rPr>
+              <a:t>var color = "red";</a:t>
+            </a:r>
+          </a:p>
+          <a:p>
+            <a:r>
+              <a:rPr lang="nb-NO" dirty="0" smtClean="0">
+                <a:solidFill>
+                  <a:srgbClr val="000000"/>
+                </a:solidFill>
+                <a:latin typeface="Courier New" pitchFamily="49" charset="0"/>
+                <a:cs typeface="Times New Roman" pitchFamily="18" charset="0"/>
+              </a:rPr>
+              <a:t>   return </a:t>
+            </a:r>
+            <a:r>
+              <a:rPr lang="nb-NO" dirty="0" smtClean="0">
+                <a:solidFill>
+                  <a:schemeClr val="tx1"/>
+                </a:solidFill>
+                <a:latin typeface="Courier New" pitchFamily="49" charset="0"/>
+                <a:cs typeface="Times New Roman" pitchFamily="18" charset="0"/>
+              </a:rPr>
+              <a:t>color</a:t>
+            </a:r>
+            <a:r>
+              <a:rPr lang="nb-NO" dirty="0" smtClean="0">
+                <a:solidFill>
+                  <a:srgbClr val="000000"/>
+                </a:solidFill>
+                <a:latin typeface="Courier New" pitchFamily="49" charset="0"/>
+                <a:cs typeface="Times New Roman" pitchFamily="18" charset="0"/>
+              </a:rPr>
+              <a:t>;</a:t>
+            </a:r>
+            <a:endParaRPr lang="nb-NO" dirty="0">
+              <a:solidFill>
+                <a:srgbClr val="000000"/>
+              </a:solidFill>
+              <a:latin typeface="Courier New" pitchFamily="49" charset="0"/>
+              <a:cs typeface="Times New Roman" pitchFamily="18" charset="0"/>
+            </a:endParaRPr>
+          </a:p>
+          <a:p>
+            <a:r>
+              <a:rPr lang="nb-NO" dirty="0">
+                <a:solidFill>
+                  <a:srgbClr val="000000"/>
+                </a:solidFill>
+                <a:latin typeface="Courier New" pitchFamily="49" charset="0"/>
+                <a:cs typeface="Times New Roman" pitchFamily="18" charset="0"/>
+              </a:rPr>
+              <a:t>}</a:t>
+            </a:r>
+          </a:p>
+          <a:p>
+            <a:endParaRPr lang="nb-NO" dirty="0" smtClean="0">
+              <a:solidFill>
+                <a:srgbClr val="000000"/>
+              </a:solidFill>
+              <a:latin typeface="Courier New" pitchFamily="49" charset="0"/>
+              <a:cs typeface="Times New Roman" pitchFamily="18" charset="0"/>
+            </a:endParaRPr>
+          </a:p>
+          <a:p>
+            <a:r>
+              <a:rPr lang="nb-NO" dirty="0" smtClean="0">
+                <a:solidFill>
+                  <a:srgbClr val="000000"/>
+                </a:solidFill>
+                <a:latin typeface="Courier New" pitchFamily="49" charset="0"/>
+                <a:cs typeface="Times New Roman" pitchFamily="18" charset="0"/>
+              </a:rPr>
+              <a:t>console.log(</a:t>
+            </a:r>
+            <a:r>
+              <a:rPr lang="nb-NO" b="1" dirty="0" smtClean="0">
+                <a:solidFill>
+                  <a:srgbClr val="7030A0"/>
+                </a:solidFill>
+                <a:latin typeface="Courier New" pitchFamily="49" charset="0"/>
+                <a:cs typeface="Times New Roman" pitchFamily="18" charset="0"/>
+              </a:rPr>
+              <a:t> getColor() </a:t>
+            </a:r>
+            <a:r>
+              <a:rPr lang="nb-NO" dirty="0" smtClean="0">
+                <a:solidFill>
+                  <a:srgbClr val="000000"/>
+                </a:solidFill>
+                <a:latin typeface="Courier New" pitchFamily="49" charset="0"/>
+                <a:cs typeface="Times New Roman" pitchFamily="18" charset="0"/>
+              </a:rPr>
+              <a:t>);</a:t>
+            </a:r>
+          </a:p>
+          <a:p>
+            <a:endParaRPr lang="nb-NO" dirty="0">
+              <a:solidFill>
+                <a:srgbClr val="000000"/>
+              </a:solidFill>
+              <a:latin typeface="Courier New" pitchFamily="49" charset="0"/>
+              <a:cs typeface="Times New Roman" pitchFamily="18" charset="0"/>
+            </a:endParaRPr>
+          </a:p>
+        </p:txBody>
+      </p:sp>
+    </p:spTree>
+    <p:extLst>
+      <p:ext uri="{BB962C8B-B14F-4D97-AF65-F5344CB8AC3E}">
+        <p14:creationId xmlns:p14="http://schemas.microsoft.com/office/powerpoint/2010/main" val="137392181"/>
+      </p:ext>
+    </p:extLst>
+  </p:cSld>
+  <p:clrMapOvr>
+    <a:masterClrMapping/>
+  </p:clrMapOvr>
+  <p:timing>
+    <p:tnLst>
+      <p:par>
+        <p:cTn xmlns:p14="http://schemas.microsoft.com/office/powerpoint/2010/main" id="1" dur="indefinite" restart="never" nodeType="tmRoot"/>
+      </p:par>
+    </p:tnLst>
+  </p:timing>
+</p:sld>
+</file>
+
+<file path=ppt/slides/slide12.xml><?xml version="1.0" encoding="utf-8"?>
+<p:sld xmlns:a="http://schemas.openxmlformats.org/drawingml/2006/main" xmlns:r="http://schemas.openxmlformats.org/officeDocument/2006/relationships" xmlns:p="http://schemas.openxmlformats.org/presentationml/2006/main">
+  <p:cSld>
+    <p:spTree>
+      <p:nvGrpSpPr>
+        <p:cNvPr id="1" name=""/>
+        <p:cNvGrpSpPr/>
+        <p:nvPr/>
+      </p:nvGrpSpPr>
+      <p:grpSpPr>
+        <a:xfrm>
+          <a:off x="0" y="0"/>
+          <a:ext cx="0" cy="0"/>
+          <a:chOff x="0" y="0"/>
+          <a:chExt cx="0" cy="0"/>
+        </a:xfrm>
+      </p:grpSpPr>
+      <p:sp>
+        <p:nvSpPr>
+          <p:cNvPr id="2" name="Title 1"/>
+          <p:cNvSpPr>
+            <a:spLocks noGrp="1"/>
+          </p:cNvSpPr>
+          <p:nvPr>
+            <p:ph type="ctrTitle"/>
+          </p:nvPr>
+        </p:nvSpPr>
+        <p:spPr/>
+        <p:txBody>
+          <a:bodyPr/>
+          <a:lstStyle/>
+          <a:p>
+            <a:r>
+              <a:rPr lang="en-US" dirty="0" smtClean="0"/>
+              <a:t>Pure functions</a:t>
+            </a:r>
+            <a:endParaRPr lang="en-US" dirty="0"/>
+          </a:p>
+        </p:txBody>
+      </p:sp>
+      <p:sp>
+        <p:nvSpPr>
+          <p:cNvPr id="3" name="Subtitle 2"/>
+          <p:cNvSpPr>
+            <a:spLocks noGrp="1"/>
+          </p:cNvSpPr>
+          <p:nvPr>
+            <p:ph type="subTitle" idx="1"/>
+          </p:nvPr>
+        </p:nvSpPr>
+        <p:spPr>
+          <a:xfrm>
+            <a:off x="714348" y="1309677"/>
+            <a:ext cx="6400800" cy="683727"/>
+          </a:xfrm>
+        </p:spPr>
+        <p:txBody>
+          <a:bodyPr/>
+          <a:lstStyle/>
+          <a:p>
+            <a:r>
+              <a:rPr lang="en-US" dirty="0" err="1" smtClean="0"/>
+              <a:t>Funktioner</a:t>
+            </a:r>
+            <a:r>
+              <a:rPr lang="en-US" dirty="0" smtClean="0"/>
+              <a:t> </a:t>
+            </a:r>
+            <a:r>
+              <a:rPr lang="en-US" dirty="0" err="1" smtClean="0"/>
+              <a:t>utan</a:t>
+            </a:r>
+            <a:r>
+              <a:rPr lang="en-US" dirty="0" smtClean="0"/>
+              <a:t> </a:t>
+            </a:r>
+            <a:r>
+              <a:rPr lang="en-US" dirty="0" err="1" smtClean="0"/>
+              <a:t>sidoeffekter</a:t>
+            </a:r>
+            <a:endParaRPr lang="en-US" dirty="0"/>
+          </a:p>
+        </p:txBody>
+      </p:sp>
+      <p:sp>
+        <p:nvSpPr>
+          <p:cNvPr id="4" name="Rectangle 3"/>
+          <p:cNvSpPr/>
+          <p:nvPr/>
+        </p:nvSpPr>
+        <p:spPr>
+          <a:xfrm>
+            <a:off x="3519926" y="2857500"/>
+            <a:ext cx="1944216" cy="1440160"/>
+          </a:xfrm>
+          <a:prstGeom prst="rect">
+            <a:avLst/>
+          </a:prstGeom>
+          <a:ln>
+            <a:tailEnd type="arrow"/>
+          </a:ln>
+        </p:spPr>
+        <p:style>
+          <a:lnRef idx="2">
+            <a:schemeClr val="accent6"/>
+          </a:lnRef>
+          <a:fillRef idx="1">
+            <a:schemeClr val="lt1"/>
+          </a:fillRef>
+          <a:effectRef idx="0">
+            <a:schemeClr val="accent6"/>
+          </a:effectRef>
+          <a:fontRef idx="minor">
+            <a:schemeClr val="dk1"/>
+          </a:fontRef>
+        </p:style>
+        <p:txBody>
+          <a:bodyPr rtlCol="0" anchor="ctr"/>
+          <a:lstStyle/>
+          <a:p>
+            <a:pPr algn="ctr"/>
+            <a:endParaRPr lang="en-US"/>
+          </a:p>
+        </p:txBody>
+      </p:sp>
+      <p:cxnSp>
+        <p:nvCxnSpPr>
+          <p:cNvPr id="6" name="Straight Arrow Connector 5"/>
+          <p:cNvCxnSpPr/>
+          <p:nvPr/>
+        </p:nvCxnSpPr>
+        <p:spPr>
+          <a:xfrm>
+            <a:off x="1647718" y="3073524"/>
+            <a:ext cx="1872208" cy="0"/>
+          </a:xfrm>
+          <a:prstGeom prst="straightConnector1">
+            <a:avLst/>
+          </a:prstGeom>
+          <a:ln w="19050">
+            <a:solidFill>
+              <a:schemeClr val="tx1"/>
+            </a:solidFill>
+            <a:tailEnd type="arrow"/>
+          </a:ln>
+        </p:spPr>
+        <p:style>
+          <a:lnRef idx="1">
+            <a:schemeClr val="accent1"/>
+          </a:lnRef>
+          <a:fillRef idx="0">
+            <a:schemeClr val="accent1"/>
+          </a:fillRef>
+          <a:effectRef idx="0">
+            <a:schemeClr val="accent1"/>
+          </a:effectRef>
+          <a:fontRef idx="minor">
+            <a:schemeClr val="tx1"/>
+          </a:fontRef>
+        </p:style>
+      </p:cxnSp>
+      <p:cxnSp>
+        <p:nvCxnSpPr>
+          <p:cNvPr id="7" name="Straight Arrow Connector 6"/>
+          <p:cNvCxnSpPr/>
+          <p:nvPr/>
+        </p:nvCxnSpPr>
+        <p:spPr>
+          <a:xfrm>
+            <a:off x="1647718" y="3937620"/>
+            <a:ext cx="1872208" cy="0"/>
+          </a:xfrm>
+          <a:prstGeom prst="straightConnector1">
+            <a:avLst/>
+          </a:prstGeom>
+          <a:ln w="19050">
+            <a:solidFill>
+              <a:schemeClr val="tx1"/>
+            </a:solidFill>
+            <a:tailEnd type="arrow"/>
+          </a:ln>
+        </p:spPr>
+        <p:style>
+          <a:lnRef idx="1">
+            <a:schemeClr val="accent1"/>
+          </a:lnRef>
+          <a:fillRef idx="0">
+            <a:schemeClr val="accent1"/>
+          </a:fillRef>
+          <a:effectRef idx="0">
+            <a:schemeClr val="accent1"/>
+          </a:effectRef>
+          <a:fontRef idx="minor">
+            <a:schemeClr val="tx1"/>
+          </a:fontRef>
+        </p:style>
+      </p:cxnSp>
+      <p:cxnSp>
+        <p:nvCxnSpPr>
+          <p:cNvPr id="8" name="Straight Arrow Connector 7"/>
+          <p:cNvCxnSpPr/>
+          <p:nvPr/>
+        </p:nvCxnSpPr>
+        <p:spPr>
+          <a:xfrm>
+            <a:off x="5464142" y="3577580"/>
+            <a:ext cx="1872208" cy="0"/>
+          </a:xfrm>
+          <a:prstGeom prst="straightConnector1">
+            <a:avLst/>
+          </a:prstGeom>
+          <a:ln w="19050">
+            <a:solidFill>
+              <a:schemeClr val="tx1"/>
+            </a:solidFill>
+            <a:tailEnd type="arrow"/>
+          </a:ln>
+        </p:spPr>
+        <p:style>
+          <a:lnRef idx="1">
+            <a:schemeClr val="accent1"/>
+          </a:lnRef>
+          <a:fillRef idx="0">
+            <a:schemeClr val="accent1"/>
+          </a:fillRef>
+          <a:effectRef idx="0">
+            <a:schemeClr val="accent1"/>
+          </a:effectRef>
+          <a:fontRef idx="minor">
+            <a:schemeClr val="tx1"/>
+          </a:fontRef>
+        </p:style>
+      </p:cxnSp>
+      <p:sp>
+        <p:nvSpPr>
+          <p:cNvPr id="9" name="TextBox 8"/>
+          <p:cNvSpPr txBox="1"/>
+          <p:nvPr/>
+        </p:nvSpPr>
+        <p:spPr>
+          <a:xfrm>
+            <a:off x="3879966" y="3289548"/>
+            <a:ext cx="1210387" cy="584776"/>
+          </a:xfrm>
+          <a:prstGeom prst="rect">
+            <a:avLst/>
+          </a:prstGeom>
+          <a:noFill/>
+        </p:spPr>
+        <p:txBody>
+          <a:bodyPr wrap="none" rtlCol="0">
+            <a:spAutoFit/>
+          </a:bodyPr>
+          <a:lstStyle/>
+          <a:p>
+            <a:r>
+              <a:rPr lang="en-US" sz="3200" dirty="0" smtClean="0">
+                <a:latin typeface="Minya Nouvelle" pitchFamily="2" charset="0"/>
+              </a:rPr>
+              <a:t>f(x, y)</a:t>
+            </a:r>
+            <a:endParaRPr lang="en-US" sz="3200" dirty="0" smtClean="0">
+              <a:latin typeface="Minya Nouvelle" pitchFamily="2" charset="0"/>
+            </a:endParaRPr>
+          </a:p>
+        </p:txBody>
+      </p:sp>
+      <p:sp>
+        <p:nvSpPr>
+          <p:cNvPr id="10" name="TextBox 9"/>
+          <p:cNvSpPr txBox="1"/>
+          <p:nvPr/>
+        </p:nvSpPr>
+        <p:spPr>
+          <a:xfrm>
+            <a:off x="7336350" y="3308640"/>
+            <a:ext cx="404002" cy="523220"/>
+          </a:xfrm>
+          <a:prstGeom prst="rect">
+            <a:avLst/>
+          </a:prstGeom>
+          <a:noFill/>
+        </p:spPr>
+        <p:txBody>
+          <a:bodyPr wrap="none" rtlCol="0">
+            <a:spAutoFit/>
+          </a:bodyPr>
+          <a:lstStyle/>
+          <a:p>
+            <a:r>
+              <a:rPr lang="en-US" sz="2800" dirty="0" smtClean="0">
+                <a:latin typeface="Minya Nouvelle" pitchFamily="2" charset="0"/>
+              </a:rPr>
+              <a:t>Z</a:t>
+            </a:r>
+            <a:endParaRPr lang="en-US" sz="2800" dirty="0" smtClean="0">
+              <a:latin typeface="Minya Nouvelle" pitchFamily="2" charset="0"/>
+            </a:endParaRPr>
+          </a:p>
+        </p:txBody>
+      </p:sp>
+      <p:sp>
+        <p:nvSpPr>
+          <p:cNvPr id="11" name="TextBox 10"/>
+          <p:cNvSpPr txBox="1"/>
+          <p:nvPr/>
+        </p:nvSpPr>
+        <p:spPr>
+          <a:xfrm>
+            <a:off x="1215670" y="2798649"/>
+            <a:ext cx="428322" cy="523220"/>
+          </a:xfrm>
+          <a:prstGeom prst="rect">
+            <a:avLst/>
+          </a:prstGeom>
+          <a:noFill/>
+        </p:spPr>
+        <p:txBody>
+          <a:bodyPr wrap="none" rtlCol="0">
+            <a:spAutoFit/>
+          </a:bodyPr>
+          <a:lstStyle/>
+          <a:p>
+            <a:r>
+              <a:rPr lang="en-US" sz="2800" dirty="0" smtClean="0">
+                <a:latin typeface="Minya Nouvelle" pitchFamily="2" charset="0"/>
+              </a:rPr>
+              <a:t>X</a:t>
+            </a:r>
+            <a:endParaRPr lang="en-US" sz="2800" dirty="0" smtClean="0">
+              <a:latin typeface="Minya Nouvelle" pitchFamily="2" charset="0"/>
+            </a:endParaRPr>
+          </a:p>
+        </p:txBody>
+      </p:sp>
+      <p:sp>
+        <p:nvSpPr>
+          <p:cNvPr id="12" name="TextBox 11"/>
+          <p:cNvSpPr txBox="1"/>
+          <p:nvPr/>
+        </p:nvSpPr>
+        <p:spPr>
+          <a:xfrm>
+            <a:off x="1215670" y="3649588"/>
+            <a:ext cx="428322" cy="523220"/>
+          </a:xfrm>
+          <a:prstGeom prst="rect">
+            <a:avLst/>
+          </a:prstGeom>
+          <a:noFill/>
+        </p:spPr>
+        <p:txBody>
+          <a:bodyPr wrap="none" rtlCol="0">
+            <a:spAutoFit/>
+          </a:bodyPr>
+          <a:lstStyle/>
+          <a:p>
+            <a:r>
+              <a:rPr lang="en-US" sz="2800" dirty="0" smtClean="0">
+                <a:latin typeface="Minya Nouvelle" pitchFamily="2" charset="0"/>
+              </a:rPr>
+              <a:t>Y</a:t>
+            </a:r>
+            <a:endParaRPr lang="en-US" sz="2800" dirty="0" smtClean="0">
+              <a:latin typeface="Minya Nouvelle" pitchFamily="2" charset="0"/>
+            </a:endParaRPr>
+          </a:p>
+        </p:txBody>
+      </p:sp>
+    </p:spTree>
+    <p:extLst>
+      <p:ext uri="{BB962C8B-B14F-4D97-AF65-F5344CB8AC3E}">
+        <p14:creationId xmlns:p14="http://schemas.microsoft.com/office/powerpoint/2010/main" val="1414076657"/>
+      </p:ext>
+    </p:extLst>
+  </p:cSld>
+  <p:clrMapOvr>
+    <a:masterClrMapping/>
+  </p:clrMapOvr>
+</p:sld>
+</file>
+
+<file path=ppt/slides/slide13.xml><?xml version="1.0" encoding="utf-8"?>
+<p:sld xmlns:a="http://schemas.openxmlformats.org/drawingml/2006/main" xmlns:r="http://schemas.openxmlformats.org/officeDocument/2006/relationships" xmlns:p="http://schemas.openxmlformats.org/presentationml/2006/main">
+  <p:cSld>
+    <p:spTree>
+      <p:nvGrpSpPr>
+        <p:cNvPr id="1" name=""/>
+        <p:cNvGrpSpPr/>
+        <p:nvPr/>
+      </p:nvGrpSpPr>
+      <p:grpSpPr>
+        <a:xfrm>
+          <a:off x="0" y="0"/>
+          <a:ext cx="0" cy="0"/>
+          <a:chOff x="0" y="0"/>
+          <a:chExt cx="0" cy="0"/>
+        </a:xfrm>
+      </p:grpSpPr>
+      <p:sp>
+        <p:nvSpPr>
+          <p:cNvPr id="2" name="Title 1"/>
+          <p:cNvSpPr>
+            <a:spLocks noGrp="1"/>
+          </p:cNvSpPr>
+          <p:nvPr>
+            <p:ph type="ctrTitle"/>
+          </p:nvPr>
+        </p:nvSpPr>
+        <p:spPr/>
+        <p:txBody>
+          <a:bodyPr/>
+          <a:lstStyle/>
+          <a:p>
+            <a:r>
               <a:rPr lang="sv-SE" dirty="0" smtClean="0"/>
               <a:t>Objekt</a:t>
             </a:r>
@@ -9248,7 +10115,7 @@
 </p:sld>
 </file>
 
-<file path=ppt/slides/slide12.xml><?xml version="1.0" encoding="utf-8"?>
+<file path=ppt/slides/slide14.xml><?xml version="1.0" encoding="utf-8"?>
 <p:sld xmlns:a="http://schemas.openxmlformats.org/drawingml/2006/main" xmlns:r="http://schemas.openxmlformats.org/officeDocument/2006/relationships" xmlns:p="http://schemas.openxmlformats.org/presentationml/2006/main">
   <p:cSld>
     <p:spTree>
@@ -9918,7 +10785,7 @@
 </p:sld>
 </file>
 
-<file path=ppt/slides/slide13.xml><?xml version="1.0" encoding="utf-8"?>
+<file path=ppt/slides/slide15.xml><?xml version="1.0" encoding="utf-8"?>
 <p:sld xmlns:a="http://schemas.openxmlformats.org/drawingml/2006/main" xmlns:r="http://schemas.openxmlformats.org/officeDocument/2006/relationships" xmlns:p="http://schemas.openxmlformats.org/presentationml/2006/main">
   <p:cSld>
     <p:spTree>
@@ -10675,7 +11542,7 @@
 </p:sld>
 </file>
 
-<file path=ppt/slides/slide14.xml><?xml version="1.0" encoding="utf-8"?>
+<file path=ppt/slides/slide16.xml><?xml version="1.0" encoding="utf-8"?>
 <p:sld xmlns:a="http://schemas.openxmlformats.org/drawingml/2006/main" xmlns:r="http://schemas.openxmlformats.org/officeDocument/2006/relationships" xmlns:p="http://schemas.openxmlformats.org/presentationml/2006/main">
   <p:cSld>
     <p:spTree>
@@ -11281,7 +12148,7 @@
 </p:sld>
 </file>
 
-<file path=ppt/slides/slide15.xml><?xml version="1.0" encoding="utf-8"?>
+<file path=ppt/slides/slide17.xml><?xml version="1.0" encoding="utf-8"?>
 <p:sld xmlns:a="http://schemas.openxmlformats.org/drawingml/2006/main" xmlns:r="http://schemas.openxmlformats.org/officeDocument/2006/relationships" xmlns:p="http://schemas.openxmlformats.org/presentationml/2006/main">
   <p:cSld>
     <p:spTree>
@@ -11640,7 +12507,7 @@
 </p:sld>
 </file>
 
-<file path=ppt/slides/slide16.xml><?xml version="1.0" encoding="utf-8"?>
+<file path=ppt/slides/slide18.xml><?xml version="1.0" encoding="utf-8"?>
 <p:sld xmlns:a="http://schemas.openxmlformats.org/drawingml/2006/main" xmlns:r="http://schemas.openxmlformats.org/officeDocument/2006/relationships" xmlns:p="http://schemas.openxmlformats.org/presentationml/2006/main">
   <p:cSld>
     <p:spTree>
@@ -13216,7 +14083,7 @@
 </p:sld>
 </file>
 
-<file path=ppt/slides/slide17.xml><?xml version="1.0" encoding="utf-8"?>
+<file path=ppt/slides/slide19.xml><?xml version="1.0" encoding="utf-8"?>
 <p:sld xmlns:a="http://schemas.openxmlformats.org/drawingml/2006/main" xmlns:r="http://schemas.openxmlformats.org/officeDocument/2006/relationships" xmlns:p="http://schemas.openxmlformats.org/presentationml/2006/main">
   <p:cSld>
     <p:spTree>
@@ -14290,7 +15157,302 @@
 </p:sld>
 </file>
 
-<file path=ppt/slides/slide18.xml><?xml version="1.0" encoding="utf-8"?>
+<file path=ppt/slides/slide2.xml><?xml version="1.0" encoding="utf-8"?>
+<p:sld xmlns:a="http://schemas.openxmlformats.org/drawingml/2006/main" xmlns:r="http://schemas.openxmlformats.org/officeDocument/2006/relationships" xmlns:p="http://schemas.openxmlformats.org/presentationml/2006/main">
+  <p:cSld>
+    <p:spTree>
+      <p:nvGrpSpPr>
+        <p:cNvPr id="1" name=""/>
+        <p:cNvGrpSpPr/>
+        <p:nvPr/>
+      </p:nvGrpSpPr>
+      <p:grpSpPr>
+        <a:xfrm>
+          <a:off x="0" y="0"/>
+          <a:ext cx="0" cy="0"/>
+          <a:chOff x="0" y="0"/>
+          <a:chExt cx="0" cy="0"/>
+        </a:xfrm>
+      </p:grpSpPr>
+      <p:sp>
+        <p:nvSpPr>
+          <p:cNvPr id="2" name="Title 1"/>
+          <p:cNvSpPr>
+            <a:spLocks noGrp="1"/>
+          </p:cNvSpPr>
+          <p:nvPr>
+            <p:ph type="ctrTitle"/>
+          </p:nvPr>
+        </p:nvSpPr>
+        <p:spPr/>
+        <p:txBody>
+          <a:bodyPr/>
+          <a:lstStyle/>
+          <a:p>
+            <a:r>
+              <a:rPr lang="sv-SE" dirty="0"/>
+              <a:t>E</a:t>
+            </a:r>
+            <a:r>
+              <a:rPr lang="sv-SE" dirty="0" smtClean="0"/>
+              <a:t>03 – </a:t>
+            </a:r>
+            <a:r>
+              <a:rPr lang="en-US" sz="3200" dirty="0"/>
+              <a:t>Day 3: 2:00 </a:t>
+            </a:r>
+            <a:r>
+              <a:rPr lang="en-US" sz="3200" dirty="0" smtClean="0"/>
+              <a:t>p.m. - </a:t>
+            </a:r>
+            <a:r>
+              <a:rPr lang="en-US" sz="3200" dirty="0"/>
+              <a:t>3:00 p.m.</a:t>
+            </a:r>
+            <a:endParaRPr lang="sv-SE" sz="3200" dirty="0"/>
+          </a:p>
+        </p:txBody>
+      </p:sp>
+      <p:sp>
+        <p:nvSpPr>
+          <p:cNvPr id="4" name="TextBox 3"/>
+          <p:cNvSpPr txBox="1"/>
+          <p:nvPr/>
+        </p:nvSpPr>
+        <p:spPr>
+          <a:xfrm>
+            <a:off x="1403648" y="1378601"/>
+            <a:ext cx="3235116" cy="4001095"/>
+          </a:xfrm>
+          <a:prstGeom prst="rect">
+            <a:avLst/>
+          </a:prstGeom>
+          <a:noFill/>
+        </p:spPr>
+        <p:txBody>
+          <a:bodyPr wrap="none" rtlCol="0">
+            <a:spAutoFit/>
+          </a:bodyPr>
+          <a:lstStyle/>
+          <a:p>
+            <a:r>
+              <a:rPr lang="sv-SE" sz="2800" b="1" dirty="0" smtClean="0">
+                <a:latin typeface="Minya Nouvelle" pitchFamily="2" charset="0"/>
+              </a:rPr>
+              <a:t>Dagens agenda</a:t>
+            </a:r>
+          </a:p>
+          <a:p>
+            <a:endParaRPr lang="sv-SE" sz="2800" dirty="0" smtClean="0">
+              <a:latin typeface="Minya Nouvelle" pitchFamily="2" charset="0"/>
+            </a:endParaRPr>
+          </a:p>
+          <a:p>
+            <a:pPr marL="285750" indent="-285750">
+              <a:buFont typeface="Arial" charset="0"/>
+              <a:buChar char="•"/>
+            </a:pPr>
+            <a:r>
+              <a:rPr lang="sv-SE" dirty="0" smtClean="0">
+                <a:latin typeface="Minya Nouvelle" pitchFamily="2" charset="0"/>
+              </a:rPr>
+              <a:t>Funktioner</a:t>
+            </a:r>
+          </a:p>
+          <a:p>
+            <a:pPr marL="285750" indent="-285750">
+              <a:buFont typeface="Arial" charset="0"/>
+              <a:buChar char="•"/>
+            </a:pPr>
+            <a:r>
+              <a:rPr lang="sv-SE" dirty="0" smtClean="0">
+                <a:latin typeface="Minya Nouvelle" pitchFamily="2" charset="0"/>
+              </a:rPr>
+              <a:t>Ordning av inladdning</a:t>
+            </a:r>
+          </a:p>
+          <a:p>
+            <a:pPr marL="285750" indent="-285750">
+              <a:buFont typeface="Arial" charset="0"/>
+              <a:buChar char="•"/>
+            </a:pPr>
+            <a:r>
+              <a:rPr lang="sv-SE" dirty="0">
+                <a:latin typeface="Minya Nouvelle" pitchFamily="2" charset="0"/>
+              </a:rPr>
+              <a:t>Objekt (skapa och ta bort)</a:t>
+            </a:r>
+          </a:p>
+          <a:p>
+            <a:pPr marL="285750" indent="-285750">
+              <a:buFont typeface="Arial" charset="0"/>
+              <a:buChar char="•"/>
+            </a:pPr>
+            <a:r>
+              <a:rPr lang="sv-SE" dirty="0" err="1" smtClean="0">
+                <a:latin typeface="Minya Nouvelle" pitchFamily="2" charset="0"/>
+              </a:rPr>
+              <a:t>Arrayer</a:t>
+            </a:r>
+            <a:endParaRPr lang="sv-SE" dirty="0" smtClean="0">
+              <a:latin typeface="Minya Nouvelle" pitchFamily="2" charset="0"/>
+            </a:endParaRPr>
+          </a:p>
+          <a:p>
+            <a:pPr marL="285750" indent="-285750">
+              <a:buFont typeface="Arial" charset="0"/>
+              <a:buChar char="•"/>
+            </a:pPr>
+            <a:r>
+              <a:rPr lang="sv-SE" dirty="0" smtClean="0">
+                <a:latin typeface="Minya Nouvelle" pitchFamily="2" charset="0"/>
+              </a:rPr>
+              <a:t>Date</a:t>
+            </a:r>
+          </a:p>
+          <a:p>
+            <a:pPr marL="285750" indent="-285750">
+              <a:buFont typeface="Arial" charset="0"/>
+              <a:buChar char="•"/>
+            </a:pPr>
+            <a:r>
+              <a:rPr lang="sv-SE" dirty="0" err="1" smtClean="0">
+                <a:latin typeface="Minya Nouvelle" pitchFamily="2" charset="0"/>
+              </a:rPr>
+              <a:t>Math</a:t>
+            </a:r>
+            <a:endParaRPr lang="sv-SE" dirty="0" smtClean="0">
+              <a:latin typeface="Minya Nouvelle" pitchFamily="2" charset="0"/>
+            </a:endParaRPr>
+          </a:p>
+          <a:p>
+            <a:pPr marL="285750" indent="-285750">
+              <a:buFont typeface="Arial" charset="0"/>
+              <a:buChar char="•"/>
+            </a:pPr>
+            <a:r>
+              <a:rPr lang="sv-SE" dirty="0" smtClean="0">
+                <a:latin typeface="Minya Nouvelle" pitchFamily="2" charset="0"/>
+              </a:rPr>
+              <a:t>try/</a:t>
+            </a:r>
+            <a:r>
+              <a:rPr lang="sv-SE" dirty="0" err="1" smtClean="0">
+                <a:latin typeface="Minya Nouvelle" pitchFamily="2" charset="0"/>
+              </a:rPr>
+              <a:t>catch</a:t>
+            </a:r>
+            <a:r>
+              <a:rPr lang="sv-SE" dirty="0" smtClean="0">
+                <a:latin typeface="Minya Nouvelle" pitchFamily="2" charset="0"/>
+              </a:rPr>
+              <a:t>/</a:t>
+            </a:r>
+            <a:r>
+              <a:rPr lang="sv-SE" dirty="0" err="1" smtClean="0">
+                <a:latin typeface="Minya Nouvelle" pitchFamily="2" charset="0"/>
+              </a:rPr>
+              <a:t>finally</a:t>
+            </a:r>
+            <a:endParaRPr lang="sv-SE" dirty="0" smtClean="0">
+              <a:latin typeface="Minya Nouvelle" pitchFamily="2" charset="0"/>
+            </a:endParaRPr>
+          </a:p>
+          <a:p>
+            <a:pPr marL="285750" indent="-285750">
+              <a:buFont typeface="Arial" charset="0"/>
+              <a:buChar char="•"/>
+            </a:pPr>
+            <a:endParaRPr lang="sv-SE" dirty="0" smtClean="0">
+              <a:latin typeface="Minya Nouvelle" pitchFamily="2" charset="0"/>
+            </a:endParaRPr>
+          </a:p>
+          <a:p>
+            <a:pPr marL="285750" indent="-285750">
+              <a:buFont typeface="Arial" charset="0"/>
+              <a:buChar char="•"/>
+            </a:pPr>
+            <a:endParaRPr lang="sv-SE" dirty="0" smtClean="0">
+              <a:latin typeface="Minya Nouvelle" pitchFamily="2" charset="0"/>
+            </a:endParaRPr>
+          </a:p>
+          <a:p>
+            <a:pPr marL="285750" indent="-285750">
+              <a:buFont typeface="Arial" charset="0"/>
+              <a:buChar char="•"/>
+            </a:pPr>
+            <a:endParaRPr lang="sv-SE" dirty="0" smtClean="0">
+              <a:latin typeface="Minya Nouvelle" pitchFamily="2" charset="0"/>
+            </a:endParaRPr>
+          </a:p>
+          <a:p>
+            <a:pPr marL="285750" indent="-285750">
+              <a:buFont typeface="Arial" charset="0"/>
+              <a:buChar char="•"/>
+            </a:pPr>
+            <a:endParaRPr lang="sv-SE" dirty="0" smtClean="0">
+              <a:latin typeface="Minya Nouvelle" pitchFamily="2" charset="0"/>
+            </a:endParaRPr>
+          </a:p>
+        </p:txBody>
+      </p:sp>
+      <p:pic>
+        <p:nvPicPr>
+          <p:cNvPr id="5" name="Picture 2" descr="P:\Icons\128x128\shadow\scroll_preferences.png"/>
+          <p:cNvPicPr>
+            <a:picLocks noChangeAspect="1" noChangeArrowheads="1"/>
+          </p:cNvPicPr>
+          <p:nvPr/>
+        </p:nvPicPr>
+        <p:blipFill>
+          <a:blip r:embed="rId2">
+            <a:extLst>
+              <a:ext uri="{28A0092B-C50C-407E-A947-70E740481C1C}">
+                <a14:useLocalDpi xmlns:a14="http://schemas.microsoft.com/office/drawing/2010/main" val="0"/>
+              </a:ext>
+            </a:extLst>
+          </a:blip>
+          <a:srcRect/>
+          <a:stretch>
+            <a:fillRect/>
+          </a:stretch>
+        </p:blipFill>
+        <p:spPr bwMode="auto">
+          <a:xfrm>
+            <a:off x="7092280" y="500856"/>
+            <a:ext cx="1646237" cy="1646238"/>
+          </a:xfrm>
+          <a:prstGeom prst="rect">
+            <a:avLst/>
+          </a:prstGeom>
+          <a:noFill/>
+          <a:extLst>
+            <a:ext uri="{909E8E84-426E-40dd-AFC4-6F175D3DCCD1}">
+              <a14:hiddenFill xmlns:a14="http://schemas.microsoft.com/office/drawing/2010/main">
+                <a:solidFill>
+                  <a:srgbClr val="FFFFFF"/>
+                </a:solidFill>
+              </a14:hiddenFill>
+            </a:ext>
+          </a:extLst>
+        </p:spPr>
+      </p:pic>
+    </p:spTree>
+  </p:cSld>
+  <p:clrMapOvr>
+    <a:masterClrMapping/>
+  </p:clrMapOvr>
+  <p:timing>
+    <p:tnLst>
+      <p:par>
+        <p:cTn xmlns:p14="http://schemas.microsoft.com/office/powerpoint/2010/main" id="1" dur="indefinite" restart="never" nodeType="tmRoot"/>
+      </p:par>
+    </p:tnLst>
+  </p:timing>
+</p:sld>
+</file>
+
+<file path=ppt/slides/slide20.xml><?xml version="1.0" encoding="utf-8"?>
 <p:sld xmlns:a="http://schemas.openxmlformats.org/drawingml/2006/main" xmlns:r="http://schemas.openxmlformats.org/officeDocument/2006/relationships" xmlns:p="http://schemas.openxmlformats.org/presentationml/2006/main">
   <p:cSld>
     <p:spTree>
@@ -14932,7 +16094,7 @@
 </p:sld>
 </file>
 
-<file path=ppt/slides/slide19.xml><?xml version="1.0" encoding="utf-8"?>
+<file path=ppt/slides/slide21.xml><?xml version="1.0" encoding="utf-8"?>
 <p:sld xmlns:a="http://schemas.openxmlformats.org/drawingml/2006/main" xmlns:r="http://schemas.openxmlformats.org/officeDocument/2006/relationships" xmlns:p="http://schemas.openxmlformats.org/presentationml/2006/main">
   <p:cSld>
     <p:spTree>
@@ -15174,7 +16336,7 @@
 </p:sld>
 </file>
 
-<file path=ppt/slides/slide2.xml><?xml version="1.0" encoding="utf-8"?>
+<file path=ppt/slides/slide22.xml><?xml version="1.0" encoding="utf-8"?>
 <p:sld xmlns:a="http://schemas.openxmlformats.org/drawingml/2006/main" xmlns:r="http://schemas.openxmlformats.org/officeDocument/2006/relationships" xmlns:p="http://schemas.openxmlformats.org/presentationml/2006/main">
   <p:cSld>
     <p:spTree>
@@ -15207,301 +16369,6 @@
           <a:lstStyle/>
           <a:p>
             <a:r>
-              <a:rPr lang="sv-SE" dirty="0"/>
-              <a:t>E</a:t>
-            </a:r>
-            <a:r>
-              <a:rPr lang="sv-SE" dirty="0" smtClean="0"/>
-              <a:t>03 – </a:t>
-            </a:r>
-            <a:r>
-              <a:rPr lang="en-US" sz="3200" dirty="0"/>
-              <a:t>Day 3: 2:00 </a:t>
-            </a:r>
-            <a:r>
-              <a:rPr lang="en-US" sz="3200" dirty="0" smtClean="0"/>
-              <a:t>p.m. - </a:t>
-            </a:r>
-            <a:r>
-              <a:rPr lang="en-US" sz="3200" dirty="0"/>
-              <a:t>3:00 p.m.</a:t>
-            </a:r>
-            <a:endParaRPr lang="sv-SE" sz="3200" dirty="0"/>
-          </a:p>
-        </p:txBody>
-      </p:sp>
-      <p:sp>
-        <p:nvSpPr>
-          <p:cNvPr id="4" name="TextBox 3"/>
-          <p:cNvSpPr txBox="1"/>
-          <p:nvPr/>
-        </p:nvSpPr>
-        <p:spPr>
-          <a:xfrm>
-            <a:off x="1403648" y="1378601"/>
-            <a:ext cx="3235116" cy="4001095"/>
-          </a:xfrm>
-          <a:prstGeom prst="rect">
-            <a:avLst/>
-          </a:prstGeom>
-          <a:noFill/>
-        </p:spPr>
-        <p:txBody>
-          <a:bodyPr wrap="none" rtlCol="0">
-            <a:spAutoFit/>
-          </a:bodyPr>
-          <a:lstStyle/>
-          <a:p>
-            <a:r>
-              <a:rPr lang="sv-SE" sz="2800" b="1" dirty="0" smtClean="0">
-                <a:latin typeface="Minya Nouvelle" pitchFamily="2" charset="0"/>
-              </a:rPr>
-              <a:t>Dagens agenda</a:t>
-            </a:r>
-          </a:p>
-          <a:p>
-            <a:endParaRPr lang="sv-SE" sz="2800" dirty="0" smtClean="0">
-              <a:latin typeface="Minya Nouvelle" pitchFamily="2" charset="0"/>
-            </a:endParaRPr>
-          </a:p>
-          <a:p>
-            <a:pPr marL="285750" indent="-285750">
-              <a:buFont typeface="Arial" charset="0"/>
-              <a:buChar char="•"/>
-            </a:pPr>
-            <a:r>
-              <a:rPr lang="sv-SE" dirty="0" smtClean="0">
-                <a:latin typeface="Minya Nouvelle" pitchFamily="2" charset="0"/>
-              </a:rPr>
-              <a:t>Funktioner</a:t>
-            </a:r>
-          </a:p>
-          <a:p>
-            <a:pPr marL="285750" indent="-285750">
-              <a:buFont typeface="Arial" charset="0"/>
-              <a:buChar char="•"/>
-            </a:pPr>
-            <a:r>
-              <a:rPr lang="sv-SE" dirty="0" smtClean="0">
-                <a:latin typeface="Minya Nouvelle" pitchFamily="2" charset="0"/>
-              </a:rPr>
-              <a:t>Ordning av inladdning</a:t>
-            </a:r>
-          </a:p>
-          <a:p>
-            <a:pPr marL="285750" indent="-285750">
-              <a:buFont typeface="Arial" charset="0"/>
-              <a:buChar char="•"/>
-            </a:pPr>
-            <a:r>
-              <a:rPr lang="sv-SE" dirty="0">
-                <a:latin typeface="Minya Nouvelle" pitchFamily="2" charset="0"/>
-              </a:rPr>
-              <a:t>Objekt (skapa och ta bort)</a:t>
-            </a:r>
-          </a:p>
-          <a:p>
-            <a:pPr marL="285750" indent="-285750">
-              <a:buFont typeface="Arial" charset="0"/>
-              <a:buChar char="•"/>
-            </a:pPr>
-            <a:r>
-              <a:rPr lang="sv-SE" dirty="0" err="1" smtClean="0">
-                <a:latin typeface="Minya Nouvelle" pitchFamily="2" charset="0"/>
-              </a:rPr>
-              <a:t>Arrayer</a:t>
-            </a:r>
-            <a:endParaRPr lang="sv-SE" dirty="0" smtClean="0">
-              <a:latin typeface="Minya Nouvelle" pitchFamily="2" charset="0"/>
-            </a:endParaRPr>
-          </a:p>
-          <a:p>
-            <a:pPr marL="285750" indent="-285750">
-              <a:buFont typeface="Arial" charset="0"/>
-              <a:buChar char="•"/>
-            </a:pPr>
-            <a:r>
-              <a:rPr lang="sv-SE" dirty="0" smtClean="0">
-                <a:latin typeface="Minya Nouvelle" pitchFamily="2" charset="0"/>
-              </a:rPr>
-              <a:t>Date</a:t>
-            </a:r>
-          </a:p>
-          <a:p>
-            <a:pPr marL="285750" indent="-285750">
-              <a:buFont typeface="Arial" charset="0"/>
-              <a:buChar char="•"/>
-            </a:pPr>
-            <a:r>
-              <a:rPr lang="sv-SE" dirty="0" err="1" smtClean="0">
-                <a:latin typeface="Minya Nouvelle" pitchFamily="2" charset="0"/>
-              </a:rPr>
-              <a:t>Math</a:t>
-            </a:r>
-            <a:endParaRPr lang="sv-SE" dirty="0" smtClean="0">
-              <a:latin typeface="Minya Nouvelle" pitchFamily="2" charset="0"/>
-            </a:endParaRPr>
-          </a:p>
-          <a:p>
-            <a:pPr marL="285750" indent="-285750">
-              <a:buFont typeface="Arial" charset="0"/>
-              <a:buChar char="•"/>
-            </a:pPr>
-            <a:r>
-              <a:rPr lang="sv-SE" dirty="0" smtClean="0">
-                <a:latin typeface="Minya Nouvelle" pitchFamily="2" charset="0"/>
-              </a:rPr>
-              <a:t>try/</a:t>
-            </a:r>
-            <a:r>
-              <a:rPr lang="sv-SE" dirty="0" err="1" smtClean="0">
-                <a:latin typeface="Minya Nouvelle" pitchFamily="2" charset="0"/>
-              </a:rPr>
-              <a:t>catch</a:t>
-            </a:r>
-            <a:r>
-              <a:rPr lang="sv-SE" dirty="0" smtClean="0">
-                <a:latin typeface="Minya Nouvelle" pitchFamily="2" charset="0"/>
-              </a:rPr>
-              <a:t>/</a:t>
-            </a:r>
-            <a:r>
-              <a:rPr lang="sv-SE" dirty="0" err="1" smtClean="0">
-                <a:latin typeface="Minya Nouvelle" pitchFamily="2" charset="0"/>
-              </a:rPr>
-              <a:t>finally</a:t>
-            </a:r>
-            <a:endParaRPr lang="sv-SE" dirty="0" smtClean="0">
-              <a:latin typeface="Minya Nouvelle" pitchFamily="2" charset="0"/>
-            </a:endParaRPr>
-          </a:p>
-          <a:p>
-            <a:pPr marL="285750" indent="-285750">
-              <a:buFont typeface="Arial" charset="0"/>
-              <a:buChar char="•"/>
-            </a:pPr>
-            <a:endParaRPr lang="sv-SE" dirty="0" smtClean="0">
-              <a:latin typeface="Minya Nouvelle" pitchFamily="2" charset="0"/>
-            </a:endParaRPr>
-          </a:p>
-          <a:p>
-            <a:pPr marL="285750" indent="-285750">
-              <a:buFont typeface="Arial" charset="0"/>
-              <a:buChar char="•"/>
-            </a:pPr>
-            <a:endParaRPr lang="sv-SE" dirty="0" smtClean="0">
-              <a:latin typeface="Minya Nouvelle" pitchFamily="2" charset="0"/>
-            </a:endParaRPr>
-          </a:p>
-          <a:p>
-            <a:pPr marL="285750" indent="-285750">
-              <a:buFont typeface="Arial" charset="0"/>
-              <a:buChar char="•"/>
-            </a:pPr>
-            <a:endParaRPr lang="sv-SE" dirty="0" smtClean="0">
-              <a:latin typeface="Minya Nouvelle" pitchFamily="2" charset="0"/>
-            </a:endParaRPr>
-          </a:p>
-          <a:p>
-            <a:pPr marL="285750" indent="-285750">
-              <a:buFont typeface="Arial" charset="0"/>
-              <a:buChar char="•"/>
-            </a:pPr>
-            <a:endParaRPr lang="sv-SE" dirty="0" smtClean="0">
-              <a:latin typeface="Minya Nouvelle" pitchFamily="2" charset="0"/>
-            </a:endParaRPr>
-          </a:p>
-        </p:txBody>
-      </p:sp>
-      <p:pic>
-        <p:nvPicPr>
-          <p:cNvPr id="5" name="Picture 2" descr="P:\Icons\128x128\shadow\scroll_preferences.png"/>
-          <p:cNvPicPr>
-            <a:picLocks noChangeAspect="1" noChangeArrowheads="1"/>
-          </p:cNvPicPr>
-          <p:nvPr/>
-        </p:nvPicPr>
-        <p:blipFill>
-          <a:blip r:embed="rId2">
-            <a:extLst>
-              <a:ext uri="{28A0092B-C50C-407E-A947-70E740481C1C}">
-                <a14:useLocalDpi xmlns:a14="http://schemas.microsoft.com/office/drawing/2010/main" val="0"/>
-              </a:ext>
-            </a:extLst>
-          </a:blip>
-          <a:srcRect/>
-          <a:stretch>
-            <a:fillRect/>
-          </a:stretch>
-        </p:blipFill>
-        <p:spPr bwMode="auto">
-          <a:xfrm>
-            <a:off x="7092280" y="500856"/>
-            <a:ext cx="1646237" cy="1646238"/>
-          </a:xfrm>
-          <a:prstGeom prst="rect">
-            <a:avLst/>
-          </a:prstGeom>
-          <a:noFill/>
-          <a:extLst>
-            <a:ext uri="{909E8E84-426E-40dd-AFC4-6F175D3DCCD1}">
-              <a14:hiddenFill xmlns:a14="http://schemas.microsoft.com/office/drawing/2010/main">
-                <a:solidFill>
-                  <a:srgbClr val="FFFFFF"/>
-                </a:solidFill>
-              </a14:hiddenFill>
-            </a:ext>
-          </a:extLst>
-        </p:spPr>
-      </p:pic>
-    </p:spTree>
-  </p:cSld>
-  <p:clrMapOvr>
-    <a:masterClrMapping/>
-  </p:clrMapOvr>
-  <p:timing>
-    <p:tnLst>
-      <p:par>
-        <p:cTn xmlns:p14="http://schemas.microsoft.com/office/powerpoint/2010/main" id="1" dur="indefinite" restart="never" nodeType="tmRoot"/>
-      </p:par>
-    </p:tnLst>
-  </p:timing>
-</p:sld>
-</file>
-
-<file path=ppt/slides/slide20.xml><?xml version="1.0" encoding="utf-8"?>
-<p:sld xmlns:a="http://schemas.openxmlformats.org/drawingml/2006/main" xmlns:r="http://schemas.openxmlformats.org/officeDocument/2006/relationships" xmlns:p="http://schemas.openxmlformats.org/presentationml/2006/main">
-  <p:cSld>
-    <p:spTree>
-      <p:nvGrpSpPr>
-        <p:cNvPr id="1" name=""/>
-        <p:cNvGrpSpPr/>
-        <p:nvPr/>
-      </p:nvGrpSpPr>
-      <p:grpSpPr>
-        <a:xfrm>
-          <a:off x="0" y="0"/>
-          <a:ext cx="0" cy="0"/>
-          <a:chOff x="0" y="0"/>
-          <a:chExt cx="0" cy="0"/>
-        </a:xfrm>
-      </p:grpSpPr>
-      <p:sp>
-        <p:nvSpPr>
-          <p:cNvPr id="2" name="Title 1"/>
-          <p:cNvSpPr>
-            <a:spLocks noGrp="1"/>
-          </p:cNvSpPr>
-          <p:nvPr>
-            <p:ph type="ctrTitle"/>
-          </p:nvPr>
-        </p:nvSpPr>
-        <p:spPr/>
-        <p:txBody>
-          <a:bodyPr/>
-          <a:lstStyle/>
-          <a:p>
-            <a:r>
               <a:rPr lang="en-US" dirty="0" err="1" smtClean="0"/>
               <a:t>Iterativa</a:t>
             </a:r>
@@ -15561,7 +16428,7 @@
 </p:sld>
 </file>
 
-<file path=ppt/slides/slide21.xml><?xml version="1.0" encoding="utf-8"?>
+<file path=ppt/slides/slide23.xml><?xml version="1.0" encoding="utf-8"?>
 <p:sld xmlns:a="http://schemas.openxmlformats.org/drawingml/2006/main" xmlns:r="http://schemas.openxmlformats.org/officeDocument/2006/relationships" xmlns:p="http://schemas.openxmlformats.org/presentationml/2006/main">
   <p:cSld>
     <p:spTree>
@@ -17618,7 +18485,7 @@
 </p:sld>
 </file>
 
-<file path=ppt/slides/slide22.xml><?xml version="1.0" encoding="utf-8"?>
+<file path=ppt/slides/slide24.xml><?xml version="1.0" encoding="utf-8"?>
 <p:sld xmlns:a="http://schemas.openxmlformats.org/drawingml/2006/main" xmlns:r="http://schemas.openxmlformats.org/officeDocument/2006/relationships" xmlns:p="http://schemas.openxmlformats.org/presentationml/2006/main">
   <p:cSld>
     <p:spTree>
@@ -17910,7 +18777,7 @@
 </p:sld>
 </file>
 
-<file path=ppt/slides/slide23.xml><?xml version="1.0" encoding="utf-8"?>
+<file path=ppt/slides/slide25.xml><?xml version="1.0" encoding="utf-8"?>
 <p:sld xmlns:a="http://schemas.openxmlformats.org/drawingml/2006/main" xmlns:r="http://schemas.openxmlformats.org/officeDocument/2006/relationships" xmlns:p="http://schemas.openxmlformats.org/presentationml/2006/main">
   <p:cSld>
     <p:spTree>
@@ -18410,7 +19277,7 @@
 </p:sld>
 </file>
 
-<file path=ppt/slides/slide24.xml><?xml version="1.0" encoding="utf-8"?>
+<file path=ppt/slides/slide26.xml><?xml version="1.0" encoding="utf-8"?>
 <p:sld xmlns:a="http://schemas.openxmlformats.org/drawingml/2006/main" xmlns:r="http://schemas.openxmlformats.org/officeDocument/2006/relationships" xmlns:p="http://schemas.openxmlformats.org/presentationml/2006/main">
   <p:cSld>
     <p:spTree>
@@ -19441,7 +20308,7 @@
 </p:sld>
 </file>
 
-<file path=ppt/slides/slide25.xml><?xml version="1.0" encoding="utf-8"?>
+<file path=ppt/slides/slide27.xml><?xml version="1.0" encoding="utf-8"?>
 <p:sld xmlns:a="http://schemas.openxmlformats.org/drawingml/2006/main" xmlns:r="http://schemas.openxmlformats.org/officeDocument/2006/relationships" xmlns:p="http://schemas.openxmlformats.org/presentationml/2006/main">
   <p:cSld>
     <p:spTree>
@@ -20104,7 +20971,7 @@
 </p:sld>
 </file>
 
-<file path=ppt/slides/slide26.xml><?xml version="1.0" encoding="utf-8"?>
+<file path=ppt/slides/slide28.xml><?xml version="1.0" encoding="utf-8"?>
 <p:sld xmlns:a="http://schemas.openxmlformats.org/drawingml/2006/main" xmlns:r="http://schemas.openxmlformats.org/officeDocument/2006/relationships" xmlns:p="http://schemas.openxmlformats.org/presentationml/2006/main">
   <p:cSld>
     <p:spTree>
@@ -21123,7 +21990,7 @@
 </p:sld>
 </file>
 
-<file path=ppt/slides/slide27.xml><?xml version="1.0" encoding="utf-8"?>
+<file path=ppt/slides/slide29.xml><?xml version="1.0" encoding="utf-8"?>
 <p:sld xmlns:a="http://schemas.openxmlformats.org/drawingml/2006/main" xmlns:r="http://schemas.openxmlformats.org/officeDocument/2006/relationships" xmlns:p="http://schemas.openxmlformats.org/presentationml/2006/main">
   <p:cSld>
     <p:spTree>
@@ -21830,7 +22697,705 @@
 </p:sld>
 </file>
 
-<file path=ppt/slides/slide28.xml><?xml version="1.0" encoding="utf-8"?>
+<file path=ppt/slides/slide3.xml><?xml version="1.0" encoding="utf-8"?>
+<p:sld xmlns:a="http://schemas.openxmlformats.org/drawingml/2006/main" xmlns:r="http://schemas.openxmlformats.org/officeDocument/2006/relationships" xmlns:p="http://schemas.openxmlformats.org/presentationml/2006/main">
+  <p:cSld>
+    <p:spTree>
+      <p:nvGrpSpPr>
+        <p:cNvPr id="1" name=""/>
+        <p:cNvGrpSpPr/>
+        <p:nvPr/>
+      </p:nvGrpSpPr>
+      <p:grpSpPr>
+        <a:xfrm>
+          <a:off x="0" y="0"/>
+          <a:ext cx="0" cy="0"/>
+          <a:chOff x="0" y="0"/>
+          <a:chExt cx="0" cy="0"/>
+        </a:xfrm>
+      </p:grpSpPr>
+      <p:sp>
+        <p:nvSpPr>
+          <p:cNvPr id="2" name="Title 1"/>
+          <p:cNvSpPr>
+            <a:spLocks noGrp="1"/>
+          </p:cNvSpPr>
+          <p:nvPr>
+            <p:ph type="ctrTitle"/>
+          </p:nvPr>
+        </p:nvSpPr>
+        <p:spPr/>
+        <p:txBody>
+          <a:bodyPr/>
+          <a:lstStyle/>
+          <a:p>
+            <a:r>
+              <a:rPr lang="en-US" dirty="0" smtClean="0"/>
+              <a:t>Strict mode</a:t>
+            </a:r>
+            <a:endParaRPr lang="en-US" dirty="0"/>
+          </a:p>
+        </p:txBody>
+      </p:sp>
+      <p:sp>
+        <p:nvSpPr>
+          <p:cNvPr id="3" name="Subtitle 2"/>
+          <p:cNvSpPr>
+            <a:spLocks noGrp="1"/>
+          </p:cNvSpPr>
+          <p:nvPr>
+            <p:ph type="subTitle" idx="1"/>
+          </p:nvPr>
+        </p:nvSpPr>
+        <p:spPr>
+          <a:xfrm>
+            <a:off x="5141965" y="5017740"/>
+            <a:ext cx="4001668" cy="611719"/>
+          </a:xfrm>
+        </p:spPr>
+        <p:txBody>
+          <a:bodyPr/>
+          <a:lstStyle/>
+          <a:p>
+            <a:r>
+              <a:rPr lang="en-US" dirty="0" smtClean="0"/>
+              <a:t>IE10+ FF4+ S5.1+ C13+</a:t>
+            </a:r>
+            <a:endParaRPr lang="en-US" dirty="0"/>
+          </a:p>
+        </p:txBody>
+      </p:sp>
+      <p:sp>
+        <p:nvSpPr>
+          <p:cNvPr id="4" name="AutoShape 3"/>
+          <p:cNvSpPr>
+            <a:spLocks noChangeArrowheads="1"/>
+          </p:cNvSpPr>
+          <p:nvPr/>
+        </p:nvSpPr>
+        <p:spPr bwMode="auto">
+          <a:xfrm>
+            <a:off x="395536" y="1345332"/>
+            <a:ext cx="8410575" cy="400110"/>
+          </a:xfrm>
+          <a:prstGeom prst="rect">
+            <a:avLst/>
+          </a:prstGeom>
+          <a:ln>
+            <a:headEnd/>
+            <a:tailEnd/>
+          </a:ln>
+        </p:spPr>
+        <p:style>
+          <a:lnRef idx="1">
+            <a:schemeClr val="accent2"/>
+          </a:lnRef>
+          <a:fillRef idx="2">
+            <a:schemeClr val="accent2"/>
+          </a:fillRef>
+          <a:effectRef idx="1">
+            <a:schemeClr val="accent2"/>
+          </a:effectRef>
+          <a:fontRef idx="minor">
+            <a:schemeClr val="dk1"/>
+          </a:fontRef>
+        </p:style>
+        <p:txBody>
+          <a:bodyPr anchor="ctr">
+            <a:spAutoFit/>
+          </a:bodyPr>
+          <a:lstStyle/>
+          <a:p>
+            <a:r>
+              <a:rPr lang="nb-NO" sz="2000" b="1" dirty="0" smtClean="0">
+                <a:solidFill>
+                  <a:srgbClr val="000000"/>
+                </a:solidFill>
+                <a:latin typeface="Courier New" pitchFamily="49" charset="0"/>
+                <a:cs typeface="Times New Roman" pitchFamily="18" charset="0"/>
+              </a:rPr>
+              <a:t>”</a:t>
+            </a:r>
+            <a:r>
+              <a:rPr lang="nb-NO" sz="2000" b="1" dirty="0" err="1" smtClean="0">
+                <a:solidFill>
+                  <a:srgbClr val="000000"/>
+                </a:solidFill>
+                <a:latin typeface="Courier New" pitchFamily="49" charset="0"/>
+                <a:cs typeface="Times New Roman" pitchFamily="18" charset="0"/>
+              </a:rPr>
+              <a:t>use</a:t>
+            </a:r>
+            <a:r>
+              <a:rPr lang="nb-NO" sz="2000" b="1" dirty="0" smtClean="0">
+                <a:solidFill>
+                  <a:srgbClr val="000000"/>
+                </a:solidFill>
+                <a:latin typeface="Courier New" pitchFamily="49" charset="0"/>
+                <a:cs typeface="Times New Roman" pitchFamily="18" charset="0"/>
+              </a:rPr>
+              <a:t> </a:t>
+            </a:r>
+            <a:r>
+              <a:rPr lang="nb-NO" sz="2000" b="1" dirty="0" err="1" smtClean="0">
+                <a:solidFill>
+                  <a:srgbClr val="000000"/>
+                </a:solidFill>
+                <a:latin typeface="Courier New" pitchFamily="49" charset="0"/>
+                <a:cs typeface="Times New Roman" pitchFamily="18" charset="0"/>
+              </a:rPr>
+              <a:t>strict</a:t>
+            </a:r>
+            <a:r>
+              <a:rPr lang="nb-NO" sz="2000" b="1" dirty="0" smtClean="0">
+                <a:solidFill>
+                  <a:srgbClr val="000000"/>
+                </a:solidFill>
+                <a:latin typeface="Courier New" pitchFamily="49" charset="0"/>
+                <a:cs typeface="Times New Roman" pitchFamily="18" charset="0"/>
+              </a:rPr>
+              <a:t>”; // </a:t>
+            </a:r>
+            <a:r>
+              <a:rPr lang="nb-NO" sz="2000" b="1" dirty="0" err="1" smtClean="0">
+                <a:solidFill>
+                  <a:srgbClr val="000000"/>
+                </a:solidFill>
+                <a:latin typeface="Courier New" pitchFamily="49" charset="0"/>
+                <a:cs typeface="Times New Roman" pitchFamily="18" charset="0"/>
+              </a:rPr>
+              <a:t>Använd</a:t>
+            </a:r>
+            <a:r>
+              <a:rPr lang="nb-NO" sz="2000" b="1" dirty="0" smtClean="0">
+                <a:solidFill>
+                  <a:srgbClr val="000000"/>
+                </a:solidFill>
+                <a:latin typeface="Courier New" pitchFamily="49" charset="0"/>
+                <a:cs typeface="Times New Roman" pitchFamily="18" charset="0"/>
+              </a:rPr>
+              <a:t> </a:t>
+            </a:r>
+            <a:r>
+              <a:rPr lang="nb-NO" sz="2000" b="1" dirty="0" err="1" smtClean="0">
+                <a:solidFill>
+                  <a:srgbClr val="000000"/>
+                </a:solidFill>
+                <a:latin typeface="Courier New" pitchFamily="49" charset="0"/>
+                <a:cs typeface="Times New Roman" pitchFamily="18" charset="0"/>
+              </a:rPr>
+              <a:t>strict</a:t>
+            </a:r>
+            <a:r>
+              <a:rPr lang="nb-NO" sz="2000" b="1" dirty="0" smtClean="0">
+                <a:solidFill>
+                  <a:srgbClr val="000000"/>
+                </a:solidFill>
+                <a:latin typeface="Courier New" pitchFamily="49" charset="0"/>
+                <a:cs typeface="Times New Roman" pitchFamily="18" charset="0"/>
+              </a:rPr>
+              <a:t>-mode globalt</a:t>
+            </a:r>
+            <a:endParaRPr lang="nb-NO" sz="2000" b="1" dirty="0">
+              <a:solidFill>
+                <a:srgbClr val="000000"/>
+              </a:solidFill>
+              <a:latin typeface="Courier New" pitchFamily="49" charset="0"/>
+              <a:cs typeface="Times New Roman" pitchFamily="18" charset="0"/>
+            </a:endParaRPr>
+          </a:p>
+        </p:txBody>
+      </p:sp>
+      <p:sp>
+        <p:nvSpPr>
+          <p:cNvPr id="5" name="AutoShape 3"/>
+          <p:cNvSpPr>
+            <a:spLocks noChangeArrowheads="1"/>
+          </p:cNvSpPr>
+          <p:nvPr/>
+        </p:nvSpPr>
+        <p:spPr bwMode="auto">
+          <a:xfrm>
+            <a:off x="395536" y="1993404"/>
+            <a:ext cx="8410575" cy="1015663"/>
+          </a:xfrm>
+          <a:prstGeom prst="rect">
+            <a:avLst/>
+          </a:prstGeom>
+          <a:ln>
+            <a:headEnd/>
+            <a:tailEnd/>
+          </a:ln>
+        </p:spPr>
+        <p:style>
+          <a:lnRef idx="1">
+            <a:schemeClr val="accent2"/>
+          </a:lnRef>
+          <a:fillRef idx="2">
+            <a:schemeClr val="accent2"/>
+          </a:fillRef>
+          <a:effectRef idx="1">
+            <a:schemeClr val="accent2"/>
+          </a:effectRef>
+          <a:fontRef idx="minor">
+            <a:schemeClr val="dk1"/>
+          </a:fontRef>
+        </p:style>
+        <p:txBody>
+          <a:bodyPr anchor="ctr">
+            <a:spAutoFit/>
+          </a:bodyPr>
+          <a:lstStyle/>
+          <a:p>
+            <a:r>
+              <a:rPr lang="nb-NO" sz="2000" b="1" dirty="0" err="1" smtClean="0">
+                <a:solidFill>
+                  <a:srgbClr val="000000"/>
+                </a:solidFill>
+                <a:latin typeface="Courier New" pitchFamily="49" charset="0"/>
+                <a:cs typeface="Times New Roman" pitchFamily="18" charset="0"/>
+              </a:rPr>
+              <a:t>function</a:t>
+            </a:r>
+            <a:r>
+              <a:rPr lang="nb-NO" sz="2000" b="1" dirty="0" smtClean="0">
+                <a:solidFill>
+                  <a:srgbClr val="000000"/>
+                </a:solidFill>
+                <a:latin typeface="Courier New" pitchFamily="49" charset="0"/>
+                <a:cs typeface="Times New Roman" pitchFamily="18" charset="0"/>
+              </a:rPr>
+              <a:t> </a:t>
+            </a:r>
+            <a:r>
+              <a:rPr lang="nb-NO" sz="2000" b="1" dirty="0" err="1" smtClean="0">
+                <a:solidFill>
+                  <a:srgbClr val="000000"/>
+                </a:solidFill>
+                <a:latin typeface="Courier New" pitchFamily="49" charset="0"/>
+                <a:cs typeface="Times New Roman" pitchFamily="18" charset="0"/>
+              </a:rPr>
+              <a:t>doStuff</a:t>
+            </a:r>
+            <a:r>
+              <a:rPr lang="nb-NO" sz="2000" b="1" dirty="0" smtClean="0">
+                <a:solidFill>
+                  <a:srgbClr val="000000"/>
+                </a:solidFill>
+                <a:latin typeface="Courier New" pitchFamily="49" charset="0"/>
+                <a:cs typeface="Times New Roman" pitchFamily="18" charset="0"/>
+              </a:rPr>
+              <a:t>(){</a:t>
+            </a:r>
+          </a:p>
+          <a:p>
+            <a:r>
+              <a:rPr lang="nb-NO" sz="2000" b="1" dirty="0" smtClean="0">
+                <a:solidFill>
+                  <a:srgbClr val="000000"/>
+                </a:solidFill>
+                <a:latin typeface="Courier New" pitchFamily="49" charset="0"/>
+                <a:cs typeface="Times New Roman" pitchFamily="18" charset="0"/>
+              </a:rPr>
+              <a:t>   ”</a:t>
+            </a:r>
+            <a:r>
+              <a:rPr lang="nb-NO" sz="2000" b="1" dirty="0" err="1" smtClean="0">
+                <a:solidFill>
+                  <a:srgbClr val="000000"/>
+                </a:solidFill>
+                <a:latin typeface="Courier New" pitchFamily="49" charset="0"/>
+                <a:cs typeface="Times New Roman" pitchFamily="18" charset="0"/>
+              </a:rPr>
+              <a:t>use</a:t>
+            </a:r>
+            <a:r>
+              <a:rPr lang="nb-NO" sz="2000" b="1" dirty="0" smtClean="0">
+                <a:solidFill>
+                  <a:srgbClr val="000000"/>
+                </a:solidFill>
+                <a:latin typeface="Courier New" pitchFamily="49" charset="0"/>
+                <a:cs typeface="Times New Roman" pitchFamily="18" charset="0"/>
+              </a:rPr>
+              <a:t> </a:t>
+            </a:r>
+            <a:r>
+              <a:rPr lang="nb-NO" sz="2000" b="1" dirty="0" err="1" smtClean="0">
+                <a:solidFill>
+                  <a:srgbClr val="000000"/>
+                </a:solidFill>
+                <a:latin typeface="Courier New" pitchFamily="49" charset="0"/>
+                <a:cs typeface="Times New Roman" pitchFamily="18" charset="0"/>
+              </a:rPr>
+              <a:t>strict</a:t>
+            </a:r>
+            <a:r>
+              <a:rPr lang="nb-NO" sz="2000" b="1" dirty="0" smtClean="0">
+                <a:solidFill>
+                  <a:srgbClr val="000000"/>
+                </a:solidFill>
+                <a:latin typeface="Courier New" pitchFamily="49" charset="0"/>
+                <a:cs typeface="Times New Roman" pitchFamily="18" charset="0"/>
+              </a:rPr>
+              <a:t>”; // </a:t>
+            </a:r>
+            <a:r>
+              <a:rPr lang="nb-NO" sz="2000" b="1" dirty="0" err="1" smtClean="0">
+                <a:solidFill>
+                  <a:srgbClr val="000000"/>
+                </a:solidFill>
+                <a:latin typeface="Courier New" pitchFamily="49" charset="0"/>
+                <a:cs typeface="Times New Roman" pitchFamily="18" charset="0"/>
+              </a:rPr>
+              <a:t>Använd</a:t>
+            </a:r>
+            <a:r>
+              <a:rPr lang="nb-NO" sz="2000" b="1" dirty="0" smtClean="0">
+                <a:solidFill>
+                  <a:srgbClr val="000000"/>
+                </a:solidFill>
+                <a:latin typeface="Courier New" pitchFamily="49" charset="0"/>
+                <a:cs typeface="Times New Roman" pitchFamily="18" charset="0"/>
+              </a:rPr>
+              <a:t> i </a:t>
+            </a:r>
+            <a:r>
+              <a:rPr lang="nb-NO" sz="2000" b="1" dirty="0" err="1" smtClean="0">
+                <a:solidFill>
+                  <a:srgbClr val="000000"/>
+                </a:solidFill>
+                <a:latin typeface="Courier New" pitchFamily="49" charset="0"/>
+                <a:cs typeface="Times New Roman" pitchFamily="18" charset="0"/>
+              </a:rPr>
+              <a:t>funktionen</a:t>
+            </a:r>
+            <a:endParaRPr lang="nb-NO" sz="2000" b="1" dirty="0">
+              <a:solidFill>
+                <a:srgbClr val="000000"/>
+              </a:solidFill>
+              <a:latin typeface="Courier New" pitchFamily="49" charset="0"/>
+              <a:cs typeface="Times New Roman" pitchFamily="18" charset="0"/>
+            </a:endParaRPr>
+          </a:p>
+          <a:p>
+            <a:r>
+              <a:rPr lang="nb-NO" sz="2000" b="1" dirty="0" smtClean="0">
+                <a:solidFill>
+                  <a:srgbClr val="000000"/>
+                </a:solidFill>
+                <a:latin typeface="Courier New" pitchFamily="49" charset="0"/>
+                <a:cs typeface="Times New Roman" pitchFamily="18" charset="0"/>
+              </a:rPr>
+              <a:t>}</a:t>
+            </a:r>
+            <a:endParaRPr lang="nb-NO" sz="2000" b="1" dirty="0">
+              <a:solidFill>
+                <a:srgbClr val="000000"/>
+              </a:solidFill>
+              <a:latin typeface="Courier New" pitchFamily="49" charset="0"/>
+              <a:cs typeface="Times New Roman" pitchFamily="18" charset="0"/>
+            </a:endParaRPr>
+          </a:p>
+        </p:txBody>
+      </p:sp>
+      <p:sp>
+        <p:nvSpPr>
+          <p:cNvPr id="6" name="TextBox 5"/>
+          <p:cNvSpPr txBox="1"/>
+          <p:nvPr/>
+        </p:nvSpPr>
+        <p:spPr>
+          <a:xfrm>
+            <a:off x="827584" y="3433564"/>
+            <a:ext cx="5673348" cy="1754327"/>
+          </a:xfrm>
+          <a:prstGeom prst="rect">
+            <a:avLst/>
+          </a:prstGeom>
+          <a:noFill/>
+        </p:spPr>
+        <p:txBody>
+          <a:bodyPr wrap="none" rtlCol="0">
+            <a:spAutoFit/>
+          </a:bodyPr>
+          <a:lstStyle/>
+          <a:p>
+            <a:pPr marL="285750" indent="-285750">
+              <a:buFont typeface="Arial"/>
+              <a:buChar char="•"/>
+            </a:pPr>
+            <a:r>
+              <a:rPr lang="en-US" b="1" dirty="0" err="1" smtClean="0">
+                <a:latin typeface="Minya Nouvelle" pitchFamily="2" charset="0"/>
+              </a:rPr>
+              <a:t>Undviker</a:t>
+            </a:r>
+            <a:r>
+              <a:rPr lang="en-US" b="1" dirty="0" smtClean="0">
+                <a:latin typeface="Minya Nouvelle" pitchFamily="2" charset="0"/>
+              </a:rPr>
+              <a:t> </a:t>
+            </a:r>
+            <a:r>
+              <a:rPr lang="en-US" b="1" dirty="0" err="1" smtClean="0">
+                <a:latin typeface="Minya Nouvelle" pitchFamily="2" charset="0"/>
+              </a:rPr>
+              <a:t>globala</a:t>
+            </a:r>
+            <a:r>
+              <a:rPr lang="en-US" b="1" dirty="0" smtClean="0">
+                <a:latin typeface="Minya Nouvelle" pitchFamily="2" charset="0"/>
+              </a:rPr>
+              <a:t> </a:t>
+            </a:r>
+            <a:r>
+              <a:rPr lang="en-US" b="1" dirty="0" err="1" smtClean="0">
+                <a:latin typeface="Minya Nouvelle" pitchFamily="2" charset="0"/>
+              </a:rPr>
+              <a:t>varibler</a:t>
+            </a:r>
+            <a:r>
+              <a:rPr lang="en-US" b="1" dirty="0" smtClean="0">
+                <a:latin typeface="Minya Nouvelle" pitchFamily="2" charset="0"/>
+              </a:rPr>
+              <a:t>.</a:t>
+            </a:r>
+          </a:p>
+          <a:p>
+            <a:pPr marL="285750" indent="-285750">
+              <a:buFont typeface="Arial"/>
+              <a:buChar char="•"/>
+            </a:pPr>
+            <a:r>
+              <a:rPr lang="en-US" dirty="0" err="1" smtClean="0">
+                <a:latin typeface="Minya Nouvelle" pitchFamily="2" charset="0"/>
+              </a:rPr>
+              <a:t>Ger</a:t>
+            </a:r>
+            <a:r>
+              <a:rPr lang="en-US" dirty="0" smtClean="0">
+                <a:latin typeface="Minya Nouvelle" pitchFamily="2" charset="0"/>
+              </a:rPr>
+              <a:t> </a:t>
+            </a:r>
+            <a:r>
+              <a:rPr lang="en-US" dirty="0" err="1" smtClean="0">
+                <a:latin typeface="Minya Nouvelle" pitchFamily="2" charset="0"/>
+              </a:rPr>
+              <a:t>fel</a:t>
+            </a:r>
+            <a:r>
+              <a:rPr lang="en-US" dirty="0" smtClean="0">
+                <a:latin typeface="Minya Nouvelle" pitchFamily="2" charset="0"/>
+              </a:rPr>
+              <a:t> vid </a:t>
+            </a:r>
+            <a:r>
+              <a:rPr lang="en-US" dirty="0" err="1" smtClean="0">
+                <a:latin typeface="Minya Nouvelle" pitchFamily="2" charset="0"/>
+              </a:rPr>
+              <a:t>felaktig</a:t>
+            </a:r>
+            <a:r>
+              <a:rPr lang="en-US" dirty="0" smtClean="0">
+                <a:latin typeface="Minya Nouvelle" pitchFamily="2" charset="0"/>
+              </a:rPr>
+              <a:t> </a:t>
+            </a:r>
+            <a:r>
+              <a:rPr lang="en-US" dirty="0" err="1" smtClean="0">
+                <a:latin typeface="Minya Nouvelle" pitchFamily="2" charset="0"/>
+              </a:rPr>
+              <a:t>hantering</a:t>
+            </a:r>
+            <a:r>
+              <a:rPr lang="en-US" dirty="0" smtClean="0">
+                <a:latin typeface="Minya Nouvelle" pitchFamily="2" charset="0"/>
+              </a:rPr>
+              <a:t> I </a:t>
+            </a:r>
+            <a:r>
+              <a:rPr lang="en-US" dirty="0" err="1" smtClean="0">
+                <a:latin typeface="Minya Nouvelle" pitchFamily="2" charset="0"/>
+              </a:rPr>
+              <a:t>samband</a:t>
+            </a:r>
+            <a:r>
+              <a:rPr lang="en-US" dirty="0" smtClean="0">
+                <a:latin typeface="Minya Nouvelle" pitchFamily="2" charset="0"/>
+              </a:rPr>
+              <a:t> med </a:t>
+            </a:r>
+            <a:r>
+              <a:rPr lang="en-US" dirty="0" err="1" smtClean="0">
+                <a:latin typeface="Minya Nouvelle" pitchFamily="2" charset="0"/>
+              </a:rPr>
+              <a:t>objekt</a:t>
+            </a:r>
+            <a:endParaRPr lang="en-US" dirty="0" smtClean="0">
+              <a:latin typeface="Minya Nouvelle" pitchFamily="2" charset="0"/>
+            </a:endParaRPr>
+          </a:p>
+          <a:p>
+            <a:pPr marL="285750" indent="-285750">
+              <a:buFont typeface="Arial"/>
+              <a:buChar char="•"/>
+            </a:pPr>
+            <a:r>
+              <a:rPr lang="en-US" dirty="0" err="1" smtClean="0">
+                <a:latin typeface="Minya Nouvelle" pitchFamily="2" charset="0"/>
+              </a:rPr>
+              <a:t>Ger</a:t>
+            </a:r>
+            <a:r>
+              <a:rPr lang="en-US" dirty="0" smtClean="0">
+                <a:latin typeface="Minya Nouvelle" pitchFamily="2" charset="0"/>
+              </a:rPr>
+              <a:t> </a:t>
+            </a:r>
+            <a:r>
+              <a:rPr lang="en-US" dirty="0" err="1" smtClean="0">
+                <a:latin typeface="Minya Nouvelle" pitchFamily="2" charset="0"/>
+              </a:rPr>
+              <a:t>kod</a:t>
+            </a:r>
+            <a:r>
+              <a:rPr lang="en-US" dirty="0" smtClean="0">
+                <a:latin typeface="Minya Nouvelle" pitchFamily="2" charset="0"/>
+              </a:rPr>
+              <a:t> </a:t>
+            </a:r>
+            <a:r>
+              <a:rPr lang="en-US" dirty="0" err="1" smtClean="0">
+                <a:latin typeface="Minya Nouvelle" pitchFamily="2" charset="0"/>
+              </a:rPr>
+              <a:t>i</a:t>
+            </a:r>
+            <a:r>
+              <a:rPr lang="en-US" dirty="0" smtClean="0">
+                <a:latin typeface="Minya Nouvelle" pitchFamily="2" charset="0"/>
+              </a:rPr>
+              <a:t> </a:t>
+            </a:r>
+            <a:r>
+              <a:rPr lang="en-US" dirty="0" err="1" smtClean="0">
+                <a:latin typeface="Minya Nouvelle" pitchFamily="2" charset="0"/>
+              </a:rPr>
+              <a:t>eval</a:t>
+            </a:r>
+            <a:r>
+              <a:rPr lang="en-US" dirty="0" smtClean="0">
+                <a:latin typeface="Minya Nouvelle" pitchFamily="2" charset="0"/>
+              </a:rPr>
+              <a:t>() </a:t>
+            </a:r>
+            <a:r>
+              <a:rPr lang="en-US" dirty="0" err="1" smtClean="0">
+                <a:latin typeface="Minya Nouvelle" pitchFamily="2" charset="0"/>
+              </a:rPr>
+              <a:t>ett</a:t>
+            </a:r>
+            <a:r>
+              <a:rPr lang="en-US" dirty="0" smtClean="0">
+                <a:latin typeface="Minya Nouvelle" pitchFamily="2" charset="0"/>
+              </a:rPr>
+              <a:t> </a:t>
+            </a:r>
+            <a:r>
+              <a:rPr lang="en-US" dirty="0" err="1" smtClean="0">
+                <a:latin typeface="Minya Nouvelle" pitchFamily="2" charset="0"/>
+              </a:rPr>
+              <a:t>eget</a:t>
+            </a:r>
+            <a:r>
+              <a:rPr lang="en-US" dirty="0" smtClean="0">
+                <a:latin typeface="Minya Nouvelle" pitchFamily="2" charset="0"/>
+              </a:rPr>
+              <a:t> scope</a:t>
+            </a:r>
+          </a:p>
+          <a:p>
+            <a:pPr marL="285750" indent="-285750">
+              <a:buFont typeface="Arial"/>
+              <a:buChar char="•"/>
+            </a:pPr>
+            <a:r>
+              <a:rPr lang="en-US" dirty="0" err="1" smtClean="0">
+                <a:latin typeface="Minya Nouvelle" pitchFamily="2" charset="0"/>
+              </a:rPr>
+              <a:t>förändring</a:t>
+            </a:r>
+            <a:r>
+              <a:rPr lang="en-US" dirty="0" smtClean="0">
+                <a:latin typeface="Minya Nouvelle" pitchFamily="2" charset="0"/>
+              </a:rPr>
+              <a:t> </a:t>
+            </a:r>
+            <a:r>
+              <a:rPr lang="en-US" dirty="0" err="1" smtClean="0">
+                <a:latin typeface="Minya Nouvelle" pitchFamily="2" charset="0"/>
+              </a:rPr>
+              <a:t>av</a:t>
+            </a:r>
+            <a:r>
+              <a:rPr lang="en-US" dirty="0" smtClean="0">
+                <a:latin typeface="Minya Nouvelle" pitchFamily="2" charset="0"/>
+              </a:rPr>
+              <a:t> </a:t>
+            </a:r>
+            <a:r>
+              <a:rPr lang="en-US" dirty="0" err="1" smtClean="0">
+                <a:latin typeface="Minya Nouvelle" pitchFamily="2" charset="0"/>
+              </a:rPr>
+              <a:t>parseInt</a:t>
+            </a:r>
+            <a:r>
+              <a:rPr lang="en-US" dirty="0" smtClean="0">
+                <a:latin typeface="Minya Nouvelle" pitchFamily="2" charset="0"/>
+              </a:rPr>
+              <a:t>()</a:t>
+            </a:r>
+            <a:endParaRPr lang="en-US" dirty="0" smtClean="0">
+              <a:latin typeface="Minya Nouvelle" pitchFamily="2" charset="0"/>
+            </a:endParaRPr>
+          </a:p>
+          <a:p>
+            <a:pPr marL="285750" indent="-285750">
+              <a:buFont typeface="Arial"/>
+              <a:buChar char="•"/>
+            </a:pPr>
+            <a:r>
+              <a:rPr lang="en-US" dirty="0" smtClean="0">
+                <a:latin typeface="Minya Nouvelle" pitchFamily="2" charset="0"/>
+              </a:rPr>
+              <a:t>…..</a:t>
+            </a:r>
+          </a:p>
+          <a:p>
+            <a:pPr marL="285750" indent="-285750">
+              <a:buFont typeface="Arial"/>
+              <a:buChar char="•"/>
+            </a:pPr>
+            <a:endParaRPr lang="en-US" dirty="0" smtClean="0">
+              <a:latin typeface="Minya Nouvelle" pitchFamily="2" charset="0"/>
+            </a:endParaRPr>
+          </a:p>
+        </p:txBody>
+      </p:sp>
+    </p:spTree>
+    <p:extLst>
+      <p:ext uri="{BB962C8B-B14F-4D97-AF65-F5344CB8AC3E}">
+        <p14:creationId xmlns:p14="http://schemas.microsoft.com/office/powerpoint/2010/main" val="1702855090"/>
+      </p:ext>
+    </p:extLst>
+  </p:cSld>
+  <p:clrMapOvr>
+    <a:masterClrMapping/>
+  </p:clrMapOvr>
+</p:sld>
+</file>
+
+<file path=ppt/slides/slide30.xml><?xml version="1.0" encoding="utf-8"?>
 <p:sld xmlns:a="http://schemas.openxmlformats.org/drawingml/2006/main" xmlns:r="http://schemas.openxmlformats.org/officeDocument/2006/relationships" xmlns:p="http://schemas.openxmlformats.org/presentationml/2006/main">
   <p:cSld>
     <p:spTree>
@@ -21923,7 +23488,7 @@
 </p:sld>
 </file>
 
-<file path=ppt/slides/slide29.xml><?xml version="1.0" encoding="utf-8"?>
+<file path=ppt/slides/slide31.xml><?xml version="1.0" encoding="utf-8"?>
 <p:sld xmlns:a="http://schemas.openxmlformats.org/drawingml/2006/main" xmlns:r="http://schemas.openxmlformats.org/officeDocument/2006/relationships" xmlns:p="http://schemas.openxmlformats.org/presentationml/2006/main">
   <p:cSld>
     <p:spTree>
@@ -22057,163 +23622,6 @@
     <p:extLst>
       <p:ext uri="{BB962C8B-B14F-4D97-AF65-F5344CB8AC3E}">
         <p14:creationId xmlns:p14="http://schemas.microsoft.com/office/powerpoint/2010/main" val="2320607436"/>
-      </p:ext>
-    </p:extLst>
-  </p:cSld>
-  <p:clrMapOvr>
-    <a:masterClrMapping/>
-  </p:clrMapOvr>
-  <p:timing>
-    <p:tnLst>
-      <p:par>
-        <p:cTn xmlns:p14="http://schemas.microsoft.com/office/powerpoint/2010/main" id="1" dur="indefinite" restart="never" nodeType="tmRoot"/>
-      </p:par>
-    </p:tnLst>
-  </p:timing>
-</p:sld>
-</file>
-
-<file path=ppt/slides/slide3.xml><?xml version="1.0" encoding="utf-8"?>
-<p:sld xmlns:a="http://schemas.openxmlformats.org/drawingml/2006/main" xmlns:r="http://schemas.openxmlformats.org/officeDocument/2006/relationships" xmlns:p="http://schemas.openxmlformats.org/presentationml/2006/main">
-  <p:cSld>
-    <p:spTree>
-      <p:nvGrpSpPr>
-        <p:cNvPr id="1" name=""/>
-        <p:cNvGrpSpPr/>
-        <p:nvPr/>
-      </p:nvGrpSpPr>
-      <p:grpSpPr>
-        <a:xfrm>
-          <a:off x="0" y="0"/>
-          <a:ext cx="0" cy="0"/>
-          <a:chOff x="0" y="0"/>
-          <a:chExt cx="0" cy="0"/>
-        </a:xfrm>
-      </p:grpSpPr>
-      <p:sp>
-        <p:nvSpPr>
-          <p:cNvPr id="2" name="Title 1"/>
-          <p:cNvSpPr>
-            <a:spLocks noGrp="1"/>
-          </p:cNvSpPr>
-          <p:nvPr>
-            <p:ph type="ctrTitle"/>
-          </p:nvPr>
-        </p:nvSpPr>
-        <p:spPr/>
-        <p:txBody>
-          <a:bodyPr/>
-          <a:lstStyle/>
-          <a:p>
-            <a:r>
-              <a:rPr lang="sv-SE" dirty="0" smtClean="0"/>
-              <a:t>Funktioner</a:t>
-            </a:r>
-            <a:endParaRPr lang="sv-SE" dirty="0"/>
-          </a:p>
-        </p:txBody>
-      </p:sp>
-      <p:pic>
-        <p:nvPicPr>
-          <p:cNvPr id="4099" name="Picture 3" descr="P:\Icons\128x128\shadow\branch_element.png"/>
-          <p:cNvPicPr>
-            <a:picLocks noChangeAspect="1" noChangeArrowheads="1"/>
-          </p:cNvPicPr>
-          <p:nvPr/>
-        </p:nvPicPr>
-        <p:blipFill>
-          <a:blip r:embed="rId2">
-            <a:extLst>
-              <a:ext uri="{28A0092B-C50C-407E-A947-70E740481C1C}">
-                <a14:useLocalDpi xmlns:a14="http://schemas.microsoft.com/office/drawing/2010/main" val="0"/>
-              </a:ext>
-            </a:extLst>
-          </a:blip>
-          <a:srcRect/>
-          <a:stretch>
-            <a:fillRect/>
-          </a:stretch>
-        </p:blipFill>
-        <p:spPr bwMode="auto">
-          <a:xfrm>
-            <a:off x="899592" y="1705372"/>
-            <a:ext cx="2376264" cy="2376264"/>
-          </a:xfrm>
-          <a:prstGeom prst="rect">
-            <a:avLst/>
-          </a:prstGeom>
-          <a:noFill/>
-          <a:extLst>
-            <a:ext uri="{909E8E84-426E-40dd-AFC4-6F175D3DCCD1}">
-              <a14:hiddenFill xmlns:a14="http://schemas.microsoft.com/office/drawing/2010/main">
-                <a:solidFill>
-                  <a:srgbClr val="FFFFFF"/>
-                </a:solidFill>
-              </a14:hiddenFill>
-            </a:ext>
-          </a:extLst>
-        </p:spPr>
-      </p:pic>
-      <p:sp>
-        <p:nvSpPr>
-          <p:cNvPr id="4" name="TextBox 3"/>
-          <p:cNvSpPr txBox="1"/>
-          <p:nvPr/>
-        </p:nvSpPr>
-        <p:spPr>
-          <a:xfrm>
-            <a:off x="3563888" y="1834287"/>
-            <a:ext cx="5148064" cy="2031325"/>
-          </a:xfrm>
-          <a:prstGeom prst="rect">
-            <a:avLst/>
-          </a:prstGeom>
-          <a:noFill/>
-        </p:spPr>
-        <p:txBody>
-          <a:bodyPr wrap="square" rtlCol="0">
-            <a:spAutoFit/>
-          </a:bodyPr>
-          <a:lstStyle/>
-          <a:p>
-            <a:r>
-              <a:rPr lang="sv-SE" b="1" dirty="0" smtClean="0">
-                <a:latin typeface="Minya Nouvelle" pitchFamily="2" charset="0"/>
-              </a:rPr>
-              <a:t>Funktioner</a:t>
-            </a:r>
-            <a:r>
-              <a:rPr lang="sv-SE" dirty="0" smtClean="0">
-                <a:latin typeface="Minya Nouvelle" pitchFamily="2" charset="0"/>
-              </a:rPr>
-              <a:t> låter oss dela upp vår kod vilket främjar återanvändning av kod samt gör vår kod mer lättläst och överskådbar.</a:t>
-            </a:r>
-          </a:p>
-          <a:p>
-            <a:endParaRPr lang="sv-SE" dirty="0">
-              <a:latin typeface="Minya Nouvelle" pitchFamily="2" charset="0"/>
-            </a:endParaRPr>
-          </a:p>
-          <a:p>
-            <a:r>
-              <a:rPr lang="sv-SE" b="1" dirty="0" smtClean="0">
-                <a:latin typeface="Minya Nouvelle" pitchFamily="2" charset="0"/>
-              </a:rPr>
-              <a:t>Funktioner</a:t>
-            </a:r>
-            <a:r>
-              <a:rPr lang="sv-SE" dirty="0" smtClean="0">
-                <a:latin typeface="Minya Nouvelle" pitchFamily="2" charset="0"/>
-              </a:rPr>
-              <a:t> är en av grundpelarna och vi kommer framöver att se hur vi kan använda funktioner på objekt. (metoder)</a:t>
-            </a:r>
-          </a:p>
-        </p:txBody>
-      </p:sp>
-    </p:spTree>
-    <p:extLst>
-      <p:ext uri="{BB962C8B-B14F-4D97-AF65-F5344CB8AC3E}">
-        <p14:creationId xmlns:p14="http://schemas.microsoft.com/office/powerpoint/2010/main" val="2789778729"/>
       </p:ext>
     </p:extLst>
   </p:cSld>
@@ -22270,6 +23678,163 @@
           </a:p>
         </p:txBody>
       </p:sp>
+      <p:pic>
+        <p:nvPicPr>
+          <p:cNvPr id="4099" name="Picture 3" descr="P:\Icons\128x128\shadow\branch_element.png"/>
+          <p:cNvPicPr>
+            <a:picLocks noChangeAspect="1" noChangeArrowheads="1"/>
+          </p:cNvPicPr>
+          <p:nvPr/>
+        </p:nvPicPr>
+        <p:blipFill>
+          <a:blip r:embed="rId2">
+            <a:extLst>
+              <a:ext uri="{28A0092B-C50C-407E-A947-70E740481C1C}">
+                <a14:useLocalDpi xmlns:a14="http://schemas.microsoft.com/office/drawing/2010/main" val="0"/>
+              </a:ext>
+            </a:extLst>
+          </a:blip>
+          <a:srcRect/>
+          <a:stretch>
+            <a:fillRect/>
+          </a:stretch>
+        </p:blipFill>
+        <p:spPr bwMode="auto">
+          <a:xfrm>
+            <a:off x="899592" y="1705372"/>
+            <a:ext cx="2376264" cy="2376264"/>
+          </a:xfrm>
+          <a:prstGeom prst="rect">
+            <a:avLst/>
+          </a:prstGeom>
+          <a:noFill/>
+          <a:extLst>
+            <a:ext uri="{909E8E84-426E-40dd-AFC4-6F175D3DCCD1}">
+              <a14:hiddenFill xmlns:a14="http://schemas.microsoft.com/office/drawing/2010/main">
+                <a:solidFill>
+                  <a:srgbClr val="FFFFFF"/>
+                </a:solidFill>
+              </a14:hiddenFill>
+            </a:ext>
+          </a:extLst>
+        </p:spPr>
+      </p:pic>
+      <p:sp>
+        <p:nvSpPr>
+          <p:cNvPr id="4" name="TextBox 3"/>
+          <p:cNvSpPr txBox="1"/>
+          <p:nvPr/>
+        </p:nvSpPr>
+        <p:spPr>
+          <a:xfrm>
+            <a:off x="3563888" y="1834287"/>
+            <a:ext cx="5148064" cy="2031325"/>
+          </a:xfrm>
+          <a:prstGeom prst="rect">
+            <a:avLst/>
+          </a:prstGeom>
+          <a:noFill/>
+        </p:spPr>
+        <p:txBody>
+          <a:bodyPr wrap="square" rtlCol="0">
+            <a:spAutoFit/>
+          </a:bodyPr>
+          <a:lstStyle/>
+          <a:p>
+            <a:r>
+              <a:rPr lang="sv-SE" b="1" dirty="0" smtClean="0">
+                <a:latin typeface="Minya Nouvelle" pitchFamily="2" charset="0"/>
+              </a:rPr>
+              <a:t>Funktioner</a:t>
+            </a:r>
+            <a:r>
+              <a:rPr lang="sv-SE" dirty="0" smtClean="0">
+                <a:latin typeface="Minya Nouvelle" pitchFamily="2" charset="0"/>
+              </a:rPr>
+              <a:t> låter oss dela upp vår kod vilket främjar återanvändning av kod samt gör vår kod mer lättläst och överskådbar.</a:t>
+            </a:r>
+          </a:p>
+          <a:p>
+            <a:endParaRPr lang="sv-SE" dirty="0">
+              <a:latin typeface="Minya Nouvelle" pitchFamily="2" charset="0"/>
+            </a:endParaRPr>
+          </a:p>
+          <a:p>
+            <a:r>
+              <a:rPr lang="sv-SE" b="1" dirty="0" smtClean="0">
+                <a:latin typeface="Minya Nouvelle" pitchFamily="2" charset="0"/>
+              </a:rPr>
+              <a:t>Funktioner</a:t>
+            </a:r>
+            <a:r>
+              <a:rPr lang="sv-SE" dirty="0" smtClean="0">
+                <a:latin typeface="Minya Nouvelle" pitchFamily="2" charset="0"/>
+              </a:rPr>
+              <a:t> är en av grundpelarna och vi kommer framöver att se hur vi kan använda funktioner på objekt. (metoder)</a:t>
+            </a:r>
+          </a:p>
+        </p:txBody>
+      </p:sp>
+    </p:spTree>
+    <p:extLst>
+      <p:ext uri="{BB962C8B-B14F-4D97-AF65-F5344CB8AC3E}">
+        <p14:creationId xmlns:p14="http://schemas.microsoft.com/office/powerpoint/2010/main" val="2789778729"/>
+      </p:ext>
+    </p:extLst>
+  </p:cSld>
+  <p:clrMapOvr>
+    <a:masterClrMapping/>
+  </p:clrMapOvr>
+  <p:timing>
+    <p:tnLst>
+      <p:par>
+        <p:cTn xmlns:p14="http://schemas.microsoft.com/office/powerpoint/2010/main" id="1" dur="indefinite" restart="never" nodeType="tmRoot"/>
+      </p:par>
+    </p:tnLst>
+  </p:timing>
+</p:sld>
+</file>
+
+<file path=ppt/slides/slide5.xml><?xml version="1.0" encoding="utf-8"?>
+<p:sld xmlns:a="http://schemas.openxmlformats.org/drawingml/2006/main" xmlns:r="http://schemas.openxmlformats.org/officeDocument/2006/relationships" xmlns:p="http://schemas.openxmlformats.org/presentationml/2006/main">
+  <p:cSld>
+    <p:spTree>
+      <p:nvGrpSpPr>
+        <p:cNvPr id="1" name=""/>
+        <p:cNvGrpSpPr/>
+        <p:nvPr/>
+      </p:nvGrpSpPr>
+      <p:grpSpPr>
+        <a:xfrm>
+          <a:off x="0" y="0"/>
+          <a:ext cx="0" cy="0"/>
+          <a:chOff x="0" y="0"/>
+          <a:chExt cx="0" cy="0"/>
+        </a:xfrm>
+      </p:grpSpPr>
+      <p:sp>
+        <p:nvSpPr>
+          <p:cNvPr id="2" name="Title 1"/>
+          <p:cNvSpPr>
+            <a:spLocks noGrp="1"/>
+          </p:cNvSpPr>
+          <p:nvPr>
+            <p:ph type="ctrTitle"/>
+          </p:nvPr>
+        </p:nvSpPr>
+        <p:spPr/>
+        <p:txBody>
+          <a:bodyPr/>
+          <a:lstStyle/>
+          <a:p>
+            <a:r>
+              <a:rPr lang="sv-SE" dirty="0" smtClean="0"/>
+              <a:t>Funktioner</a:t>
+            </a:r>
+            <a:endParaRPr lang="sv-SE" dirty="0"/>
+          </a:p>
+        </p:txBody>
+      </p:sp>
       <p:sp>
         <p:nvSpPr>
           <p:cNvPr id="7" name="AutoShape 3"/>
@@ -22657,7 +24222,7 @@
 </p:sld>
 </file>
 
-<file path=ppt/slides/slide5.xml><?xml version="1.0" encoding="utf-8"?>
+<file path=ppt/slides/slide6.xml><?xml version="1.0" encoding="utf-8"?>
 <p:sld xmlns:a="http://schemas.openxmlformats.org/drawingml/2006/main" xmlns:r="http://schemas.openxmlformats.org/officeDocument/2006/relationships" xmlns:p="http://schemas.openxmlformats.org/presentationml/2006/main">
   <p:cSld>
     <p:spTree>
@@ -23195,7 +24760,7 @@
 </p:sld>
 </file>
 
-<file path=ppt/slides/slide6.xml><?xml version="1.0" encoding="utf-8"?>
+<file path=ppt/slides/slide7.xml><?xml version="1.0" encoding="utf-8"?>
 <p:sld xmlns:a="http://schemas.openxmlformats.org/drawingml/2006/main" xmlns:r="http://schemas.openxmlformats.org/officeDocument/2006/relationships" xmlns:p="http://schemas.openxmlformats.org/presentationml/2006/main">
   <p:cSld>
     <p:spTree>
@@ -23755,416 +25320,6 @@
     <p:extLst>
       <p:ext uri="{BB962C8B-B14F-4D97-AF65-F5344CB8AC3E}">
         <p14:creationId xmlns:p14="http://schemas.microsoft.com/office/powerpoint/2010/main" val="2872897238"/>
-      </p:ext>
-    </p:extLst>
-  </p:cSld>
-  <p:clrMapOvr>
-    <a:masterClrMapping/>
-  </p:clrMapOvr>
-  <p:timing>
-    <p:tnLst>
-      <p:par>
-        <p:cTn xmlns:p14="http://schemas.microsoft.com/office/powerpoint/2010/main" id="1" dur="indefinite" restart="never" nodeType="tmRoot"/>
-      </p:par>
-    </p:tnLst>
-  </p:timing>
-</p:sld>
-</file>
-
-<file path=ppt/slides/slide7.xml><?xml version="1.0" encoding="utf-8"?>
-<p:sld xmlns:a="http://schemas.openxmlformats.org/drawingml/2006/main" xmlns:r="http://schemas.openxmlformats.org/officeDocument/2006/relationships" xmlns:p="http://schemas.openxmlformats.org/presentationml/2006/main">
-  <p:cSld>
-    <p:spTree>
-      <p:nvGrpSpPr>
-        <p:cNvPr id="1" name=""/>
-        <p:cNvGrpSpPr/>
-        <p:nvPr/>
-      </p:nvGrpSpPr>
-      <p:grpSpPr>
-        <a:xfrm>
-          <a:off x="0" y="0"/>
-          <a:ext cx="0" cy="0"/>
-          <a:chOff x="0" y="0"/>
-          <a:chExt cx="0" cy="0"/>
-        </a:xfrm>
-      </p:grpSpPr>
-      <p:sp>
-        <p:nvSpPr>
-          <p:cNvPr id="2" name="Title 1"/>
-          <p:cNvSpPr>
-            <a:spLocks noGrp="1"/>
-          </p:cNvSpPr>
-          <p:nvPr>
-            <p:ph type="ctrTitle"/>
-          </p:nvPr>
-        </p:nvSpPr>
-        <p:spPr/>
-        <p:txBody>
-          <a:bodyPr/>
-          <a:lstStyle/>
-          <a:p>
-            <a:r>
-              <a:rPr lang="sv-SE" dirty="0" smtClean="0"/>
-              <a:t>Funktioner</a:t>
-            </a:r>
-            <a:endParaRPr lang="sv-SE" dirty="0"/>
-          </a:p>
-        </p:txBody>
-      </p:sp>
-      <p:sp>
-        <p:nvSpPr>
-          <p:cNvPr id="4" name="AutoShape 3"/>
-          <p:cNvSpPr>
-            <a:spLocks noChangeArrowheads="1"/>
-          </p:cNvSpPr>
-          <p:nvPr/>
-        </p:nvSpPr>
-        <p:spPr bwMode="auto">
-          <a:xfrm>
-            <a:off x="395536" y="1144697"/>
-            <a:ext cx="8410575" cy="4339650"/>
-          </a:xfrm>
-          <a:prstGeom prst="rect">
-            <a:avLst/>
-          </a:prstGeom>
-          <a:ln>
-            <a:headEnd/>
-            <a:tailEnd/>
-          </a:ln>
-        </p:spPr>
-        <p:style>
-          <a:lnRef idx="1">
-            <a:schemeClr val="accent2"/>
-          </a:lnRef>
-          <a:fillRef idx="2">
-            <a:schemeClr val="accent2"/>
-          </a:fillRef>
-          <a:effectRef idx="1">
-            <a:schemeClr val="accent2"/>
-          </a:effectRef>
-          <a:fontRef idx="minor">
-            <a:schemeClr val="dk1"/>
-          </a:fontRef>
-        </p:style>
-        <p:txBody>
-          <a:bodyPr anchor="ctr">
-            <a:spAutoFit/>
-          </a:bodyPr>
-          <a:lstStyle/>
-          <a:p>
-            <a:r>
-              <a:rPr lang="nb-NO" sz="2000" b="1" dirty="0">
-                <a:solidFill>
-                  <a:srgbClr val="000000"/>
-                </a:solidFill>
-                <a:latin typeface="Courier New" pitchFamily="49" charset="0"/>
-                <a:cs typeface="Times New Roman" pitchFamily="18" charset="0"/>
-              </a:rPr>
-              <a:t>function </a:t>
-            </a:r>
-            <a:r>
-              <a:rPr lang="nb-NO" sz="2000" b="1" dirty="0" smtClean="0">
-                <a:solidFill>
-                  <a:srgbClr val="000000"/>
-                </a:solidFill>
-                <a:latin typeface="Courier New" pitchFamily="49" charset="0"/>
-                <a:cs typeface="Times New Roman" pitchFamily="18" charset="0"/>
-              </a:rPr>
-              <a:t>summera(tal1, tal2){</a:t>
-            </a:r>
-            <a:endParaRPr lang="nb-NO" sz="2000" b="1" dirty="0">
-              <a:solidFill>
-                <a:srgbClr val="000000"/>
-              </a:solidFill>
-              <a:latin typeface="Courier New" pitchFamily="49" charset="0"/>
-              <a:cs typeface="Times New Roman" pitchFamily="18" charset="0"/>
-            </a:endParaRPr>
-          </a:p>
-          <a:p>
-            <a:endParaRPr lang="nb-NO" sz="1800" b="1" dirty="0" smtClean="0">
-              <a:solidFill>
-                <a:srgbClr val="000000"/>
-              </a:solidFill>
-              <a:latin typeface="Courier New" pitchFamily="49" charset="0"/>
-              <a:cs typeface="Times New Roman" pitchFamily="18" charset="0"/>
-            </a:endParaRPr>
-          </a:p>
-          <a:p>
-            <a:r>
-              <a:rPr lang="nb-NO" sz="1800" b="1" dirty="0">
-                <a:solidFill>
-                  <a:srgbClr val="000000"/>
-                </a:solidFill>
-                <a:latin typeface="Courier New" pitchFamily="49" charset="0"/>
-                <a:cs typeface="Times New Roman" pitchFamily="18" charset="0"/>
-              </a:rPr>
-              <a:t>	</a:t>
-            </a:r>
-            <a:r>
-              <a:rPr lang="nb-NO" sz="1800" b="1" dirty="0" smtClean="0">
-                <a:solidFill>
-                  <a:srgbClr val="000000"/>
-                </a:solidFill>
-                <a:latin typeface="Courier New" pitchFamily="49" charset="0"/>
-                <a:cs typeface="Times New Roman" pitchFamily="18" charset="0"/>
-              </a:rPr>
-              <a:t>return tal1+tal2;</a:t>
-            </a:r>
-            <a:r>
-              <a:rPr lang="nb-NO" sz="1800" b="1" dirty="0">
-                <a:solidFill>
-                  <a:srgbClr val="000000"/>
-                </a:solidFill>
-                <a:latin typeface="Courier New" pitchFamily="49" charset="0"/>
-                <a:cs typeface="Times New Roman" pitchFamily="18" charset="0"/>
-              </a:rPr>
-              <a:t/>
-            </a:r>
-            <a:br>
-              <a:rPr lang="nb-NO" sz="1800" b="1" dirty="0">
-                <a:solidFill>
-                  <a:srgbClr val="000000"/>
-                </a:solidFill>
-                <a:latin typeface="Courier New" pitchFamily="49" charset="0"/>
-                <a:cs typeface="Times New Roman" pitchFamily="18" charset="0"/>
-              </a:rPr>
-            </a:br>
-            <a:r>
-              <a:rPr lang="nb-NO" sz="2000" b="1" dirty="0" smtClean="0">
-                <a:solidFill>
-                  <a:srgbClr val="000000"/>
-                </a:solidFill>
-                <a:latin typeface="Courier New" pitchFamily="49" charset="0"/>
-                <a:cs typeface="Times New Roman" pitchFamily="18" charset="0"/>
-              </a:rPr>
-              <a:t>}</a:t>
-            </a:r>
-          </a:p>
-          <a:p>
-            <a:endParaRPr lang="nb-NO" sz="2000" b="1" dirty="0">
-              <a:solidFill>
-                <a:srgbClr val="000000"/>
-              </a:solidFill>
-              <a:latin typeface="Courier New" pitchFamily="49" charset="0"/>
-              <a:cs typeface="Times New Roman" pitchFamily="18" charset="0"/>
-            </a:endParaRPr>
-          </a:p>
-          <a:p>
-            <a:r>
-              <a:rPr lang="nb-NO" sz="2000" b="1" dirty="0" smtClean="0">
-                <a:solidFill>
-                  <a:srgbClr val="000000"/>
-                </a:solidFill>
-                <a:latin typeface="Courier New" pitchFamily="49" charset="0"/>
-                <a:cs typeface="Times New Roman" pitchFamily="18" charset="0"/>
-              </a:rPr>
-              <a:t>var summeraIgen = summera;</a:t>
-            </a:r>
-          </a:p>
-          <a:p>
-            <a:endParaRPr lang="nb-NO" sz="2000" b="1" dirty="0">
-              <a:solidFill>
-                <a:srgbClr val="000000"/>
-              </a:solidFill>
-              <a:latin typeface="Courier New" pitchFamily="49" charset="0"/>
-              <a:cs typeface="Times New Roman" pitchFamily="18" charset="0"/>
-            </a:endParaRPr>
-          </a:p>
-          <a:p>
-            <a:r>
-              <a:rPr lang="nb-NO" sz="2000" b="1" dirty="0" smtClean="0">
-                <a:solidFill>
-                  <a:srgbClr val="000000"/>
-                </a:solidFill>
-                <a:latin typeface="Courier New" pitchFamily="49" charset="0"/>
-                <a:cs typeface="Times New Roman" pitchFamily="18" charset="0"/>
-              </a:rPr>
-              <a:t>console.log(summera(2,3)); 		// 5</a:t>
-            </a:r>
-          </a:p>
-          <a:p>
-            <a:r>
-              <a:rPr lang="nb-NO" sz="2000" b="1" dirty="0" smtClean="0">
-                <a:solidFill>
-                  <a:srgbClr val="000000"/>
-                </a:solidFill>
-                <a:latin typeface="Courier New" pitchFamily="49" charset="0"/>
-                <a:cs typeface="Times New Roman" pitchFamily="18" charset="0"/>
-              </a:rPr>
-              <a:t>console.log(summeraIgen(2,3)); 	// 5</a:t>
-            </a:r>
-          </a:p>
-          <a:p>
-            <a:endParaRPr lang="nb-NO" sz="2000" b="1" dirty="0" smtClean="0">
-              <a:solidFill>
-                <a:srgbClr val="000000"/>
-              </a:solidFill>
-              <a:latin typeface="Courier New" pitchFamily="49" charset="0"/>
-              <a:cs typeface="Times New Roman" pitchFamily="18" charset="0"/>
-            </a:endParaRPr>
-          </a:p>
-          <a:p>
-            <a:r>
-              <a:rPr lang="nb-NO" sz="2000" b="1" dirty="0" smtClean="0">
-                <a:solidFill>
-                  <a:srgbClr val="000000"/>
-                </a:solidFill>
-                <a:latin typeface="Courier New" pitchFamily="49" charset="0"/>
-                <a:cs typeface="Times New Roman" pitchFamily="18" charset="0"/>
-              </a:rPr>
-              <a:t>summera = null;</a:t>
-            </a:r>
-          </a:p>
-          <a:p>
-            <a:endParaRPr lang="nb-NO" sz="2000" b="1" dirty="0" smtClean="0">
-              <a:solidFill>
-                <a:srgbClr val="000000"/>
-              </a:solidFill>
-              <a:latin typeface="Courier New" pitchFamily="49" charset="0"/>
-              <a:cs typeface="Times New Roman" pitchFamily="18" charset="0"/>
-            </a:endParaRPr>
-          </a:p>
-          <a:p>
-            <a:r>
-              <a:rPr lang="nb-NO" sz="2000" b="1" dirty="0" smtClean="0">
-                <a:solidFill>
-                  <a:srgbClr val="000000"/>
-                </a:solidFill>
-                <a:latin typeface="Courier New" pitchFamily="49" charset="0"/>
-                <a:cs typeface="Times New Roman" pitchFamily="18" charset="0"/>
-              </a:rPr>
-              <a:t>console.log(summeraIgen(2,3</a:t>
-            </a:r>
-            <a:r>
-              <a:rPr lang="nb-NO" sz="2000" b="1" dirty="0">
-                <a:solidFill>
-                  <a:srgbClr val="000000"/>
-                </a:solidFill>
-                <a:latin typeface="Courier New" pitchFamily="49" charset="0"/>
-                <a:cs typeface="Times New Roman" pitchFamily="18" charset="0"/>
-              </a:rPr>
-              <a:t>)); 	// 5</a:t>
-            </a:r>
-          </a:p>
-          <a:p>
-            <a:endParaRPr lang="nb-NO" sz="2000" b="1" dirty="0">
-              <a:solidFill>
-                <a:srgbClr val="000000"/>
-              </a:solidFill>
-              <a:latin typeface="Courier New" pitchFamily="49" charset="0"/>
-              <a:cs typeface="Times New Roman" pitchFamily="18" charset="0"/>
-            </a:endParaRPr>
-          </a:p>
-        </p:txBody>
-      </p:sp>
-      <p:sp>
-        <p:nvSpPr>
-          <p:cNvPr id="5" name="TextBox 4"/>
-          <p:cNvSpPr txBox="1"/>
-          <p:nvPr/>
-        </p:nvSpPr>
-        <p:spPr>
-          <a:xfrm rot="590996">
-            <a:off x="5320959" y="1621467"/>
-            <a:ext cx="3582584" cy="646331"/>
-          </a:xfrm>
-          <a:prstGeom prst="rect">
-            <a:avLst/>
-          </a:prstGeom>
-          <a:noFill/>
-        </p:spPr>
-        <p:txBody>
-          <a:bodyPr wrap="none" rtlCol="0">
-            <a:spAutoFit/>
-          </a:bodyPr>
-          <a:lstStyle/>
-          <a:p>
-            <a:r>
-              <a:rPr lang="sv-SE" dirty="0" smtClean="0">
-                <a:solidFill>
-                  <a:srgbClr val="FF0000"/>
-                </a:solidFill>
-                <a:latin typeface="Minya Nouvelle" pitchFamily="2" charset="0"/>
-              </a:rPr>
-              <a:t>Detta betyder att vi inte har </a:t>
-            </a:r>
-          </a:p>
-          <a:p>
-            <a:r>
-              <a:rPr lang="sv-SE" dirty="0" smtClean="0">
-                <a:solidFill>
-                  <a:srgbClr val="FF0000"/>
-                </a:solidFill>
-                <a:latin typeface="Minya Nouvelle" pitchFamily="2" charset="0"/>
-              </a:rPr>
-              <a:t>någon ”</a:t>
-            </a:r>
-            <a:r>
-              <a:rPr lang="sv-SE" dirty="0" err="1" smtClean="0">
-                <a:solidFill>
-                  <a:srgbClr val="FF0000"/>
-                </a:solidFill>
-                <a:latin typeface="Minya Nouvelle" pitchFamily="2" charset="0"/>
-              </a:rPr>
-              <a:t>overloading</a:t>
-            </a:r>
-            <a:r>
-              <a:rPr lang="sv-SE" dirty="0" smtClean="0">
-                <a:solidFill>
-                  <a:srgbClr val="FF0000"/>
-                </a:solidFill>
-                <a:latin typeface="Minya Nouvelle" pitchFamily="2" charset="0"/>
-              </a:rPr>
-              <a:t>”, överlagring</a:t>
-            </a:r>
-          </a:p>
-        </p:txBody>
-      </p:sp>
-      <p:pic>
-        <p:nvPicPr>
-          <p:cNvPr id="6" name="Picture 3" descr="P:\Icons\128x128\shadow\branch_element.png"/>
-          <p:cNvPicPr>
-            <a:picLocks noChangeAspect="1" noChangeArrowheads="1"/>
-          </p:cNvPicPr>
-          <p:nvPr/>
-        </p:nvPicPr>
-        <p:blipFill>
-          <a:blip r:embed="rId2">
-            <a:extLst>
-              <a:ext uri="{28A0092B-C50C-407E-A947-70E740481C1C}">
-                <a14:useLocalDpi xmlns:a14="http://schemas.microsoft.com/office/drawing/2010/main" val="0"/>
-              </a:ext>
-            </a:extLst>
-          </a:blip>
-          <a:srcRect/>
-          <a:stretch>
-            <a:fillRect/>
-          </a:stretch>
-        </p:blipFill>
-        <p:spPr bwMode="auto">
-          <a:xfrm>
-            <a:off x="8100392" y="265212"/>
-            <a:ext cx="648072" cy="648072"/>
-          </a:xfrm>
-          <a:prstGeom prst="rect">
-            <a:avLst/>
-          </a:prstGeom>
-          <a:noFill/>
-          <a:extLst>
-            <a:ext uri="{909E8E84-426E-40dd-AFC4-6F175D3DCCD1}">
-              <a14:hiddenFill xmlns:a14="http://schemas.microsoft.com/office/drawing/2010/main">
-                <a:solidFill>
-                  <a:srgbClr val="FFFFFF"/>
-                </a:solidFill>
-              </a14:hiddenFill>
-            </a:ext>
-          </a:extLst>
-        </p:spPr>
-      </p:pic>
-    </p:spTree>
-    <p:extLst>
-      <p:ext uri="{BB962C8B-B14F-4D97-AF65-F5344CB8AC3E}">
-        <p14:creationId xmlns:p14="http://schemas.microsoft.com/office/powerpoint/2010/main" val="430494345"/>
       </p:ext>
     </p:extLst>
   </p:cSld>
@@ -24215,7 +25370,7 @@
           <a:p>
             <a:r>
               <a:rPr lang="sv-SE" dirty="0" smtClean="0"/>
-              <a:t>Funktionsuttryck</a:t>
+              <a:t>Funktioner</a:t>
             </a:r>
             <a:endParaRPr lang="sv-SE" dirty="0"/>
           </a:p>
@@ -24223,18 +25378,24 @@
       </p:sp>
       <p:sp>
         <p:nvSpPr>
-          <p:cNvPr id="4" name="Rectangle 3"/>
-          <p:cNvSpPr/>
+          <p:cNvPr id="4" name="AutoShape 3"/>
+          <p:cNvSpPr>
+            <a:spLocks noChangeArrowheads="1"/>
+          </p:cNvSpPr>
           <p:nvPr/>
         </p:nvSpPr>
-        <p:spPr>
+        <p:spPr bwMode="auto">
           <a:xfrm>
-            <a:off x="971600" y="1069489"/>
-            <a:ext cx="7128792" cy="4278094"/>
+            <a:off x="395536" y="1144697"/>
+            <a:ext cx="8410575" cy="4339650"/>
           </a:xfrm>
           <a:prstGeom prst="rect">
             <a:avLst/>
           </a:prstGeom>
+          <a:ln>
+            <a:headEnd/>
+            <a:tailEnd/>
+          </a:ln>
         </p:spPr>
         <p:style>
           <a:lnRef idx="1">
@@ -24251,393 +25412,276 @@
           </a:fontRef>
         </p:style>
         <p:txBody>
-          <a:bodyPr wrap="square">
+          <a:bodyPr anchor="ctr">
             <a:spAutoFit/>
           </a:bodyPr>
           <a:lstStyle/>
           <a:p>
             <a:r>
-              <a:rPr lang="sv-SE" sz="1600" dirty="0" err="1">
-                <a:latin typeface="Courier New" pitchFamily="49" charset="0"/>
-                <a:cs typeface="Courier New" pitchFamily="49" charset="0"/>
-              </a:rPr>
-              <a:t>function</a:t>
-            </a:r>
-            <a:r>
-              <a:rPr lang="sv-SE" sz="1600" dirty="0">
-                <a:latin typeface="Courier New" pitchFamily="49" charset="0"/>
-                <a:cs typeface="Courier New" pitchFamily="49" charset="0"/>
-              </a:rPr>
-              <a:t> </a:t>
-            </a:r>
-            <a:r>
-              <a:rPr lang="sv-SE" sz="1600" dirty="0" err="1">
-                <a:latin typeface="Courier New" pitchFamily="49" charset="0"/>
-                <a:cs typeface="Courier New" pitchFamily="49" charset="0"/>
-              </a:rPr>
-              <a:t>calculator</a:t>
-            </a:r>
-            <a:r>
-              <a:rPr lang="sv-SE" sz="1600" dirty="0">
-                <a:latin typeface="Courier New" pitchFamily="49" charset="0"/>
-                <a:cs typeface="Courier New" pitchFamily="49" charset="0"/>
-              </a:rPr>
-              <a:t>(</a:t>
-            </a:r>
-            <a:r>
-              <a:rPr lang="sv-SE" sz="1600" dirty="0" err="1">
-                <a:latin typeface="Courier New" pitchFamily="49" charset="0"/>
-                <a:cs typeface="Courier New" pitchFamily="49" charset="0"/>
-              </a:rPr>
-              <a:t>calcFunction</a:t>
-            </a:r>
-            <a:r>
-              <a:rPr lang="sv-SE" sz="1600" dirty="0">
-                <a:latin typeface="Courier New" pitchFamily="49" charset="0"/>
-                <a:cs typeface="Courier New" pitchFamily="49" charset="0"/>
-              </a:rPr>
-              <a:t>){</a:t>
-            </a:r>
-          </a:p>
-          <a:p>
-            <a:r>
-              <a:rPr lang="sv-SE" sz="1600" dirty="0">
-                <a:latin typeface="Courier New" pitchFamily="49" charset="0"/>
-                <a:cs typeface="Courier New" pitchFamily="49" charset="0"/>
-              </a:rPr>
-              <a:t>	var var1 = 10;</a:t>
-            </a:r>
-          </a:p>
-          <a:p>
-            <a:r>
-              <a:rPr lang="sv-SE" sz="1600" dirty="0">
-                <a:latin typeface="Courier New" pitchFamily="49" charset="0"/>
-                <a:cs typeface="Courier New" pitchFamily="49" charset="0"/>
-              </a:rPr>
-              <a:t>	var var2 = 20;</a:t>
-            </a:r>
-          </a:p>
-          <a:p>
-            <a:r>
-              <a:rPr lang="sv-SE" sz="1600" dirty="0">
-                <a:latin typeface="Courier New" pitchFamily="49" charset="0"/>
-                <a:cs typeface="Courier New" pitchFamily="49" charset="0"/>
+              <a:rPr lang="nb-NO" sz="2000" b="1" dirty="0">
+                <a:solidFill>
+                  <a:srgbClr val="000000"/>
+                </a:solidFill>
+                <a:latin typeface="Courier New" pitchFamily="49" charset="0"/>
+                <a:cs typeface="Times New Roman" pitchFamily="18" charset="0"/>
+              </a:rPr>
+              <a:t>function </a:t>
+            </a:r>
+            <a:r>
+              <a:rPr lang="nb-NO" sz="2000" b="1" dirty="0" smtClean="0">
+                <a:solidFill>
+                  <a:srgbClr val="000000"/>
+                </a:solidFill>
+                <a:latin typeface="Courier New" pitchFamily="49" charset="0"/>
+                <a:cs typeface="Times New Roman" pitchFamily="18" charset="0"/>
+              </a:rPr>
+              <a:t>summera(tal1, tal2){</a:t>
+            </a:r>
+            <a:endParaRPr lang="nb-NO" sz="2000" b="1" dirty="0">
+              <a:solidFill>
+                <a:srgbClr val="000000"/>
+              </a:solidFill>
+              <a:latin typeface="Courier New" pitchFamily="49" charset="0"/>
+              <a:cs typeface="Times New Roman" pitchFamily="18" charset="0"/>
+            </a:endParaRPr>
+          </a:p>
+          <a:p>
+            <a:endParaRPr lang="nb-NO" sz="1800" b="1" dirty="0" smtClean="0">
+              <a:solidFill>
+                <a:srgbClr val="000000"/>
+              </a:solidFill>
+              <a:latin typeface="Courier New" pitchFamily="49" charset="0"/>
+              <a:cs typeface="Times New Roman" pitchFamily="18" charset="0"/>
+            </a:endParaRPr>
+          </a:p>
+          <a:p>
+            <a:r>
+              <a:rPr lang="nb-NO" sz="1800" b="1" dirty="0">
+                <a:solidFill>
+                  <a:srgbClr val="000000"/>
+                </a:solidFill>
+                <a:latin typeface="Courier New" pitchFamily="49" charset="0"/>
+                <a:cs typeface="Times New Roman" pitchFamily="18" charset="0"/>
               </a:rPr>
               <a:t>	</a:t>
             </a:r>
             <a:r>
-              <a:rPr lang="sv-SE" sz="1600" dirty="0" err="1">
-                <a:latin typeface="Courier New" pitchFamily="49" charset="0"/>
-                <a:cs typeface="Courier New" pitchFamily="49" charset="0"/>
-              </a:rPr>
-              <a:t>return</a:t>
-            </a:r>
-            <a:r>
-              <a:rPr lang="sv-SE" sz="1600" dirty="0">
-                <a:latin typeface="Courier New" pitchFamily="49" charset="0"/>
-                <a:cs typeface="Courier New" pitchFamily="49" charset="0"/>
-              </a:rPr>
-              <a:t> </a:t>
-            </a:r>
-            <a:r>
-              <a:rPr lang="sv-SE" sz="1600" dirty="0" err="1">
-                <a:latin typeface="Courier New" pitchFamily="49" charset="0"/>
-                <a:cs typeface="Courier New" pitchFamily="49" charset="0"/>
-              </a:rPr>
-              <a:t>calcFunction</a:t>
-            </a:r>
-            <a:r>
-              <a:rPr lang="sv-SE" sz="1600" dirty="0">
-                <a:latin typeface="Courier New" pitchFamily="49" charset="0"/>
-                <a:cs typeface="Courier New" pitchFamily="49" charset="0"/>
-              </a:rPr>
-              <a:t>(var1, var2);</a:t>
-            </a:r>
-          </a:p>
-          <a:p>
-            <a:r>
-              <a:rPr lang="sv-SE" sz="1600" dirty="0">
-                <a:latin typeface="Courier New" pitchFamily="49" charset="0"/>
-                <a:cs typeface="Courier New" pitchFamily="49" charset="0"/>
+              <a:rPr lang="nb-NO" sz="1800" b="1" dirty="0" smtClean="0">
+                <a:solidFill>
+                  <a:srgbClr val="000000"/>
+                </a:solidFill>
+                <a:latin typeface="Courier New" pitchFamily="49" charset="0"/>
+                <a:cs typeface="Times New Roman" pitchFamily="18" charset="0"/>
+              </a:rPr>
+              <a:t>return tal1+tal2;</a:t>
+            </a:r>
+            <a:r>
+              <a:rPr lang="nb-NO" sz="1800" b="1" dirty="0">
+                <a:solidFill>
+                  <a:srgbClr val="000000"/>
+                </a:solidFill>
+                <a:latin typeface="Courier New" pitchFamily="49" charset="0"/>
+                <a:cs typeface="Times New Roman" pitchFamily="18" charset="0"/>
+              </a:rPr>
+              <a:t/>
+            </a:r>
+            <a:br>
+              <a:rPr lang="nb-NO" sz="1800" b="1" dirty="0">
+                <a:solidFill>
+                  <a:srgbClr val="000000"/>
+                </a:solidFill>
+                <a:latin typeface="Courier New" pitchFamily="49" charset="0"/>
+                <a:cs typeface="Times New Roman" pitchFamily="18" charset="0"/>
+              </a:rPr>
+            </a:br>
+            <a:r>
+              <a:rPr lang="nb-NO" sz="2000" b="1" dirty="0" smtClean="0">
+                <a:solidFill>
+                  <a:srgbClr val="000000"/>
+                </a:solidFill>
+                <a:latin typeface="Courier New" pitchFamily="49" charset="0"/>
+                <a:cs typeface="Times New Roman" pitchFamily="18" charset="0"/>
               </a:rPr>
               <a:t>}</a:t>
             </a:r>
           </a:p>
           <a:p>
-            <a:endParaRPr lang="sv-SE" sz="1600" dirty="0">
+            <a:endParaRPr lang="nb-NO" sz="2000" b="1" dirty="0">
+              <a:solidFill>
+                <a:srgbClr val="000000"/>
+              </a:solidFill>
               <a:latin typeface="Courier New" pitchFamily="49" charset="0"/>
-              <a:cs typeface="Courier New" pitchFamily="49" charset="0"/>
+              <a:cs typeface="Times New Roman" pitchFamily="18" charset="0"/>
             </a:endParaRPr>
           </a:p>
           <a:p>
             <a:r>
-              <a:rPr lang="sv-SE" sz="1600" dirty="0">
-                <a:latin typeface="Courier New" pitchFamily="49" charset="0"/>
-                <a:cs typeface="Courier New" pitchFamily="49" charset="0"/>
-              </a:rPr>
-              <a:t>var </a:t>
-            </a:r>
-            <a:r>
-              <a:rPr lang="sv-SE" sz="1600" dirty="0" err="1">
-                <a:latin typeface="Courier New" pitchFamily="49" charset="0"/>
-                <a:cs typeface="Courier New" pitchFamily="49" charset="0"/>
-              </a:rPr>
-              <a:t>sum</a:t>
-            </a:r>
-            <a:r>
-              <a:rPr lang="sv-SE" sz="1600" dirty="0">
-                <a:latin typeface="Courier New" pitchFamily="49" charset="0"/>
-                <a:cs typeface="Courier New" pitchFamily="49" charset="0"/>
-              </a:rPr>
-              <a:t> = </a:t>
-            </a:r>
-            <a:r>
-              <a:rPr lang="sv-SE" sz="1600" dirty="0" err="1">
-                <a:latin typeface="Courier New" pitchFamily="49" charset="0"/>
-                <a:cs typeface="Courier New" pitchFamily="49" charset="0"/>
-              </a:rPr>
-              <a:t>function</a:t>
-            </a:r>
-            <a:r>
-              <a:rPr lang="sv-SE" sz="1600" dirty="0">
-                <a:latin typeface="Courier New" pitchFamily="49" charset="0"/>
-                <a:cs typeface="Courier New" pitchFamily="49" charset="0"/>
-              </a:rPr>
-              <a:t>(</a:t>
-            </a:r>
-            <a:r>
-              <a:rPr lang="sv-SE" sz="1600" dirty="0" err="1">
-                <a:latin typeface="Courier New" pitchFamily="49" charset="0"/>
-                <a:cs typeface="Courier New" pitchFamily="49" charset="0"/>
-              </a:rPr>
-              <a:t>x,y</a:t>
-            </a:r>
-            <a:r>
-              <a:rPr lang="sv-SE" sz="1600" dirty="0">
-                <a:latin typeface="Courier New" pitchFamily="49" charset="0"/>
-                <a:cs typeface="Courier New" pitchFamily="49" charset="0"/>
-              </a:rPr>
-              <a:t>){</a:t>
-            </a:r>
-          </a:p>
-          <a:p>
-            <a:r>
-              <a:rPr lang="sv-SE" sz="1600" dirty="0">
-                <a:latin typeface="Courier New" pitchFamily="49" charset="0"/>
-                <a:cs typeface="Courier New" pitchFamily="49" charset="0"/>
-              </a:rPr>
-              <a:t>	</a:t>
-            </a:r>
-          </a:p>
-          <a:p>
-            <a:r>
-              <a:rPr lang="sv-SE" sz="1600" dirty="0">
-                <a:latin typeface="Courier New" pitchFamily="49" charset="0"/>
-                <a:cs typeface="Courier New" pitchFamily="49" charset="0"/>
-              </a:rPr>
-              <a:t>	</a:t>
-            </a:r>
-            <a:r>
-              <a:rPr lang="sv-SE" sz="1600" dirty="0" err="1">
-                <a:latin typeface="Courier New" pitchFamily="49" charset="0"/>
-                <a:cs typeface="Courier New" pitchFamily="49" charset="0"/>
-              </a:rPr>
-              <a:t>return</a:t>
-            </a:r>
-            <a:r>
-              <a:rPr lang="sv-SE" sz="1600" dirty="0">
-                <a:latin typeface="Courier New" pitchFamily="49" charset="0"/>
-                <a:cs typeface="Courier New" pitchFamily="49" charset="0"/>
-              </a:rPr>
-              <a:t> </a:t>
-            </a:r>
-            <a:r>
-              <a:rPr lang="sv-SE" sz="1600" dirty="0" err="1">
-                <a:latin typeface="Courier New" pitchFamily="49" charset="0"/>
-                <a:cs typeface="Courier New" pitchFamily="49" charset="0"/>
-              </a:rPr>
-              <a:t>x+y</a:t>
-            </a:r>
-            <a:r>
-              <a:rPr lang="sv-SE" sz="1600" dirty="0">
-                <a:latin typeface="Courier New" pitchFamily="49" charset="0"/>
-                <a:cs typeface="Courier New" pitchFamily="49" charset="0"/>
-              </a:rPr>
-              <a:t>;</a:t>
-            </a:r>
-          </a:p>
-          <a:p>
-            <a:r>
-              <a:rPr lang="sv-SE" sz="1600" dirty="0" smtClean="0">
-                <a:latin typeface="Courier New" pitchFamily="49" charset="0"/>
-                <a:cs typeface="Courier New" pitchFamily="49" charset="0"/>
-              </a:rPr>
-              <a:t>};</a:t>
-            </a:r>
-            <a:endParaRPr lang="sv-SE" sz="1600" dirty="0">
+              <a:rPr lang="nb-NO" sz="2000" b="1" dirty="0" smtClean="0">
+                <a:solidFill>
+                  <a:srgbClr val="000000"/>
+                </a:solidFill>
+                <a:latin typeface="Courier New" pitchFamily="49" charset="0"/>
+                <a:cs typeface="Times New Roman" pitchFamily="18" charset="0"/>
+              </a:rPr>
+              <a:t>var summeraIgen = summera;</a:t>
+            </a:r>
+          </a:p>
+          <a:p>
+            <a:endParaRPr lang="nb-NO" sz="2000" b="1" dirty="0">
+              <a:solidFill>
+                <a:srgbClr val="000000"/>
+              </a:solidFill>
               <a:latin typeface="Courier New" pitchFamily="49" charset="0"/>
-              <a:cs typeface="Courier New" pitchFamily="49" charset="0"/>
+              <a:cs typeface="Times New Roman" pitchFamily="18" charset="0"/>
             </a:endParaRPr>
           </a:p>
           <a:p>
-            <a:endParaRPr lang="sv-SE" sz="1600" dirty="0">
+            <a:r>
+              <a:rPr lang="nb-NO" sz="2000" b="1" dirty="0" smtClean="0">
+                <a:solidFill>
+                  <a:srgbClr val="000000"/>
+                </a:solidFill>
+                <a:latin typeface="Courier New" pitchFamily="49" charset="0"/>
+                <a:cs typeface="Times New Roman" pitchFamily="18" charset="0"/>
+              </a:rPr>
+              <a:t>console.log(summera(2,3)); 		// 5</a:t>
+            </a:r>
+          </a:p>
+          <a:p>
+            <a:r>
+              <a:rPr lang="nb-NO" sz="2000" b="1" dirty="0" smtClean="0">
+                <a:solidFill>
+                  <a:srgbClr val="000000"/>
+                </a:solidFill>
+                <a:latin typeface="Courier New" pitchFamily="49" charset="0"/>
+                <a:cs typeface="Times New Roman" pitchFamily="18" charset="0"/>
+              </a:rPr>
+              <a:t>console.log(summeraIgen(2,3)); 	// 5</a:t>
+            </a:r>
+          </a:p>
+          <a:p>
+            <a:endParaRPr lang="nb-NO" sz="2000" b="1" dirty="0" smtClean="0">
+              <a:solidFill>
+                <a:srgbClr val="000000"/>
+              </a:solidFill>
               <a:latin typeface="Courier New" pitchFamily="49" charset="0"/>
-              <a:cs typeface="Courier New" pitchFamily="49" charset="0"/>
+              <a:cs typeface="Times New Roman" pitchFamily="18" charset="0"/>
             </a:endParaRPr>
           </a:p>
           <a:p>
             <a:r>
-              <a:rPr lang="sv-SE" sz="1600" dirty="0">
-                <a:latin typeface="Courier New" pitchFamily="49" charset="0"/>
-                <a:cs typeface="Courier New" pitchFamily="49" charset="0"/>
-              </a:rPr>
-              <a:t>var svar = </a:t>
-            </a:r>
-            <a:r>
-              <a:rPr lang="sv-SE" sz="1600" dirty="0" err="1">
-                <a:latin typeface="Courier New" pitchFamily="49" charset="0"/>
-                <a:cs typeface="Courier New" pitchFamily="49" charset="0"/>
-              </a:rPr>
-              <a:t>calculator</a:t>
-            </a:r>
-            <a:r>
-              <a:rPr lang="sv-SE" sz="1600" dirty="0">
-                <a:latin typeface="Courier New" pitchFamily="49" charset="0"/>
-                <a:cs typeface="Courier New" pitchFamily="49" charset="0"/>
-              </a:rPr>
-              <a:t>(</a:t>
-            </a:r>
-            <a:r>
-              <a:rPr lang="sv-SE" sz="1600" dirty="0" err="1">
-                <a:latin typeface="Courier New" pitchFamily="49" charset="0"/>
-                <a:cs typeface="Courier New" pitchFamily="49" charset="0"/>
-              </a:rPr>
-              <a:t>sum</a:t>
-            </a:r>
-            <a:r>
-              <a:rPr lang="sv-SE" sz="1600" dirty="0">
-                <a:latin typeface="Courier New" pitchFamily="49" charset="0"/>
-                <a:cs typeface="Courier New" pitchFamily="49" charset="0"/>
-              </a:rPr>
-              <a:t>);</a:t>
-            </a:r>
-          </a:p>
-          <a:p>
-            <a:endParaRPr lang="sv-SE" sz="1600" dirty="0">
+              <a:rPr lang="nb-NO" sz="2000" b="1" dirty="0" smtClean="0">
+                <a:solidFill>
+                  <a:srgbClr val="000000"/>
+                </a:solidFill>
+                <a:latin typeface="Courier New" pitchFamily="49" charset="0"/>
+                <a:cs typeface="Times New Roman" pitchFamily="18" charset="0"/>
+              </a:rPr>
+              <a:t>summera = null;</a:t>
+            </a:r>
+          </a:p>
+          <a:p>
+            <a:endParaRPr lang="nb-NO" sz="2000" b="1" dirty="0" smtClean="0">
+              <a:solidFill>
+                <a:srgbClr val="000000"/>
+              </a:solidFill>
               <a:latin typeface="Courier New" pitchFamily="49" charset="0"/>
-              <a:cs typeface="Courier New" pitchFamily="49" charset="0"/>
+              <a:cs typeface="Times New Roman" pitchFamily="18" charset="0"/>
             </a:endParaRPr>
           </a:p>
           <a:p>
             <a:r>
-              <a:rPr lang="sv-SE" sz="1600" dirty="0" smtClean="0">
-                <a:latin typeface="Courier New" pitchFamily="49" charset="0"/>
-                <a:cs typeface="Courier New" pitchFamily="49" charset="0"/>
-              </a:rPr>
-              <a:t>console.log(svar</a:t>
-            </a:r>
-            <a:r>
-              <a:rPr lang="sv-SE" sz="1600" dirty="0">
-                <a:latin typeface="Courier New" pitchFamily="49" charset="0"/>
-                <a:cs typeface="Courier New" pitchFamily="49" charset="0"/>
-              </a:rPr>
-              <a:t>); //30</a:t>
-            </a:r>
-          </a:p>
-          <a:p>
-            <a:endParaRPr lang="sv-SE" sz="1600" dirty="0">
+              <a:rPr lang="nb-NO" sz="2000" b="1" dirty="0" smtClean="0">
+                <a:solidFill>
+                  <a:srgbClr val="000000"/>
+                </a:solidFill>
+                <a:latin typeface="Courier New" pitchFamily="49" charset="0"/>
+                <a:cs typeface="Times New Roman" pitchFamily="18" charset="0"/>
+              </a:rPr>
+              <a:t>console.log(summeraIgen(2,3</a:t>
+            </a:r>
+            <a:r>
+              <a:rPr lang="nb-NO" sz="2000" b="1" dirty="0">
+                <a:solidFill>
+                  <a:srgbClr val="000000"/>
+                </a:solidFill>
+                <a:latin typeface="Courier New" pitchFamily="49" charset="0"/>
+                <a:cs typeface="Times New Roman" pitchFamily="18" charset="0"/>
+              </a:rPr>
+              <a:t>)); 	// 5</a:t>
+            </a:r>
+          </a:p>
+          <a:p>
+            <a:endParaRPr lang="nb-NO" sz="2000" b="1" dirty="0">
+              <a:solidFill>
+                <a:srgbClr val="000000"/>
+              </a:solidFill>
               <a:latin typeface="Courier New" pitchFamily="49" charset="0"/>
-              <a:cs typeface="Courier New" pitchFamily="49" charset="0"/>
+              <a:cs typeface="Times New Roman" pitchFamily="18" charset="0"/>
             </a:endParaRPr>
           </a:p>
-          <a:p>
-            <a:r>
-              <a:rPr lang="sv-SE" sz="1600" dirty="0">
-                <a:latin typeface="Courier New" pitchFamily="49" charset="0"/>
-                <a:cs typeface="Courier New" pitchFamily="49" charset="0"/>
-              </a:rPr>
-              <a:t>svar = </a:t>
-            </a:r>
-            <a:r>
-              <a:rPr lang="sv-SE" sz="1600" dirty="0" err="1">
-                <a:latin typeface="Courier New" pitchFamily="49" charset="0"/>
-                <a:cs typeface="Courier New" pitchFamily="49" charset="0"/>
-              </a:rPr>
-              <a:t>calculator</a:t>
-            </a:r>
-            <a:r>
-              <a:rPr lang="sv-SE" sz="1600" dirty="0">
-                <a:latin typeface="Courier New" pitchFamily="49" charset="0"/>
-                <a:cs typeface="Courier New" pitchFamily="49" charset="0"/>
-              </a:rPr>
-              <a:t>(</a:t>
-            </a:r>
-            <a:r>
-              <a:rPr lang="sv-SE" sz="1600" dirty="0" err="1">
-                <a:latin typeface="Courier New" pitchFamily="49" charset="0"/>
-                <a:cs typeface="Courier New" pitchFamily="49" charset="0"/>
-              </a:rPr>
-              <a:t>function</a:t>
-            </a:r>
-            <a:r>
-              <a:rPr lang="sv-SE" sz="1600" dirty="0">
-                <a:latin typeface="Courier New" pitchFamily="49" charset="0"/>
-                <a:cs typeface="Courier New" pitchFamily="49" charset="0"/>
-              </a:rPr>
-              <a:t>(</a:t>
-            </a:r>
-            <a:r>
-              <a:rPr lang="sv-SE" sz="1600" dirty="0" err="1">
-                <a:latin typeface="Courier New" pitchFamily="49" charset="0"/>
-                <a:cs typeface="Courier New" pitchFamily="49" charset="0"/>
-              </a:rPr>
-              <a:t>x,y</a:t>
-            </a:r>
-            <a:r>
-              <a:rPr lang="sv-SE" sz="1600" dirty="0">
-                <a:latin typeface="Courier New" pitchFamily="49" charset="0"/>
-                <a:cs typeface="Courier New" pitchFamily="49" charset="0"/>
-              </a:rPr>
-              <a:t>) { </a:t>
-            </a:r>
-            <a:r>
-              <a:rPr lang="sv-SE" sz="1600" dirty="0" err="1">
-                <a:latin typeface="Courier New" pitchFamily="49" charset="0"/>
-                <a:cs typeface="Courier New" pitchFamily="49" charset="0"/>
-              </a:rPr>
-              <a:t>return</a:t>
-            </a:r>
-            <a:r>
-              <a:rPr lang="sv-SE" sz="1600" dirty="0">
-                <a:latin typeface="Courier New" pitchFamily="49" charset="0"/>
-                <a:cs typeface="Courier New" pitchFamily="49" charset="0"/>
-              </a:rPr>
-              <a:t> x-y</a:t>
-            </a:r>
-            <a:r>
-              <a:rPr lang="sv-SE" sz="1600" dirty="0" smtClean="0">
-                <a:latin typeface="Courier New" pitchFamily="49" charset="0"/>
-                <a:cs typeface="Courier New" pitchFamily="49" charset="0"/>
-              </a:rPr>
-              <a:t>;};);</a:t>
-            </a:r>
-            <a:endParaRPr lang="sv-SE" sz="1600" dirty="0">
-              <a:latin typeface="Courier New" pitchFamily="49" charset="0"/>
-              <a:cs typeface="Courier New" pitchFamily="49" charset="0"/>
-            </a:endParaRPr>
-          </a:p>
-          <a:p>
-            <a:r>
-              <a:rPr lang="sv-SE" sz="1600" dirty="0" smtClean="0">
-                <a:latin typeface="Courier New" pitchFamily="49" charset="0"/>
-                <a:cs typeface="Courier New" pitchFamily="49" charset="0"/>
-              </a:rPr>
-              <a:t>console.log(svar); //-1</a:t>
-            </a:r>
-            <a:endParaRPr lang="sv-SE" sz="1600" dirty="0">
-              <a:latin typeface="Courier New" pitchFamily="49" charset="0"/>
-              <a:cs typeface="Courier New" pitchFamily="49" charset="0"/>
-            </a:endParaRPr>
+        </p:txBody>
+      </p:sp>
+      <p:sp>
+        <p:nvSpPr>
+          <p:cNvPr id="5" name="TextBox 4"/>
+          <p:cNvSpPr txBox="1"/>
+          <p:nvPr/>
+        </p:nvSpPr>
+        <p:spPr>
+          <a:xfrm rot="590996">
+            <a:off x="5320959" y="1621467"/>
+            <a:ext cx="3582584" cy="646331"/>
+          </a:xfrm>
+          <a:prstGeom prst="rect">
+            <a:avLst/>
+          </a:prstGeom>
+          <a:noFill/>
+        </p:spPr>
+        <p:txBody>
+          <a:bodyPr wrap="none" rtlCol="0">
+            <a:spAutoFit/>
+          </a:bodyPr>
+          <a:lstStyle/>
+          <a:p>
+            <a:r>
+              <a:rPr lang="sv-SE" dirty="0" smtClean="0">
+                <a:solidFill>
+                  <a:srgbClr val="FF0000"/>
+                </a:solidFill>
+                <a:latin typeface="Minya Nouvelle" pitchFamily="2" charset="0"/>
+              </a:rPr>
+              <a:t>Detta betyder att vi inte har </a:t>
+            </a:r>
+          </a:p>
+          <a:p>
+            <a:r>
+              <a:rPr lang="sv-SE" dirty="0" smtClean="0">
+                <a:solidFill>
+                  <a:srgbClr val="FF0000"/>
+                </a:solidFill>
+                <a:latin typeface="Minya Nouvelle" pitchFamily="2" charset="0"/>
+              </a:rPr>
+              <a:t>någon ”</a:t>
+            </a:r>
+            <a:r>
+              <a:rPr lang="sv-SE" dirty="0" err="1" smtClean="0">
+                <a:solidFill>
+                  <a:srgbClr val="FF0000"/>
+                </a:solidFill>
+                <a:latin typeface="Minya Nouvelle" pitchFamily="2" charset="0"/>
+              </a:rPr>
+              <a:t>overloading</a:t>
+            </a:r>
+            <a:r>
+              <a:rPr lang="sv-SE" dirty="0" smtClean="0">
+                <a:solidFill>
+                  <a:srgbClr val="FF0000"/>
+                </a:solidFill>
+                <a:latin typeface="Minya Nouvelle" pitchFamily="2" charset="0"/>
+              </a:rPr>
+              <a:t>”, överlagring</a:t>
+            </a:r>
           </a:p>
         </p:txBody>
       </p:sp>
@@ -24650,7 +25694,7 @@
           <p:nvPr/>
         </p:nvPicPr>
         <p:blipFill>
-          <a:blip r:embed="rId3">
+          <a:blip r:embed="rId2">
             <a:extLst>
               <a:ext uri="{28A0092B-C50C-407E-A947-70E740481C1C}">
                 <a14:useLocalDpi xmlns:a14="http://schemas.microsoft.com/office/drawing/2010/main" val="0"/>
@@ -24685,7 +25729,7 @@
     </p:spTree>
     <p:extLst>
       <p:ext uri="{BB962C8B-B14F-4D97-AF65-F5344CB8AC3E}">
-        <p14:creationId xmlns:p14="http://schemas.microsoft.com/office/powerpoint/2010/main" val="1669224567"/>
+        <p14:creationId xmlns:p14="http://schemas.microsoft.com/office/powerpoint/2010/main" val="430494345"/>
       </p:ext>
     </p:extLst>
   </p:cSld>
@@ -24736,7 +25780,7 @@
           <a:p>
             <a:r>
               <a:rPr lang="sv-SE" dirty="0" smtClean="0"/>
-              <a:t>Ordningen spelar roll</a:t>
+              <a:t>Funktionsuttryck</a:t>
             </a:r>
             <a:endParaRPr lang="sv-SE" dirty="0"/>
           </a:p>
@@ -24744,14 +25788,14 @@
       </p:sp>
       <p:sp>
         <p:nvSpPr>
-          <p:cNvPr id="4" name="TextBox 3"/>
-          <p:cNvSpPr txBox="1"/>
+          <p:cNvPr id="4" name="Rectangle 3"/>
+          <p:cNvSpPr/>
           <p:nvPr/>
         </p:nvSpPr>
         <p:spPr>
           <a:xfrm>
-            <a:off x="971600" y="1273324"/>
-            <a:ext cx="6984776" cy="3539430"/>
+            <a:off x="971600" y="1069489"/>
+            <a:ext cx="7128792" cy="4278094"/>
           </a:xfrm>
           <a:prstGeom prst="rect">
             <a:avLst/>
@@ -24772,358 +25816,397 @@
           </a:fontRef>
         </p:style>
         <p:txBody>
-          <a:bodyPr wrap="square" rtlCol="0">
+          <a:bodyPr wrap="square">
             <a:spAutoFit/>
           </a:bodyPr>
           <a:lstStyle/>
           <a:p>
             <a:r>
-              <a:rPr lang="sv-SE" sz="1400" dirty="0">
+              <a:rPr lang="sv-SE" sz="1600" dirty="0" err="1">
                 <a:latin typeface="Courier New" pitchFamily="49" charset="0"/>
                 <a:cs typeface="Courier New" pitchFamily="49" charset="0"/>
               </a:rPr>
-              <a:t>&lt;html&gt;</a:t>
-            </a:r>
-          </a:p>
-          <a:p>
-            <a:r>
-              <a:rPr lang="sv-SE" sz="1400" dirty="0">
+              <a:t>function</a:t>
+            </a:r>
+            <a:r>
+              <a:rPr lang="sv-SE" sz="1600" dirty="0">
                 <a:latin typeface="Courier New" pitchFamily="49" charset="0"/>
                 <a:cs typeface="Courier New" pitchFamily="49" charset="0"/>
               </a:rPr>
-              <a:t>	&lt;</a:t>
-            </a:r>
-            <a:r>
-              <a:rPr lang="sv-SE" sz="1400" dirty="0" err="1">
+              <a:t> </a:t>
+            </a:r>
+            <a:r>
+              <a:rPr lang="sv-SE" sz="1600" dirty="0" err="1">
                 <a:latin typeface="Courier New" pitchFamily="49" charset="0"/>
                 <a:cs typeface="Courier New" pitchFamily="49" charset="0"/>
               </a:rPr>
-              <a:t>head</a:t>
-            </a:r>
-            <a:r>
-              <a:rPr lang="sv-SE" sz="1400" dirty="0">
+              <a:t>calculator</a:t>
+            </a:r>
+            <a:r>
+              <a:rPr lang="sv-SE" sz="1600" dirty="0">
                 <a:latin typeface="Courier New" pitchFamily="49" charset="0"/>
                 <a:cs typeface="Courier New" pitchFamily="49" charset="0"/>
               </a:rPr>
-              <a:t>&gt;</a:t>
-            </a:r>
-          </a:p>
-          <a:p>
-            <a:r>
-              <a:rPr lang="sv-SE" sz="1400" dirty="0">
+              <a:t>(</a:t>
+            </a:r>
+            <a:r>
+              <a:rPr lang="sv-SE" sz="1600" dirty="0" err="1">
                 <a:latin typeface="Courier New" pitchFamily="49" charset="0"/>
                 <a:cs typeface="Courier New" pitchFamily="49" charset="0"/>
               </a:rPr>
-              <a:t>		&lt;</a:t>
-            </a:r>
-            <a:r>
-              <a:rPr lang="sv-SE" sz="1400" dirty="0" err="1" smtClean="0">
+              <a:t>calcFunction</a:t>
+            </a:r>
+            <a:r>
+              <a:rPr lang="sv-SE" sz="1600" dirty="0">
                 <a:latin typeface="Courier New" pitchFamily="49" charset="0"/>
                 <a:cs typeface="Courier New" pitchFamily="49" charset="0"/>
               </a:rPr>
-              <a:t>title</a:t>
-            </a:r>
-            <a:r>
-              <a:rPr lang="sv-SE" sz="1400" dirty="0" smtClean="0">
+              <a:t>){</a:t>
+            </a:r>
+          </a:p>
+          <a:p>
+            <a:r>
+              <a:rPr lang="sv-SE" sz="1600" dirty="0">
                 <a:latin typeface="Courier New" pitchFamily="49" charset="0"/>
                 <a:cs typeface="Courier New" pitchFamily="49" charset="0"/>
               </a:rPr>
-              <a:t>&gt;Funktioner&lt;/</a:t>
-            </a:r>
-            <a:r>
-              <a:rPr lang="sv-SE" sz="1400" dirty="0" err="1">
+              <a:t>	var var1 = 10;</a:t>
+            </a:r>
+          </a:p>
+          <a:p>
+            <a:r>
+              <a:rPr lang="sv-SE" sz="1600" dirty="0">
                 <a:latin typeface="Courier New" pitchFamily="49" charset="0"/>
                 <a:cs typeface="Courier New" pitchFamily="49" charset="0"/>
               </a:rPr>
-              <a:t>title</a:t>
-            </a:r>
-            <a:r>
-              <a:rPr lang="sv-SE" sz="1400" dirty="0">
+              <a:t>	var var2 = 20;</a:t>
+            </a:r>
+          </a:p>
+          <a:p>
+            <a:r>
+              <a:rPr lang="sv-SE" sz="1600" dirty="0">
                 <a:latin typeface="Courier New" pitchFamily="49" charset="0"/>
                 <a:cs typeface="Courier New" pitchFamily="49" charset="0"/>
               </a:rPr>
-              <a:t>&gt;</a:t>
-            </a:r>
-          </a:p>
-          <a:p>
-            <a:r>
-              <a:rPr lang="sv-SE" sz="1400" dirty="0">
+              <a:t>	</a:t>
+            </a:r>
+            <a:r>
+              <a:rPr lang="sv-SE" sz="1600" dirty="0" err="1">
                 <a:latin typeface="Courier New" pitchFamily="49" charset="0"/>
                 <a:cs typeface="Courier New" pitchFamily="49" charset="0"/>
               </a:rPr>
-              <a:t>		</a:t>
-            </a:r>
-            <a:r>
-              <a:rPr lang="sv-SE" sz="1400" b="1" dirty="0">
+              <a:t>return</a:t>
+            </a:r>
+            <a:r>
+              <a:rPr lang="sv-SE" sz="1600" dirty="0">
                 <a:latin typeface="Courier New" pitchFamily="49" charset="0"/>
                 <a:cs typeface="Courier New" pitchFamily="49" charset="0"/>
               </a:rPr>
-              <a:t>&lt;script </a:t>
-            </a:r>
-            <a:r>
-              <a:rPr lang="sv-SE" sz="1400" b="1" dirty="0" err="1" smtClean="0">
+              <a:t> </a:t>
+            </a:r>
+            <a:r>
+              <a:rPr lang="sv-SE" sz="1600" dirty="0" err="1">
                 <a:latin typeface="Courier New" pitchFamily="49" charset="0"/>
                 <a:cs typeface="Courier New" pitchFamily="49" charset="0"/>
               </a:rPr>
-              <a:t>src</a:t>
-            </a:r>
-            <a:r>
-              <a:rPr lang="sv-SE" sz="1400" b="1" dirty="0" smtClean="0">
+              <a:t>calcFunction</a:t>
+            </a:r>
+            <a:r>
+              <a:rPr lang="sv-SE" sz="1600" dirty="0">
                 <a:latin typeface="Courier New" pitchFamily="49" charset="0"/>
                 <a:cs typeface="Courier New" pitchFamily="49" charset="0"/>
               </a:rPr>
-              <a:t>="myFuncs1.js</a:t>
-            </a:r>
-            <a:r>
-              <a:rPr lang="sv-SE" sz="1400" b="1" dirty="0">
+              <a:t>(var1, var2);</a:t>
+            </a:r>
+          </a:p>
+          <a:p>
+            <a:r>
+              <a:rPr lang="sv-SE" sz="1600" dirty="0">
                 <a:latin typeface="Courier New" pitchFamily="49" charset="0"/>
                 <a:cs typeface="Courier New" pitchFamily="49" charset="0"/>
               </a:rPr>
-              <a:t>"&gt;&lt;/script&gt;</a:t>
-            </a:r>
-          </a:p>
-          <a:p>
-            <a:r>
-              <a:rPr lang="sv-SE" sz="1400" dirty="0" smtClean="0">
-                <a:latin typeface="Courier New" pitchFamily="49" charset="0"/>
-                <a:cs typeface="Courier New" pitchFamily="49" charset="0"/>
-              </a:rPr>
-              <a:t>	&lt;/</a:t>
-            </a:r>
-            <a:r>
-              <a:rPr lang="sv-SE" sz="1400" dirty="0" err="1">
-                <a:latin typeface="Courier New" pitchFamily="49" charset="0"/>
-                <a:cs typeface="Courier New" pitchFamily="49" charset="0"/>
-              </a:rPr>
-              <a:t>head</a:t>
-            </a:r>
-            <a:r>
-              <a:rPr lang="sv-SE" sz="1400" dirty="0">
-                <a:latin typeface="Courier New" pitchFamily="49" charset="0"/>
-                <a:cs typeface="Courier New" pitchFamily="49" charset="0"/>
-              </a:rPr>
-              <a:t>&gt;</a:t>
-            </a:r>
-          </a:p>
-          <a:p>
-            <a:r>
-              <a:rPr lang="sv-SE" sz="1400" dirty="0">
-                <a:latin typeface="Courier New" pitchFamily="49" charset="0"/>
-                <a:cs typeface="Courier New" pitchFamily="49" charset="0"/>
-              </a:rPr>
-              <a:t>	</a:t>
-            </a:r>
-          </a:p>
-          <a:p>
-            <a:r>
-              <a:rPr lang="sv-SE" sz="1400" dirty="0">
-                <a:latin typeface="Courier New" pitchFamily="49" charset="0"/>
-                <a:cs typeface="Courier New" pitchFamily="49" charset="0"/>
-              </a:rPr>
-              <a:t>	&lt;</a:t>
-            </a:r>
-            <a:r>
-              <a:rPr lang="sv-SE" sz="1400" dirty="0" err="1">
-                <a:latin typeface="Courier New" pitchFamily="49" charset="0"/>
-                <a:cs typeface="Courier New" pitchFamily="49" charset="0"/>
-              </a:rPr>
-              <a:t>body</a:t>
-            </a:r>
-            <a:r>
-              <a:rPr lang="sv-SE" sz="1400" dirty="0">
-                <a:latin typeface="Courier New" pitchFamily="49" charset="0"/>
-                <a:cs typeface="Courier New" pitchFamily="49" charset="0"/>
-              </a:rPr>
-              <a:t>&gt;</a:t>
-            </a:r>
-          </a:p>
-          <a:p>
-            <a:r>
-              <a:rPr lang="sv-SE" sz="1400" dirty="0">
-                <a:latin typeface="Courier New" pitchFamily="49" charset="0"/>
-                <a:cs typeface="Courier New" pitchFamily="49" charset="0"/>
-              </a:rPr>
-              <a:t>		</a:t>
-            </a:r>
-            <a:r>
-              <a:rPr lang="sv-SE" sz="1400" b="1" dirty="0">
-                <a:latin typeface="Courier New" pitchFamily="49" charset="0"/>
-                <a:cs typeface="Courier New" pitchFamily="49" charset="0"/>
-              </a:rPr>
-              <a:t>&lt;script </a:t>
-            </a:r>
-            <a:r>
-              <a:rPr lang="sv-SE" sz="1400" b="1" dirty="0" err="1">
-                <a:latin typeface="Courier New" pitchFamily="49" charset="0"/>
-                <a:cs typeface="Courier New" pitchFamily="49" charset="0"/>
-              </a:rPr>
-              <a:t>type</a:t>
-            </a:r>
-            <a:r>
-              <a:rPr lang="sv-SE" sz="1400" b="1" dirty="0">
-                <a:latin typeface="Courier New" pitchFamily="49" charset="0"/>
-                <a:cs typeface="Courier New" pitchFamily="49" charset="0"/>
-              </a:rPr>
-              <a:t>="text/</a:t>
-            </a:r>
-            <a:r>
-              <a:rPr lang="sv-SE" sz="1400" b="1" dirty="0" err="1">
-                <a:latin typeface="Courier New" pitchFamily="49" charset="0"/>
-                <a:cs typeface="Courier New" pitchFamily="49" charset="0"/>
-              </a:rPr>
-              <a:t>javascript</a:t>
-            </a:r>
-            <a:r>
-              <a:rPr lang="sv-SE" sz="1400" b="1" dirty="0">
-                <a:latin typeface="Courier New" pitchFamily="49" charset="0"/>
-                <a:cs typeface="Courier New" pitchFamily="49" charset="0"/>
-              </a:rPr>
-              <a:t>"&gt;</a:t>
-            </a:r>
-          </a:p>
-          <a:p>
-            <a:r>
-              <a:rPr lang="sv-SE" sz="1400" b="1" dirty="0">
-                <a:latin typeface="Courier New" pitchFamily="49" charset="0"/>
-                <a:cs typeface="Courier New" pitchFamily="49" charset="0"/>
-              </a:rPr>
-              <a:t>			</a:t>
-            </a:r>
-            <a:r>
-              <a:rPr lang="sv-SE" sz="1400" b="1" dirty="0" smtClean="0">
-                <a:latin typeface="Courier New" pitchFamily="49" charset="0"/>
-                <a:cs typeface="Courier New" pitchFamily="49" charset="0"/>
-              </a:rPr>
-              <a:t>myFunction1(); // Ok, inladdad</a:t>
-            </a:r>
-          </a:p>
-          <a:p>
-            <a:r>
-              <a:rPr lang="sv-SE" sz="1400" b="1" dirty="0">
-                <a:latin typeface="Courier New" pitchFamily="49" charset="0"/>
-                <a:cs typeface="Courier New" pitchFamily="49" charset="0"/>
-              </a:rPr>
-              <a:t>	</a:t>
-            </a:r>
-            <a:r>
-              <a:rPr lang="sv-SE" sz="1400" b="1" dirty="0" smtClean="0">
-                <a:latin typeface="Courier New" pitchFamily="49" charset="0"/>
-                <a:cs typeface="Courier New" pitchFamily="49" charset="0"/>
-              </a:rPr>
-              <a:t>		myFunction2(); // </a:t>
-            </a:r>
-            <a:r>
-              <a:rPr lang="sv-SE" sz="1400" b="1" dirty="0" err="1" smtClean="0">
-                <a:latin typeface="Courier New" pitchFamily="49" charset="0"/>
-                <a:cs typeface="Courier New" pitchFamily="49" charset="0"/>
-              </a:rPr>
-              <a:t>Fail</a:t>
-            </a:r>
-            <a:r>
-              <a:rPr lang="sv-SE" sz="1400" b="1" dirty="0" smtClean="0">
-                <a:latin typeface="Courier New" pitchFamily="49" charset="0"/>
-                <a:cs typeface="Courier New" pitchFamily="49" charset="0"/>
-              </a:rPr>
-              <a:t>, ej inladdad</a:t>
-            </a:r>
-            <a:endParaRPr lang="sv-SE" sz="1400" b="1" dirty="0">
+              <a:t>}</a:t>
+            </a:r>
+          </a:p>
+          <a:p>
+            <a:endParaRPr lang="sv-SE" sz="1600" dirty="0">
               <a:latin typeface="Courier New" pitchFamily="49" charset="0"/>
               <a:cs typeface="Courier New" pitchFamily="49" charset="0"/>
             </a:endParaRPr>
           </a:p>
           <a:p>
             <a:r>
-              <a:rPr lang="sv-SE" sz="1400" b="1" dirty="0">
+              <a:rPr lang="sv-SE" sz="1600" dirty="0">
                 <a:latin typeface="Courier New" pitchFamily="49" charset="0"/>
                 <a:cs typeface="Courier New" pitchFamily="49" charset="0"/>
               </a:rPr>
-              <a:t>		&lt;/script&gt;</a:t>
-            </a:r>
-          </a:p>
-          <a:p>
-            <a:r>
-              <a:rPr lang="sv-SE" sz="1400" dirty="0">
+              <a:t>var </a:t>
+            </a:r>
+            <a:r>
+              <a:rPr lang="sv-SE" sz="1600" dirty="0" err="1">
                 <a:latin typeface="Courier New" pitchFamily="49" charset="0"/>
                 <a:cs typeface="Courier New" pitchFamily="49" charset="0"/>
               </a:rPr>
+              <a:t>sum</a:t>
+            </a:r>
+            <a:r>
+              <a:rPr lang="sv-SE" sz="1600" dirty="0">
+                <a:latin typeface="Courier New" pitchFamily="49" charset="0"/>
+                <a:cs typeface="Courier New" pitchFamily="49" charset="0"/>
+              </a:rPr>
+              <a:t> = </a:t>
+            </a:r>
+            <a:r>
+              <a:rPr lang="sv-SE" sz="1600" dirty="0" err="1">
+                <a:latin typeface="Courier New" pitchFamily="49" charset="0"/>
+                <a:cs typeface="Courier New" pitchFamily="49" charset="0"/>
+              </a:rPr>
+              <a:t>function</a:t>
+            </a:r>
+            <a:r>
+              <a:rPr lang="sv-SE" sz="1600" dirty="0">
+                <a:latin typeface="Courier New" pitchFamily="49" charset="0"/>
+                <a:cs typeface="Courier New" pitchFamily="49" charset="0"/>
+              </a:rPr>
+              <a:t>(</a:t>
+            </a:r>
+            <a:r>
+              <a:rPr lang="sv-SE" sz="1600" dirty="0" err="1">
+                <a:latin typeface="Courier New" pitchFamily="49" charset="0"/>
+                <a:cs typeface="Courier New" pitchFamily="49" charset="0"/>
+              </a:rPr>
+              <a:t>x,y</a:t>
+            </a:r>
+            <a:r>
+              <a:rPr lang="sv-SE" sz="1600" dirty="0">
+                <a:latin typeface="Courier New" pitchFamily="49" charset="0"/>
+                <a:cs typeface="Courier New" pitchFamily="49" charset="0"/>
+              </a:rPr>
+              <a:t>){</a:t>
+            </a:r>
+          </a:p>
+          <a:p>
+            <a:r>
+              <a:rPr lang="sv-SE" sz="1600" dirty="0">
+                <a:latin typeface="Courier New" pitchFamily="49" charset="0"/>
+                <a:cs typeface="Courier New" pitchFamily="49" charset="0"/>
+              </a:rPr>
               <a:t>	</a:t>
             </a:r>
           </a:p>
           <a:p>
             <a:r>
-              <a:rPr lang="sv-SE" sz="1400" dirty="0">
+              <a:rPr lang="sv-SE" sz="1600" dirty="0">
                 <a:latin typeface="Courier New" pitchFamily="49" charset="0"/>
                 <a:cs typeface="Courier New" pitchFamily="49" charset="0"/>
               </a:rPr>
-              <a:t>		</a:t>
-            </a:r>
-            <a:r>
-              <a:rPr lang="sv-SE" sz="1400" b="1" dirty="0">
+              <a:t>	</a:t>
+            </a:r>
+            <a:r>
+              <a:rPr lang="sv-SE" sz="1600" dirty="0" err="1">
                 <a:latin typeface="Courier New" pitchFamily="49" charset="0"/>
                 <a:cs typeface="Courier New" pitchFamily="49" charset="0"/>
               </a:rPr>
-              <a:t>&lt;script </a:t>
-            </a:r>
-            <a:r>
-              <a:rPr lang="sv-SE" sz="1400" b="1" dirty="0" err="1" smtClean="0">
+              <a:t>return</a:t>
+            </a:r>
+            <a:r>
+              <a:rPr lang="sv-SE" sz="1600" dirty="0">
                 <a:latin typeface="Courier New" pitchFamily="49" charset="0"/>
                 <a:cs typeface="Courier New" pitchFamily="49" charset="0"/>
               </a:rPr>
-              <a:t>src</a:t>
-            </a:r>
-            <a:r>
-              <a:rPr lang="sv-SE" sz="1400" b="1" dirty="0" smtClean="0">
+              <a:t> </a:t>
+            </a:r>
+            <a:r>
+              <a:rPr lang="sv-SE" sz="1600" dirty="0" err="1">
                 <a:latin typeface="Courier New" pitchFamily="49" charset="0"/>
                 <a:cs typeface="Courier New" pitchFamily="49" charset="0"/>
               </a:rPr>
-              <a:t>="myFunc2.js</a:t>
-            </a:r>
-            <a:r>
-              <a:rPr lang="sv-SE" sz="1400" b="1" dirty="0">
+              <a:t>x+y</a:t>
+            </a:r>
+            <a:r>
+              <a:rPr lang="sv-SE" sz="1600" dirty="0">
                 <a:latin typeface="Courier New" pitchFamily="49" charset="0"/>
                 <a:cs typeface="Courier New" pitchFamily="49" charset="0"/>
               </a:rPr>
-              <a:t>"&gt;&lt;/script&gt;</a:t>
-            </a:r>
-          </a:p>
-          <a:p>
-            <a:r>
-              <a:rPr lang="sv-SE" sz="1400" dirty="0">
+              <a:t>;</a:t>
+            </a:r>
+          </a:p>
+          <a:p>
+            <a:r>
+              <a:rPr lang="sv-SE" sz="1600" dirty="0" smtClean="0">
                 <a:latin typeface="Courier New" pitchFamily="49" charset="0"/>
                 <a:cs typeface="Courier New" pitchFamily="49" charset="0"/>
               </a:rPr>
-              <a:t>	&lt;/</a:t>
-            </a:r>
-            <a:r>
-              <a:rPr lang="sv-SE" sz="1400" dirty="0" err="1">
-                <a:latin typeface="Courier New" pitchFamily="49" charset="0"/>
-                <a:cs typeface="Courier New" pitchFamily="49" charset="0"/>
-              </a:rPr>
-              <a:t>body</a:t>
-            </a:r>
-            <a:r>
-              <a:rPr lang="sv-SE" sz="1400" dirty="0">
-                <a:latin typeface="Courier New" pitchFamily="49" charset="0"/>
-                <a:cs typeface="Courier New" pitchFamily="49" charset="0"/>
-              </a:rPr>
-              <a:t>&gt;</a:t>
-            </a:r>
-          </a:p>
-          <a:p>
-            <a:endParaRPr lang="sv-SE" sz="1400" dirty="0">
+              <a:t>};</a:t>
+            </a:r>
+            <a:endParaRPr lang="sv-SE" sz="1600" dirty="0">
               <a:latin typeface="Courier New" pitchFamily="49" charset="0"/>
               <a:cs typeface="Courier New" pitchFamily="49" charset="0"/>
             </a:endParaRPr>
           </a:p>
           <a:p>
-            <a:r>
-              <a:rPr lang="sv-SE" sz="1400" dirty="0">
+            <a:endParaRPr lang="sv-SE" sz="1600" dirty="0">
+              <a:latin typeface="Courier New" pitchFamily="49" charset="0"/>
+              <a:cs typeface="Courier New" pitchFamily="49" charset="0"/>
+            </a:endParaRPr>
+          </a:p>
+          <a:p>
+            <a:r>
+              <a:rPr lang="sv-SE" sz="1600" dirty="0">
                 <a:latin typeface="Courier New" pitchFamily="49" charset="0"/>
                 <a:cs typeface="Courier New" pitchFamily="49" charset="0"/>
               </a:rPr>
-              <a:t>&lt;/html&gt;</a:t>
-            </a:r>
-            <a:endParaRPr lang="sv-SE" sz="1400" dirty="0" smtClean="0">
+              <a:t>var svar = </a:t>
+            </a:r>
+            <a:r>
+              <a:rPr lang="sv-SE" sz="1600" dirty="0" err="1">
+                <a:latin typeface="Courier New" pitchFamily="49" charset="0"/>
+                <a:cs typeface="Courier New" pitchFamily="49" charset="0"/>
+              </a:rPr>
+              <a:t>calculator</a:t>
+            </a:r>
+            <a:r>
+              <a:rPr lang="sv-SE" sz="1600" dirty="0">
+                <a:latin typeface="Courier New" pitchFamily="49" charset="0"/>
+                <a:cs typeface="Courier New" pitchFamily="49" charset="0"/>
+              </a:rPr>
+              <a:t>(</a:t>
+            </a:r>
+            <a:r>
+              <a:rPr lang="sv-SE" sz="1600" dirty="0" err="1">
+                <a:latin typeface="Courier New" pitchFamily="49" charset="0"/>
+                <a:cs typeface="Courier New" pitchFamily="49" charset="0"/>
+              </a:rPr>
+              <a:t>sum</a:t>
+            </a:r>
+            <a:r>
+              <a:rPr lang="sv-SE" sz="1600" dirty="0">
+                <a:latin typeface="Courier New" pitchFamily="49" charset="0"/>
+                <a:cs typeface="Courier New" pitchFamily="49" charset="0"/>
+              </a:rPr>
+              <a:t>);</a:t>
+            </a:r>
+          </a:p>
+          <a:p>
+            <a:endParaRPr lang="sv-SE" sz="1600" dirty="0">
+              <a:latin typeface="Courier New" pitchFamily="49" charset="0"/>
+              <a:cs typeface="Courier New" pitchFamily="49" charset="0"/>
+            </a:endParaRPr>
+          </a:p>
+          <a:p>
+            <a:r>
+              <a:rPr lang="sv-SE" sz="1600" dirty="0" smtClean="0">
+                <a:latin typeface="Courier New" pitchFamily="49" charset="0"/>
+                <a:cs typeface="Courier New" pitchFamily="49" charset="0"/>
+              </a:rPr>
+              <a:t>console.log(svar</a:t>
+            </a:r>
+            <a:r>
+              <a:rPr lang="sv-SE" sz="1600" dirty="0">
+                <a:latin typeface="Courier New" pitchFamily="49" charset="0"/>
+                <a:cs typeface="Courier New" pitchFamily="49" charset="0"/>
+              </a:rPr>
+              <a:t>); //30</a:t>
+            </a:r>
+          </a:p>
+          <a:p>
+            <a:endParaRPr lang="sv-SE" sz="1600" dirty="0">
+              <a:latin typeface="Courier New" pitchFamily="49" charset="0"/>
+              <a:cs typeface="Courier New" pitchFamily="49" charset="0"/>
+            </a:endParaRPr>
+          </a:p>
+          <a:p>
+            <a:r>
+              <a:rPr lang="sv-SE" sz="1600" dirty="0">
+                <a:latin typeface="Courier New" pitchFamily="49" charset="0"/>
+                <a:cs typeface="Courier New" pitchFamily="49" charset="0"/>
+              </a:rPr>
+              <a:t>svar = </a:t>
+            </a:r>
+            <a:r>
+              <a:rPr lang="sv-SE" sz="1600" dirty="0" err="1">
+                <a:latin typeface="Courier New" pitchFamily="49" charset="0"/>
+                <a:cs typeface="Courier New" pitchFamily="49" charset="0"/>
+              </a:rPr>
+              <a:t>calculator</a:t>
+            </a:r>
+            <a:r>
+              <a:rPr lang="sv-SE" sz="1600" dirty="0">
+                <a:latin typeface="Courier New" pitchFamily="49" charset="0"/>
+                <a:cs typeface="Courier New" pitchFamily="49" charset="0"/>
+              </a:rPr>
+              <a:t>(</a:t>
+            </a:r>
+            <a:r>
+              <a:rPr lang="sv-SE" sz="1600" dirty="0" err="1">
+                <a:latin typeface="Courier New" pitchFamily="49" charset="0"/>
+                <a:cs typeface="Courier New" pitchFamily="49" charset="0"/>
+              </a:rPr>
+              <a:t>function</a:t>
+            </a:r>
+            <a:r>
+              <a:rPr lang="sv-SE" sz="1600" dirty="0">
+                <a:latin typeface="Courier New" pitchFamily="49" charset="0"/>
+                <a:cs typeface="Courier New" pitchFamily="49" charset="0"/>
+              </a:rPr>
+              <a:t>(</a:t>
+            </a:r>
+            <a:r>
+              <a:rPr lang="sv-SE" sz="1600" dirty="0" err="1">
+                <a:latin typeface="Courier New" pitchFamily="49" charset="0"/>
+                <a:cs typeface="Courier New" pitchFamily="49" charset="0"/>
+              </a:rPr>
+              <a:t>x,y</a:t>
+            </a:r>
+            <a:r>
+              <a:rPr lang="sv-SE" sz="1600" dirty="0">
+                <a:latin typeface="Courier New" pitchFamily="49" charset="0"/>
+                <a:cs typeface="Courier New" pitchFamily="49" charset="0"/>
+              </a:rPr>
+              <a:t>) { </a:t>
+            </a:r>
+            <a:r>
+              <a:rPr lang="sv-SE" sz="1600" dirty="0" err="1">
+                <a:latin typeface="Courier New" pitchFamily="49" charset="0"/>
+                <a:cs typeface="Courier New" pitchFamily="49" charset="0"/>
+              </a:rPr>
+              <a:t>return</a:t>
+            </a:r>
+            <a:r>
+              <a:rPr lang="sv-SE" sz="1600" dirty="0">
+                <a:latin typeface="Courier New" pitchFamily="49" charset="0"/>
+                <a:cs typeface="Courier New" pitchFamily="49" charset="0"/>
+              </a:rPr>
+              <a:t> x-y</a:t>
+            </a:r>
+            <a:r>
+              <a:rPr lang="sv-SE" sz="1600" dirty="0" smtClean="0">
+                <a:latin typeface="Courier New" pitchFamily="49" charset="0"/>
+                <a:cs typeface="Courier New" pitchFamily="49" charset="0"/>
+              </a:rPr>
+              <a:t>;};);</a:t>
+            </a:r>
+            <a:endParaRPr lang="sv-SE" sz="1600" dirty="0">
+              <a:latin typeface="Courier New" pitchFamily="49" charset="0"/>
+              <a:cs typeface="Courier New" pitchFamily="49" charset="0"/>
+            </a:endParaRPr>
+          </a:p>
+          <a:p>
+            <a:r>
+              <a:rPr lang="sv-SE" sz="1600" dirty="0" smtClean="0">
+                <a:latin typeface="Courier New" pitchFamily="49" charset="0"/>
+                <a:cs typeface="Courier New" pitchFamily="49" charset="0"/>
+              </a:rPr>
+              <a:t>console.log(svar); //-</a:t>
+            </a:r>
+            <a:r>
+              <a:rPr lang="sv-SE" sz="1600" dirty="0" smtClean="0">
+                <a:latin typeface="Courier New" pitchFamily="49" charset="0"/>
+                <a:cs typeface="Courier New" pitchFamily="49" charset="0"/>
+              </a:rPr>
+              <a:t>10</a:t>
+            </a:r>
+            <a:endParaRPr lang="sv-SE" sz="1600" dirty="0">
               <a:latin typeface="Courier New" pitchFamily="49" charset="0"/>
               <a:cs typeface="Courier New" pitchFamily="49" charset="0"/>
             </a:endParaRPr>
@@ -25132,7 +26215,7 @@
       </p:sp>
       <p:pic>
         <p:nvPicPr>
-          <p:cNvPr id="5" name="Picture 3" descr="P:\Icons\128x128\shadow\branch_element.png"/>
+          <p:cNvPr id="6" name="Picture 3" descr="P:\Icons\128x128\shadow\branch_element.png"/>
           <p:cNvPicPr>
             <a:picLocks noChangeAspect="1" noChangeArrowheads="1"/>
           </p:cNvPicPr>
@@ -25174,7 +26257,7 @@
     </p:spTree>
     <p:extLst>
       <p:ext uri="{BB962C8B-B14F-4D97-AF65-F5344CB8AC3E}">
-        <p14:creationId xmlns:p14="http://schemas.microsoft.com/office/powerpoint/2010/main" val="161776351"/>
+        <p14:creationId xmlns:p14="http://schemas.microsoft.com/office/powerpoint/2010/main" val="1669224567"/>
       </p:ext>
     </p:extLst>
   </p:cSld>

--- a/lectures/E03-Funktioner/E03 - Funktioner.pptx
+++ b/lectures/E03-Funktioner/E03 - Funktioner.pptx
@@ -16412,6 +16412,222 @@
               </a:rPr>
               <a:t>IE9+</a:t>
             </a:r>
+          </a:p>
+        </p:txBody>
+      </p:sp>
+      <p:sp>
+        <p:nvSpPr>
+          <p:cNvPr id="3" name="TextBox 2"/>
+          <p:cNvSpPr txBox="1"/>
+          <p:nvPr/>
+        </p:nvSpPr>
+        <p:spPr>
+          <a:xfrm>
+            <a:off x="611560" y="1273324"/>
+            <a:ext cx="1951726" cy="707886"/>
+          </a:xfrm>
+          <a:prstGeom prst="rect">
+            <a:avLst/>
+          </a:prstGeom>
+          <a:noFill/>
+        </p:spPr>
+        <p:txBody>
+          <a:bodyPr wrap="none" rtlCol="0">
+            <a:spAutoFit/>
+          </a:bodyPr>
+          <a:lstStyle/>
+          <a:p>
+            <a:r>
+              <a:rPr lang="en-US" sz="4000" dirty="0" smtClean="0">
+                <a:latin typeface="Minya Nouvelle" pitchFamily="2" charset="0"/>
+              </a:rPr>
+              <a:t>[].map()</a:t>
+            </a:r>
+            <a:endParaRPr lang="en-US" sz="4000" dirty="0" smtClean="0">
+              <a:latin typeface="Minya Nouvelle" pitchFamily="2" charset="0"/>
+            </a:endParaRPr>
+          </a:p>
+        </p:txBody>
+      </p:sp>
+      <p:sp>
+        <p:nvSpPr>
+          <p:cNvPr id="6" name="TextBox 5"/>
+          <p:cNvSpPr txBox="1"/>
+          <p:nvPr/>
+        </p:nvSpPr>
+        <p:spPr>
+          <a:xfrm>
+            <a:off x="2483768" y="1921396"/>
+            <a:ext cx="2721668" cy="707886"/>
+          </a:xfrm>
+          <a:prstGeom prst="rect">
+            <a:avLst/>
+          </a:prstGeom>
+          <a:noFill/>
+        </p:spPr>
+        <p:txBody>
+          <a:bodyPr wrap="none" rtlCol="0">
+            <a:spAutoFit/>
+          </a:bodyPr>
+          <a:lstStyle/>
+          <a:p>
+            <a:r>
+              <a:rPr lang="en-US" sz="4000" dirty="0" smtClean="0">
+                <a:latin typeface="Minya Nouvelle" pitchFamily="2" charset="0"/>
+              </a:rPr>
+              <a:t>[].</a:t>
+            </a:r>
+            <a:r>
+              <a:rPr lang="en-US" sz="4000" dirty="0" err="1" smtClean="0">
+                <a:latin typeface="Minya Nouvelle" pitchFamily="2" charset="0"/>
+              </a:rPr>
+              <a:t>forEach</a:t>
+            </a:r>
+            <a:r>
+              <a:rPr lang="en-US" sz="4000" dirty="0" smtClean="0">
+                <a:latin typeface="Minya Nouvelle" pitchFamily="2" charset="0"/>
+              </a:rPr>
+              <a:t>()</a:t>
+            </a:r>
+            <a:endParaRPr lang="en-US" sz="4000" dirty="0" smtClean="0">
+              <a:latin typeface="Minya Nouvelle" pitchFamily="2" charset="0"/>
+            </a:endParaRPr>
+          </a:p>
+        </p:txBody>
+      </p:sp>
+      <p:sp>
+        <p:nvSpPr>
+          <p:cNvPr id="7" name="TextBox 6"/>
+          <p:cNvSpPr txBox="1"/>
+          <p:nvPr/>
+        </p:nvSpPr>
+        <p:spPr>
+          <a:xfrm>
+            <a:off x="323528" y="3217540"/>
+            <a:ext cx="2522295" cy="707886"/>
+          </a:xfrm>
+          <a:prstGeom prst="rect">
+            <a:avLst/>
+          </a:prstGeom>
+          <a:noFill/>
+        </p:spPr>
+        <p:txBody>
+          <a:bodyPr wrap="none" rtlCol="0">
+            <a:spAutoFit/>
+          </a:bodyPr>
+          <a:lstStyle/>
+          <a:p>
+            <a:r>
+              <a:rPr lang="en-US" sz="4000" dirty="0" smtClean="0">
+                <a:latin typeface="Minya Nouvelle" pitchFamily="2" charset="0"/>
+              </a:rPr>
+              <a:t>[].reduce()</a:t>
+            </a:r>
+            <a:endParaRPr lang="en-US" sz="4000" dirty="0" smtClean="0">
+              <a:latin typeface="Minya Nouvelle" pitchFamily="2" charset="0"/>
+            </a:endParaRPr>
+          </a:p>
+        </p:txBody>
+      </p:sp>
+      <p:sp>
+        <p:nvSpPr>
+          <p:cNvPr id="8" name="TextBox 7"/>
+          <p:cNvSpPr txBox="1"/>
+          <p:nvPr/>
+        </p:nvSpPr>
+        <p:spPr>
+          <a:xfrm>
+            <a:off x="3779912" y="3793604"/>
+            <a:ext cx="2208207" cy="707886"/>
+          </a:xfrm>
+          <a:prstGeom prst="rect">
+            <a:avLst/>
+          </a:prstGeom>
+          <a:noFill/>
+        </p:spPr>
+        <p:txBody>
+          <a:bodyPr wrap="none" rtlCol="0">
+            <a:spAutoFit/>
+          </a:bodyPr>
+          <a:lstStyle/>
+          <a:p>
+            <a:r>
+              <a:rPr lang="en-US" sz="4000" dirty="0" smtClean="0">
+                <a:latin typeface="Minya Nouvelle" pitchFamily="2" charset="0"/>
+              </a:rPr>
+              <a:t>[].every()</a:t>
+            </a:r>
+            <a:endParaRPr lang="en-US" sz="4000" dirty="0" smtClean="0">
+              <a:latin typeface="Minya Nouvelle" pitchFamily="2" charset="0"/>
+            </a:endParaRPr>
+          </a:p>
+        </p:txBody>
+      </p:sp>
+      <p:sp>
+        <p:nvSpPr>
+          <p:cNvPr id="9" name="TextBox 8"/>
+          <p:cNvSpPr txBox="1"/>
+          <p:nvPr/>
+        </p:nvSpPr>
+        <p:spPr>
+          <a:xfrm>
+            <a:off x="5580112" y="2353444"/>
+            <a:ext cx="1922922" cy="707886"/>
+          </a:xfrm>
+          <a:prstGeom prst="rect">
+            <a:avLst/>
+          </a:prstGeom>
+          <a:noFill/>
+        </p:spPr>
+        <p:txBody>
+          <a:bodyPr wrap="none" rtlCol="0">
+            <a:spAutoFit/>
+          </a:bodyPr>
+          <a:lstStyle/>
+          <a:p>
+            <a:r>
+              <a:rPr lang="en-US" sz="4000" dirty="0" smtClean="0">
+                <a:latin typeface="Minya Nouvelle" pitchFamily="2" charset="0"/>
+              </a:rPr>
+              <a:t>[].filter()</a:t>
+            </a:r>
+            <a:endParaRPr lang="en-US" sz="4000" dirty="0" smtClean="0">
+              <a:latin typeface="Minya Nouvelle" pitchFamily="2" charset="0"/>
+            </a:endParaRPr>
+          </a:p>
+        </p:txBody>
+      </p:sp>
+      <p:sp>
+        <p:nvSpPr>
+          <p:cNvPr id="10" name="TextBox 9"/>
+          <p:cNvSpPr txBox="1"/>
+          <p:nvPr/>
+        </p:nvSpPr>
+        <p:spPr>
+          <a:xfrm>
+            <a:off x="6660232" y="3937620"/>
+            <a:ext cx="697627" cy="707886"/>
+          </a:xfrm>
+          <a:prstGeom prst="rect">
+            <a:avLst/>
+          </a:prstGeom>
+          <a:noFill/>
+        </p:spPr>
+        <p:txBody>
+          <a:bodyPr wrap="none" rtlCol="0">
+            <a:spAutoFit/>
+          </a:bodyPr>
+          <a:lstStyle/>
+          <a:p>
+            <a:r>
+              <a:rPr lang="en-US" sz="4000" dirty="0" smtClean="0">
+                <a:latin typeface="Minya Nouvelle" pitchFamily="2" charset="0"/>
+              </a:rPr>
+              <a:t>…</a:t>
+            </a:r>
+            <a:endParaRPr lang="en-US" sz="4000" dirty="0" smtClean="0">
+              <a:latin typeface="Minya Nouvelle" pitchFamily="2" charset="0"/>
+            </a:endParaRPr>
           </a:p>
         </p:txBody>
       </p:sp>
